--- a/iOS/1. Termin/Termin 1.pptx
+++ b/iOS/1. Termin/Termin 1.pptx
@@ -286,7 +286,7 @@
               <a:rPr lang="de-DE" smtClean="0">
                 <a:latin typeface="AA Zuehlke" pitchFamily="2" charset="0"/>
               </a:rPr>
-              <a:t>07.02.17</a:t>
+              <a:t>20.02.17</a:t>
             </a:fld>
             <a:endParaRPr lang="de-DE">
               <a:latin typeface="AA Zuehlke" pitchFamily="2" charset="0"/>
@@ -464,7 +464,7 @@
             <a:fld id="{A6966AE6-B72D-4967-9CA3-8469D2863705}" type="datetimeFigureOut">
               <a:rPr lang="en-US" smtClean="0"/>
               <a:pPr/>
-              <a:t>2/7/17</a:t>
+              <a:t>2/20/17</a:t>
             </a:fld>
             <a:endParaRPr lang="en-US" dirty="0"/>
           </a:p>
@@ -11423,14 +11423,14 @@
             <p:ph idx="1"/>
             <p:extLst>
               <p:ext uri="{D42A27DB-BD31-4B8C-83A1-F6EECF244321}">
-                <p14:modId xmlns:p14="http://schemas.microsoft.com/office/powerpoint/2010/main" val="446829537"/>
+                <p14:modId xmlns:p14="http://schemas.microsoft.com/office/powerpoint/2010/main" val="359331008"/>
               </p:ext>
             </p:extLst>
           </p:nvPr>
         </p:nvGraphicFramePr>
         <p:xfrm>
           <a:off x="773113" y="1789113"/>
-          <a:ext cx="11215686" cy="3032760"/>
+          <a:ext cx="11215686" cy="3947160"/>
         </p:xfrm>
         <a:graphic>
           <a:graphicData uri="http://schemas.openxmlformats.org/drawingml/2006/table">
@@ -11553,6 +11553,110 @@
                     <a:p>
                       <a:r>
                         <a:rPr lang="de-DE" dirty="0" smtClean="0"/>
+                        <a:t>Swift </a:t>
+                      </a:r>
+                      <a:r>
+                        <a:rPr lang="de-DE" dirty="0" err="1" smtClean="0"/>
+                        <a:t>Programming</a:t>
+                      </a:r>
+                      <a:r>
+                        <a:rPr lang="de-DE" dirty="0" smtClean="0"/>
+                        <a:t> Language</a:t>
+                      </a:r>
+                      <a:endParaRPr lang="de-DE" dirty="0"/>
+                    </a:p>
+                  </a:txBody>
+                  <a:tcPr/>
+                </a:tc>
+                <a:tc>
+                  <a:txBody>
+                    <a:bodyPr/>
+                    <a:lstStyle/>
+                    <a:p>
+                      <a:r>
+                        <a:rPr lang="de-DE" dirty="0" smtClean="0"/>
+                        <a:t>https://</a:t>
+                      </a:r>
+                      <a:r>
+                        <a:rPr lang="de-DE" dirty="0" err="1" smtClean="0"/>
+                        <a:t>developer.apple.com</a:t>
+                      </a:r>
+                      <a:r>
+                        <a:rPr lang="de-DE" dirty="0" smtClean="0"/>
+                        <a:t>/</a:t>
+                      </a:r>
+                      <a:r>
+                        <a:rPr lang="de-DE" dirty="0" err="1" smtClean="0"/>
+                        <a:t>library</a:t>
+                      </a:r>
+                      <a:r>
+                        <a:rPr lang="de-DE" dirty="0" smtClean="0"/>
+                        <a:t>/</a:t>
+                      </a:r>
+                      <a:r>
+                        <a:rPr lang="de-DE" dirty="0" err="1" smtClean="0"/>
+                        <a:t>content</a:t>
+                      </a:r>
+                      <a:r>
+                        <a:rPr lang="de-DE" dirty="0" smtClean="0"/>
+                        <a:t>/</a:t>
+                      </a:r>
+                      <a:r>
+                        <a:rPr lang="de-DE" dirty="0" err="1" smtClean="0"/>
+                        <a:t>documentation</a:t>
+                      </a:r>
+                      <a:r>
+                        <a:rPr lang="de-DE" dirty="0" smtClean="0"/>
+                        <a:t>/Swift/</a:t>
+                      </a:r>
+                      <a:r>
+                        <a:rPr lang="de-DE" dirty="0" err="1" smtClean="0"/>
+                        <a:t>Conceptual</a:t>
+                      </a:r>
+                      <a:r>
+                        <a:rPr lang="de-DE" dirty="0" smtClean="0"/>
+                        <a:t>/</a:t>
+                      </a:r>
+                      <a:r>
+                        <a:rPr lang="de-DE" dirty="0" err="1" smtClean="0"/>
+                        <a:t>Swift_Programming_Language</a:t>
+                      </a:r>
+                      <a:r>
+                        <a:rPr lang="de-DE" dirty="0" smtClean="0"/>
+                        <a:t>/</a:t>
+                      </a:r>
+                      <a:r>
+                        <a:rPr lang="de-DE" dirty="0" err="1" smtClean="0"/>
+                        <a:t>index.html</a:t>
+                      </a:r>
+                      <a:endParaRPr lang="de-DE" dirty="0"/>
+                    </a:p>
+                  </a:txBody>
+                  <a:tcPr/>
+                </a:tc>
+                <a:tc>
+                  <a:txBody>
+                    <a:bodyPr/>
+                    <a:lstStyle/>
+                    <a:p>
+                      <a:r>
+                        <a:rPr lang="de-DE" dirty="0" smtClean="0"/>
+                        <a:t>Offizielle Doku zu Swift</a:t>
+                      </a:r>
+                      <a:endParaRPr lang="de-DE" dirty="0"/>
+                    </a:p>
+                  </a:txBody>
+                  <a:tcPr/>
+                </a:tc>
+              </a:tr>
+              <a:tr h="370840">
+                <a:tc>
+                  <a:txBody>
+                    <a:bodyPr/>
+                    <a:lstStyle/>
+                    <a:p>
+                      <a:r>
+                        <a:rPr lang="de-DE" dirty="0" smtClean="0"/>
                         <a:t>Stanford iOS Kurs</a:t>
                       </a:r>
                       <a:endParaRPr lang="de-DE" dirty="0"/>
@@ -11569,7 +11673,7 @@
                         <a:rPr lang="de-DE" dirty="0" smtClean="0">
                           <a:hlinkClick r:id="rId3"/>
                         </a:rPr>
-                        <a:t>https://itunes.apple.com/us/course/developing-ios-9-apps-swift/id1104579961</a:t>
+                        <a:t>https://itunes.apple.com/ch/course/developing-ios-10-apps-with-swift/id1198467120</a:t>
                       </a:r>
                       <a:r>
                         <a:rPr lang="de-DE" dirty="0" smtClean="0"/>

--- a/iOS/1. Termin/Termin 1.pptx
+++ b/iOS/1. Termin/Termin 1.pptx
@@ -5,28 +5,34 @@
     <p:sldMasterId id="2147483648" r:id="rId1"/>
   </p:sldMasterIdLst>
   <p:notesMasterIdLst>
-    <p:notesMasterId r:id="rId13"/>
+    <p:notesMasterId r:id="rId19"/>
   </p:notesMasterIdLst>
   <p:handoutMasterIdLst>
-    <p:handoutMasterId r:id="rId14"/>
+    <p:handoutMasterId r:id="rId20"/>
   </p:handoutMasterIdLst>
   <p:sldIdLst>
     <p:sldId id="256" r:id="rId2"/>
     <p:sldId id="266" r:id="rId3"/>
     <p:sldId id="260" r:id="rId4"/>
-    <p:sldId id="264" r:id="rId5"/>
-    <p:sldId id="268" r:id="rId6"/>
-    <p:sldId id="267" r:id="rId7"/>
-    <p:sldId id="270" r:id="rId8"/>
-    <p:sldId id="265" r:id="rId9"/>
-    <p:sldId id="269" r:id="rId10"/>
-    <p:sldId id="271" r:id="rId11"/>
-    <p:sldId id="272" r:id="rId12"/>
+    <p:sldId id="270" r:id="rId5"/>
+    <p:sldId id="264" r:id="rId6"/>
+    <p:sldId id="268" r:id="rId7"/>
+    <p:sldId id="267" r:id="rId8"/>
+    <p:sldId id="273" r:id="rId9"/>
+    <p:sldId id="274" r:id="rId10"/>
+    <p:sldId id="275" r:id="rId11"/>
+    <p:sldId id="276" r:id="rId12"/>
+    <p:sldId id="277" r:id="rId13"/>
+    <p:sldId id="278" r:id="rId14"/>
+    <p:sldId id="265" r:id="rId15"/>
+    <p:sldId id="269" r:id="rId16"/>
+    <p:sldId id="271" r:id="rId17"/>
+    <p:sldId id="272" r:id="rId18"/>
   </p:sldIdLst>
   <p:sldSz cx="12192000" cy="6858000"/>
   <p:notesSz cx="6858000" cy="9144000"/>
   <p:custDataLst>
-    <p:tags r:id="rId15"/>
+    <p:tags r:id="rId21"/>
   </p:custDataLst>
   <p:defaultTextStyle>
     <a:defPPr>
@@ -131,10 +137,16 @@
             <p14:sldId id="256"/>
             <p14:sldId id="266"/>
             <p14:sldId id="260"/>
+            <p14:sldId id="270"/>
             <p14:sldId id="264"/>
             <p14:sldId id="268"/>
             <p14:sldId id="267"/>
-            <p14:sldId id="270"/>
+            <p14:sldId id="273"/>
+            <p14:sldId id="274"/>
+            <p14:sldId id="275"/>
+            <p14:sldId id="276"/>
+            <p14:sldId id="277"/>
+            <p14:sldId id="278"/>
             <p14:sldId id="265"/>
             <p14:sldId id="269"/>
             <p14:sldId id="271"/>
@@ -286,7 +298,7 @@
               <a:rPr lang="de-DE" smtClean="0">
                 <a:latin typeface="AA Zuehlke" pitchFamily="2" charset="0"/>
               </a:rPr>
-              <a:t>20.02.17</a:t>
+              <a:t>25.02.17</a:t>
             </a:fld>
             <a:endParaRPr lang="de-DE">
               <a:latin typeface="AA Zuehlke" pitchFamily="2" charset="0"/>
@@ -464,7 +476,7 @@
             <a:fld id="{A6966AE6-B72D-4967-9CA3-8469D2863705}" type="datetimeFigureOut">
               <a:rPr lang="en-US" smtClean="0"/>
               <a:pPr/>
-              <a:t>2/20/17</a:t>
+              <a:t>2/25/17</a:t>
             </a:fld>
             <a:endParaRPr lang="en-US" dirty="0"/>
           </a:p>
@@ -3034,7 +3046,7 @@
             <a:fld id="{04E102C5-3B9C-48EE-BFF0-2E7AF2F2A1F4}" type="slidenum">
               <a:rPr lang="en-US" smtClean="0"/>
               <a:pPr/>
-              <a:t>5</a:t>
+              <a:t>6</a:t>
             </a:fld>
             <a:endParaRPr lang="en-US" dirty="0"/>
           </a:p>
@@ -3119,7 +3131,7 @@
             <a:fld id="{04E102C5-3B9C-48EE-BFF0-2E7AF2F2A1F4}" type="slidenum">
               <a:rPr lang="en-US" smtClean="0"/>
               <a:pPr/>
-              <a:t>9</a:t>
+              <a:t>15</a:t>
             </a:fld>
             <a:endParaRPr lang="en-US" dirty="0"/>
           </a:p>
@@ -7727,8 +7739,16 @@
           <a:lstStyle/>
           <a:p>
             <a:r>
+              <a:rPr lang="de-DE" dirty="0" err="1" smtClean="0"/>
+              <a:t>Automatic</a:t>
+            </a:r>
+            <a:r>
               <a:rPr lang="de-DE" dirty="0" smtClean="0"/>
-              <a:t>Swift-Features</a:t>
+              <a:t> Reference </a:t>
+            </a:r>
+            <a:r>
+              <a:rPr lang="de-DE" dirty="0" err="1" smtClean="0"/>
+              <a:t>Counting</a:t>
             </a:r>
             <a:endParaRPr lang="de-DE" dirty="0"/>
           </a:p>
@@ -7808,16 +7828,99 @@
           </a:p>
         </p:txBody>
       </p:sp>
+      <p:sp>
+        <p:nvSpPr>
+          <p:cNvPr id="9" name="Textfeld 8"/>
+          <p:cNvSpPr txBox="1"/>
+          <p:nvPr/>
+        </p:nvSpPr>
+        <p:spPr>
+          <a:xfrm>
+            <a:off x="1523886" y="5853820"/>
+            <a:ext cx="3168352" cy="360040"/>
+          </a:xfrm>
+          <a:prstGeom prst="rect">
+            <a:avLst/>
+          </a:prstGeom>
+          <a:noFill/>
+        </p:spPr>
+        <p:txBody>
+          <a:bodyPr wrap="square" rtlCol="0">
+            <a:noAutofit/>
+          </a:bodyPr>
+          <a:lstStyle/>
+          <a:p>
+            <a:r>
+              <a:rPr lang="de-DE" sz="2200" dirty="0" smtClean="0">
+                <a:latin typeface="AA Zuehlke" pitchFamily="2" charset="0"/>
+                <a:hlinkClick r:id="rId2"/>
+              </a:rPr>
+              <a:t>Apple-Doku</a:t>
+            </a:r>
+            <a:endParaRPr lang="de-DE" sz="2200" dirty="0" smtClean="0">
+              <a:latin typeface="AA Zuehlke" pitchFamily="2" charset="0"/>
+            </a:endParaRPr>
+          </a:p>
+        </p:txBody>
+      </p:sp>
+      <p:sp>
+        <p:nvSpPr>
+          <p:cNvPr id="11" name="Pfeil nach rechts 10"/>
+          <p:cNvSpPr/>
+          <p:nvPr/>
+        </p:nvSpPr>
+        <p:spPr>
+          <a:xfrm>
+            <a:off x="983432" y="5968425"/>
+            <a:ext cx="509233" cy="268887"/>
+          </a:xfrm>
+          <a:prstGeom prst="rightArrow">
+            <a:avLst/>
+          </a:prstGeom>
+          <a:solidFill>
+            <a:srgbClr val="FF820A"/>
+          </a:solidFill>
+          <a:ln w="12700">
+            <a:noFill/>
+          </a:ln>
+        </p:spPr>
+        <p:style>
+          <a:lnRef idx="2">
+            <a:schemeClr val="accent1">
+              <a:shade val="50000"/>
+            </a:schemeClr>
+          </a:lnRef>
+          <a:fillRef idx="1">
+            <a:schemeClr val="accent1"/>
+          </a:fillRef>
+          <a:effectRef idx="0">
+            <a:schemeClr val="accent1"/>
+          </a:effectRef>
+          <a:fontRef idx="minor">
+            <a:schemeClr val="lt1"/>
+          </a:fontRef>
+        </p:style>
+        <p:txBody>
+          <a:bodyPr rtlCol="0" anchor="ctr"/>
+          <a:lstStyle/>
+          <a:p>
+            <a:pPr algn="ctr"/>
+            <a:endParaRPr lang="de-DE" sz="2200" dirty="0" err="1" smtClean="0">
+              <a:latin typeface="AA Zuehlke" pitchFamily="2" charset="0"/>
+            </a:endParaRPr>
+          </a:p>
+        </p:txBody>
+      </p:sp>
       <p:pic>
         <p:nvPicPr>
-          <p:cNvPr id="8" name="Bild 7"/>
+          <p:cNvPr id="7" name="Bild 6"/>
           <p:cNvPicPr>
             <a:picLocks noChangeAspect="1"/>
           </p:cNvPicPr>
           <p:nvPr/>
         </p:nvPicPr>
         <p:blipFill>
-          <a:blip r:embed="rId2">
+          <a:blip r:embed="rId3">
             <a:extLst>
               <a:ext uri="{28A0092B-C50C-407E-A947-70E740481C1C}">
                 <a14:useLocalDpi xmlns:a14="http://schemas.microsoft.com/office/drawing/2010/main" val="0"/>
@@ -7830,493 +7933,18 @@
         </p:blipFill>
         <p:spPr>
           <a:xfrm>
-            <a:off x="8341787" y="1628800"/>
-            <a:ext cx="3514853" cy="3514853"/>
+            <a:off x="1080000" y="1620000"/>
+            <a:ext cx="10800000" cy="3447725"/>
           </a:xfrm>
           <a:prstGeom prst="rect">
             <a:avLst/>
           </a:prstGeom>
         </p:spPr>
       </p:pic>
-      <p:sp>
-        <p:nvSpPr>
-          <p:cNvPr id="9" name="Textfeld 8"/>
-          <p:cNvSpPr txBox="1"/>
-          <p:nvPr/>
-        </p:nvSpPr>
-        <p:spPr>
-          <a:xfrm>
-            <a:off x="772584" y="1476984"/>
-            <a:ext cx="7339639" cy="4688320"/>
-          </a:xfrm>
-          <a:prstGeom prst="rect">
-            <a:avLst/>
-          </a:prstGeom>
-          <a:noFill/>
-        </p:spPr>
-        <p:txBody>
-          <a:bodyPr wrap="square" rtlCol="0">
-            <a:noAutofit/>
-          </a:bodyPr>
-          <a:lstStyle/>
-          <a:p>
-            <a:pPr marL="342900" indent="-342900">
-              <a:buFont typeface="Arial" charset="0"/>
-              <a:buChar char="•"/>
-            </a:pPr>
-            <a:r>
-              <a:rPr lang="de-DE" sz="2400" dirty="0" err="1" smtClean="0"/>
-              <a:t>Multiparadigm</a:t>
-            </a:r>
-            <a:r>
-              <a:rPr lang="de-DE" sz="2400" dirty="0" smtClean="0"/>
-              <a:t>: </a:t>
-            </a:r>
-            <a:r>
-              <a:rPr lang="de-DE" sz="2400" dirty="0" err="1" smtClean="0"/>
-              <a:t>functional</a:t>
-            </a:r>
-            <a:r>
-              <a:rPr lang="de-DE" sz="2400" dirty="0" smtClean="0"/>
-              <a:t>, imperative, </a:t>
-            </a:r>
-            <a:r>
-              <a:rPr lang="de-DE" sz="2400" dirty="0" err="1" smtClean="0"/>
-              <a:t>generic</a:t>
-            </a:r>
-            <a:r>
-              <a:rPr lang="de-DE" sz="2400" dirty="0" smtClean="0"/>
-              <a:t>, OOP</a:t>
-            </a:r>
-          </a:p>
-          <a:p>
-            <a:pPr marL="342900" indent="-342900">
-              <a:buFont typeface="Arial" charset="0"/>
-              <a:buChar char="•"/>
-            </a:pPr>
-            <a:r>
-              <a:rPr lang="de-DE" sz="2400" dirty="0" smtClean="0"/>
-              <a:t>Memory </a:t>
-            </a:r>
-            <a:r>
-              <a:rPr lang="de-DE" sz="2400" dirty="0" err="1" smtClean="0"/>
-              <a:t>safe</a:t>
-            </a:r>
-            <a:r>
-              <a:rPr lang="de-DE" sz="2400" dirty="0" smtClean="0"/>
-              <a:t> </a:t>
-            </a:r>
-            <a:r>
-              <a:rPr lang="de-DE" sz="2400" dirty="0" err="1" smtClean="0"/>
-              <a:t>by</a:t>
-            </a:r>
-            <a:r>
-              <a:rPr lang="de-DE" sz="2400" dirty="0" smtClean="0"/>
-              <a:t> </a:t>
-            </a:r>
-            <a:r>
-              <a:rPr lang="de-DE" sz="2400" dirty="0" err="1" smtClean="0"/>
-              <a:t>default</a:t>
-            </a:r>
-            <a:endParaRPr lang="de-DE" sz="2400" dirty="0" smtClean="0"/>
-          </a:p>
-          <a:p>
-            <a:pPr marL="342900" indent="-342900">
-              <a:buFont typeface="Arial" charset="0"/>
-              <a:buChar char="•"/>
-            </a:pPr>
-            <a:r>
-              <a:rPr lang="de-DE" sz="2400" dirty="0" err="1" smtClean="0"/>
-              <a:t>Closures</a:t>
-            </a:r>
-            <a:r>
-              <a:rPr lang="de-DE" sz="2400" dirty="0" smtClean="0"/>
-              <a:t> </a:t>
-            </a:r>
-            <a:r>
-              <a:rPr lang="de-DE" sz="2400" dirty="0" err="1"/>
-              <a:t>unified</a:t>
-            </a:r>
-            <a:r>
-              <a:rPr lang="de-DE" sz="2400" dirty="0"/>
-              <a:t> </a:t>
-            </a:r>
-            <a:r>
-              <a:rPr lang="de-DE" sz="2400" dirty="0" err="1"/>
-              <a:t>with</a:t>
-            </a:r>
-            <a:r>
-              <a:rPr lang="de-DE" sz="2400" dirty="0"/>
-              <a:t> </a:t>
-            </a:r>
-            <a:r>
-              <a:rPr lang="de-DE" sz="2400" dirty="0" err="1"/>
-              <a:t>function</a:t>
-            </a:r>
-            <a:r>
-              <a:rPr lang="de-DE" sz="2400" dirty="0"/>
-              <a:t> </a:t>
-            </a:r>
-            <a:r>
-              <a:rPr lang="de-DE" sz="2400" dirty="0" err="1"/>
-              <a:t>pointers</a:t>
-            </a:r>
-            <a:endParaRPr lang="de-DE" sz="2400" dirty="0"/>
-          </a:p>
-          <a:p>
-            <a:pPr marL="342900" indent="-342900">
-              <a:buFont typeface="Arial" charset="0"/>
-              <a:buChar char="•"/>
-            </a:pPr>
-            <a:r>
-              <a:rPr lang="de-DE" sz="2400" dirty="0" err="1"/>
-              <a:t>Tuples</a:t>
-            </a:r>
-            <a:r>
-              <a:rPr lang="de-DE" sz="2400" dirty="0"/>
-              <a:t> </a:t>
-            </a:r>
-            <a:r>
-              <a:rPr lang="de-DE" sz="2400" dirty="0" err="1"/>
-              <a:t>and</a:t>
-            </a:r>
-            <a:r>
-              <a:rPr lang="de-DE" sz="2400" dirty="0"/>
-              <a:t> multiple </a:t>
-            </a:r>
-            <a:r>
-              <a:rPr lang="de-DE" sz="2400" dirty="0" err="1"/>
-              <a:t>return</a:t>
-            </a:r>
-            <a:r>
-              <a:rPr lang="de-DE" sz="2400" dirty="0"/>
-              <a:t> </a:t>
-            </a:r>
-            <a:r>
-              <a:rPr lang="de-DE" sz="2400" dirty="0" err="1"/>
-              <a:t>values</a:t>
-            </a:r>
-            <a:endParaRPr lang="de-DE" sz="2400" dirty="0"/>
-          </a:p>
-          <a:p>
-            <a:pPr marL="342900" indent="-342900">
-              <a:buFont typeface="Arial" charset="0"/>
-              <a:buChar char="•"/>
-            </a:pPr>
-            <a:r>
-              <a:rPr lang="de-DE" sz="2400" dirty="0" err="1"/>
-              <a:t>Generics</a:t>
-            </a:r>
-            <a:endParaRPr lang="de-DE" sz="2400" dirty="0"/>
-          </a:p>
-          <a:p>
-            <a:pPr marL="342900" indent="-342900">
-              <a:buFont typeface="Arial" charset="0"/>
-              <a:buChar char="•"/>
-            </a:pPr>
-            <a:r>
-              <a:rPr lang="de-DE" sz="2400" dirty="0"/>
-              <a:t>Fast </a:t>
-            </a:r>
-            <a:r>
-              <a:rPr lang="de-DE" sz="2400" dirty="0" err="1"/>
-              <a:t>and</a:t>
-            </a:r>
-            <a:r>
-              <a:rPr lang="de-DE" sz="2400" dirty="0"/>
-              <a:t> </a:t>
-            </a:r>
-            <a:r>
-              <a:rPr lang="de-DE" sz="2400" dirty="0" err="1"/>
-              <a:t>concise</a:t>
-            </a:r>
-            <a:r>
-              <a:rPr lang="de-DE" sz="2400" dirty="0"/>
-              <a:t> </a:t>
-            </a:r>
-            <a:r>
-              <a:rPr lang="de-DE" sz="2400" dirty="0" err="1"/>
-              <a:t>iteration</a:t>
-            </a:r>
-            <a:r>
-              <a:rPr lang="de-DE" sz="2400" dirty="0"/>
-              <a:t> </a:t>
-            </a:r>
-            <a:r>
-              <a:rPr lang="de-DE" sz="2400" dirty="0" err="1"/>
-              <a:t>over</a:t>
-            </a:r>
-            <a:r>
-              <a:rPr lang="de-DE" sz="2400" dirty="0"/>
-              <a:t> a </a:t>
-            </a:r>
-            <a:r>
-              <a:rPr lang="de-DE" sz="2400" dirty="0" err="1"/>
-              <a:t>range</a:t>
-            </a:r>
-            <a:r>
-              <a:rPr lang="de-DE" sz="2400" dirty="0"/>
-              <a:t> </a:t>
-            </a:r>
-            <a:r>
-              <a:rPr lang="de-DE" sz="2400" dirty="0" err="1"/>
-              <a:t>or</a:t>
-            </a:r>
-            <a:r>
-              <a:rPr lang="de-DE" sz="2400" dirty="0"/>
-              <a:t> </a:t>
-            </a:r>
-            <a:r>
-              <a:rPr lang="de-DE" sz="2400" dirty="0" err="1"/>
-              <a:t>collection</a:t>
-            </a:r>
-            <a:endParaRPr lang="de-DE" sz="2400" dirty="0"/>
-          </a:p>
-          <a:p>
-            <a:pPr marL="342900" indent="-342900">
-              <a:buFont typeface="Arial" charset="0"/>
-              <a:buChar char="•"/>
-            </a:pPr>
-            <a:r>
-              <a:rPr lang="de-DE" sz="2400" dirty="0" err="1"/>
-              <a:t>Structs</a:t>
-            </a:r>
-            <a:r>
-              <a:rPr lang="de-DE" sz="2400" dirty="0"/>
-              <a:t> </a:t>
-            </a:r>
-            <a:r>
-              <a:rPr lang="de-DE" sz="2400" dirty="0" err="1"/>
-              <a:t>that</a:t>
-            </a:r>
-            <a:r>
-              <a:rPr lang="de-DE" sz="2400" dirty="0"/>
-              <a:t> </a:t>
-            </a:r>
-            <a:r>
-              <a:rPr lang="de-DE" sz="2400" dirty="0" err="1"/>
-              <a:t>support</a:t>
-            </a:r>
-            <a:r>
-              <a:rPr lang="de-DE" sz="2400" dirty="0"/>
-              <a:t> </a:t>
-            </a:r>
-            <a:r>
-              <a:rPr lang="de-DE" sz="2400" dirty="0" err="1"/>
-              <a:t>methods</a:t>
-            </a:r>
-            <a:r>
-              <a:rPr lang="de-DE" sz="2400" dirty="0"/>
-              <a:t>, </a:t>
-            </a:r>
-            <a:r>
-              <a:rPr lang="de-DE" sz="2400" dirty="0" err="1"/>
-              <a:t>extensions</a:t>
-            </a:r>
-            <a:r>
-              <a:rPr lang="de-DE" sz="2400" dirty="0"/>
-              <a:t>, </a:t>
-            </a:r>
-            <a:r>
-              <a:rPr lang="de-DE" sz="2400" dirty="0" err="1"/>
-              <a:t>and</a:t>
-            </a:r>
-            <a:r>
-              <a:rPr lang="de-DE" sz="2400" dirty="0"/>
-              <a:t> </a:t>
-            </a:r>
-            <a:r>
-              <a:rPr lang="de-DE" sz="2400" dirty="0" err="1"/>
-              <a:t>protocols</a:t>
-            </a:r>
-            <a:endParaRPr lang="de-DE" sz="2400" dirty="0"/>
-          </a:p>
-          <a:p>
-            <a:pPr marL="342900" indent="-342900">
-              <a:buFont typeface="Arial" charset="0"/>
-              <a:buChar char="•"/>
-            </a:pPr>
-            <a:r>
-              <a:rPr lang="de-DE" sz="2400" dirty="0" err="1"/>
-              <a:t>Functional</a:t>
-            </a:r>
-            <a:r>
-              <a:rPr lang="de-DE" sz="2400" dirty="0"/>
-              <a:t> </a:t>
-            </a:r>
-            <a:r>
-              <a:rPr lang="de-DE" sz="2400" dirty="0" err="1"/>
-              <a:t>programming</a:t>
-            </a:r>
-            <a:r>
-              <a:rPr lang="de-DE" sz="2400" dirty="0"/>
-              <a:t> </a:t>
-            </a:r>
-            <a:r>
-              <a:rPr lang="de-DE" sz="2400" dirty="0" err="1"/>
-              <a:t>patterns</a:t>
-            </a:r>
-            <a:r>
-              <a:rPr lang="de-DE" sz="2400" dirty="0"/>
-              <a:t>, e.g., </a:t>
-            </a:r>
-            <a:r>
-              <a:rPr lang="de-DE" sz="2400" dirty="0" err="1"/>
-              <a:t>map</a:t>
-            </a:r>
-            <a:r>
-              <a:rPr lang="de-DE" sz="2400" dirty="0"/>
-              <a:t> </a:t>
-            </a:r>
-            <a:r>
-              <a:rPr lang="de-DE" sz="2400" dirty="0" err="1"/>
-              <a:t>and</a:t>
-            </a:r>
-            <a:r>
-              <a:rPr lang="de-DE" sz="2400" dirty="0"/>
-              <a:t> </a:t>
-            </a:r>
-            <a:r>
-              <a:rPr lang="de-DE" sz="2400" dirty="0" err="1"/>
-              <a:t>filter</a:t>
-            </a:r>
-            <a:endParaRPr lang="de-DE" sz="2400" dirty="0"/>
-          </a:p>
-          <a:p>
-            <a:pPr marL="342900" indent="-342900">
-              <a:buFont typeface="Arial" charset="0"/>
-              <a:buChar char="•"/>
-            </a:pPr>
-            <a:r>
-              <a:rPr lang="de-DE" sz="2400" dirty="0"/>
-              <a:t>Powerful </a:t>
-            </a:r>
-            <a:r>
-              <a:rPr lang="de-DE" sz="2400" dirty="0" err="1"/>
-              <a:t>error</a:t>
-            </a:r>
-            <a:r>
-              <a:rPr lang="de-DE" sz="2400" dirty="0"/>
-              <a:t> </a:t>
-            </a:r>
-            <a:r>
-              <a:rPr lang="de-DE" sz="2400" dirty="0" err="1"/>
-              <a:t>handling</a:t>
-            </a:r>
-            <a:r>
-              <a:rPr lang="de-DE" sz="2400" dirty="0"/>
-              <a:t> </a:t>
-            </a:r>
-            <a:r>
-              <a:rPr lang="de-DE" sz="2400" dirty="0" err="1"/>
-              <a:t>built</a:t>
-            </a:r>
-            <a:r>
-              <a:rPr lang="de-DE" sz="2400" dirty="0"/>
-              <a:t>-in</a:t>
-            </a:r>
-          </a:p>
-          <a:p>
-            <a:pPr marL="342900" indent="-342900">
-              <a:buFont typeface="Arial" charset="0"/>
-              <a:buChar char="•"/>
-            </a:pPr>
-            <a:r>
-              <a:rPr lang="de-DE" sz="2400" dirty="0" err="1"/>
-              <a:t>Advanced</a:t>
-            </a:r>
-            <a:r>
-              <a:rPr lang="de-DE" sz="2400" dirty="0"/>
-              <a:t> </a:t>
-            </a:r>
-            <a:r>
-              <a:rPr lang="de-DE" sz="2400" dirty="0" err="1"/>
-              <a:t>control</a:t>
-            </a:r>
-            <a:r>
-              <a:rPr lang="de-DE" sz="2400" dirty="0"/>
-              <a:t> </a:t>
-            </a:r>
-            <a:r>
-              <a:rPr lang="de-DE" sz="2400" dirty="0" err="1"/>
-              <a:t>flow</a:t>
-            </a:r>
-            <a:r>
-              <a:rPr lang="de-DE" sz="2400" dirty="0"/>
-              <a:t> </a:t>
-            </a:r>
-            <a:r>
-              <a:rPr lang="de-DE" sz="2400" dirty="0" err="1"/>
-              <a:t>with</a:t>
-            </a:r>
-            <a:r>
-              <a:rPr lang="de-DE" sz="2400" dirty="0"/>
-              <a:t> do, </a:t>
-            </a:r>
-            <a:r>
-              <a:rPr lang="de-DE" sz="2400" dirty="0" err="1"/>
-              <a:t>guard</a:t>
-            </a:r>
-            <a:r>
-              <a:rPr lang="de-DE" sz="2400" dirty="0"/>
-              <a:t>, </a:t>
-            </a:r>
-            <a:r>
-              <a:rPr lang="de-DE" sz="2400" dirty="0" err="1"/>
-              <a:t>defer</a:t>
-            </a:r>
-            <a:r>
-              <a:rPr lang="de-DE" sz="2400" dirty="0"/>
-              <a:t>, </a:t>
-            </a:r>
-            <a:r>
-              <a:rPr lang="de-DE" sz="2400" dirty="0" err="1"/>
-              <a:t>and</a:t>
-            </a:r>
-            <a:r>
-              <a:rPr lang="de-DE" sz="2400" dirty="0"/>
-              <a:t> </a:t>
-            </a:r>
-            <a:r>
-              <a:rPr lang="de-DE" sz="2400" dirty="0" err="1"/>
-              <a:t>repeat</a:t>
-            </a:r>
-            <a:r>
-              <a:rPr lang="de-DE" sz="2400" dirty="0"/>
-              <a:t> </a:t>
-            </a:r>
-            <a:r>
-              <a:rPr lang="de-DE" sz="2400" dirty="0" err="1" smtClean="0"/>
-              <a:t>keywords</a:t>
-            </a:r>
-            <a:endParaRPr lang="de-DE" sz="2400" dirty="0" smtClean="0"/>
-          </a:p>
-          <a:p>
-            <a:pPr marL="342900" indent="-342900">
-              <a:buFont typeface="Arial" charset="0"/>
-              <a:buChar char="•"/>
-            </a:pPr>
-            <a:r>
-              <a:rPr lang="de-DE" sz="2400" dirty="0" smtClean="0"/>
-              <a:t>...</a:t>
-            </a:r>
-            <a:endParaRPr lang="de-DE" sz="2400" dirty="0"/>
-          </a:p>
-          <a:p>
-            <a:pPr marL="342900" indent="-342900">
-              <a:buFont typeface="Arial" charset="0"/>
-              <a:buChar char="•"/>
-            </a:pPr>
-            <a:endParaRPr lang="de-DE" sz="2200" dirty="0" smtClean="0">
-              <a:latin typeface="AA Zuehlke" pitchFamily="2" charset="0"/>
-            </a:endParaRPr>
-          </a:p>
-        </p:txBody>
-      </p:sp>
     </p:spTree>
     <p:extLst>
       <p:ext uri="{BB962C8B-B14F-4D97-AF65-F5344CB8AC3E}">
-        <p14:creationId xmlns:p14="http://schemas.microsoft.com/office/powerpoint/2010/main" val="179552187"/>
+        <p14:creationId xmlns:p14="http://schemas.microsoft.com/office/powerpoint/2010/main" val="1680859478"/>
       </p:ext>
     </p:extLst>
   </p:cSld>
@@ -8366,8 +7994,16 @@
           <a:lstStyle/>
           <a:p>
             <a:r>
+              <a:rPr lang="de-DE" dirty="0" err="1" smtClean="0"/>
+              <a:t>Automatic</a:t>
+            </a:r>
+            <a:r>
               <a:rPr lang="de-DE" dirty="0" smtClean="0"/>
-              <a:t>Einstieg Swift-Entwicklung</a:t>
+              <a:t> Reference </a:t>
+            </a:r>
+            <a:r>
+              <a:rPr lang="de-DE" dirty="0" err="1" smtClean="0"/>
+              <a:t>Counting</a:t>
             </a:r>
             <a:endParaRPr lang="de-DE" dirty="0"/>
           </a:p>
@@ -8455,8 +8091,8 @@
         </p:nvSpPr>
         <p:spPr>
           <a:xfrm>
-            <a:off x="772583" y="1476984"/>
-            <a:ext cx="5118057" cy="4688320"/>
+            <a:off x="1523886" y="5853820"/>
+            <a:ext cx="3168352" cy="360040"/>
           </a:xfrm>
           <a:prstGeom prst="rect">
             <a:avLst/>
@@ -8469,122 +8105,29 @@
           </a:bodyPr>
           <a:lstStyle/>
           <a:p>
-            <a:pPr marL="342900" indent="-342900">
-              <a:buFont typeface="Arial" charset="0"/>
-              <a:buChar char="•"/>
-            </a:pPr>
-            <a:r>
-              <a:rPr lang="de-DE" sz="2200" dirty="0" err="1" smtClean="0">
-                <a:latin typeface="AA Zuehlke" pitchFamily="2" charset="0"/>
-              </a:rPr>
-              <a:t>XCode</a:t>
-            </a:r>
             <a:r>
               <a:rPr lang="de-DE" sz="2200" dirty="0" smtClean="0">
                 <a:latin typeface="AA Zuehlke" pitchFamily="2" charset="0"/>
-              </a:rPr>
-              <a:t> </a:t>
-            </a:r>
-            <a:r>
-              <a:rPr lang="de-DE" sz="2200" dirty="0" err="1" smtClean="0">
-                <a:latin typeface="AA Zuehlke" pitchFamily="2" charset="0"/>
-              </a:rPr>
-              <a:t>Playgrounds</a:t>
+                <a:hlinkClick r:id="rId2"/>
+              </a:rPr>
+              <a:t>Apple-Doku</a:t>
             </a:r>
             <a:endParaRPr lang="de-DE" sz="2200" dirty="0" smtClean="0">
               <a:latin typeface="AA Zuehlke" pitchFamily="2" charset="0"/>
             </a:endParaRPr>
           </a:p>
-          <a:p>
-            <a:pPr marL="800100" lvl="1" indent="-342900">
-              <a:buFont typeface="Arial" charset="0"/>
-              <a:buChar char="•"/>
-            </a:pPr>
-            <a:r>
-              <a:rPr lang="de-DE" sz="2200" dirty="0" smtClean="0">
-                <a:latin typeface="AA Zuehlke" pitchFamily="2" charset="0"/>
-              </a:rPr>
-              <a:t>Entwicklung ohne Projekt und Abhängigkeiten</a:t>
-            </a:r>
-          </a:p>
-          <a:p>
-            <a:pPr marL="800100" lvl="1" indent="-342900">
-              <a:buFont typeface="Arial" charset="0"/>
-              <a:buChar char="•"/>
-            </a:pPr>
-            <a:r>
-              <a:rPr lang="de-DE" sz="2200" dirty="0" smtClean="0">
-                <a:latin typeface="AA Zuehlke" pitchFamily="2" charset="0"/>
-              </a:rPr>
-              <a:t>Kombination aus </a:t>
-            </a:r>
-            <a:r>
-              <a:rPr lang="de-DE" sz="2200" dirty="0" err="1" smtClean="0">
-                <a:latin typeface="AA Zuehlke" pitchFamily="2" charset="0"/>
-              </a:rPr>
-              <a:t>Markdown</a:t>
-            </a:r>
-            <a:r>
-              <a:rPr lang="de-DE" sz="2200" dirty="0" smtClean="0">
-                <a:latin typeface="AA Zuehlke" pitchFamily="2" charset="0"/>
-              </a:rPr>
-              <a:t> und ausführbaren Code</a:t>
-            </a:r>
-          </a:p>
-          <a:p>
-            <a:pPr marL="800100" lvl="1" indent="-342900">
-              <a:buFont typeface="Arial" charset="0"/>
-              <a:buChar char="•"/>
-            </a:pPr>
-            <a:r>
-              <a:rPr lang="de-DE" sz="2200" dirty="0" smtClean="0">
-                <a:latin typeface="AA Zuehlke" pitchFamily="2" charset="0"/>
-              </a:rPr>
-              <a:t>Ideal für lebendige Tutorials, Dokumentation, Lernen, Experimente</a:t>
-            </a:r>
-          </a:p>
-        </p:txBody>
-      </p:sp>
-      <p:pic>
-        <p:nvPicPr>
-          <p:cNvPr id="3" name="Bild 2"/>
-          <p:cNvPicPr>
-            <a:picLocks noChangeAspect="1"/>
-          </p:cNvPicPr>
+        </p:txBody>
+      </p:sp>
+      <p:sp>
+        <p:nvSpPr>
+          <p:cNvPr id="11" name="Pfeil nach rechts 10"/>
+          <p:cNvSpPr/>
           <p:nvPr/>
-        </p:nvPicPr>
-        <p:blipFill>
-          <a:blip r:embed="rId2">
-            <a:extLst>
-              <a:ext uri="{28A0092B-C50C-407E-A947-70E740481C1C}">
-                <a14:useLocalDpi xmlns:a14="http://schemas.microsoft.com/office/drawing/2010/main" val="0"/>
-              </a:ext>
-            </a:extLst>
-          </a:blip>
-          <a:stretch>
-            <a:fillRect/>
-          </a:stretch>
-        </p:blipFill>
+        </p:nvSpPr>
         <p:spPr>
           <a:xfrm>
-            <a:off x="5890641" y="1556792"/>
-            <a:ext cx="5767062" cy="3388149"/>
-          </a:xfrm>
-          <a:prstGeom prst="rect">
-            <a:avLst/>
-          </a:prstGeom>
-        </p:spPr>
-      </p:pic>
-      <p:sp>
-        <p:nvSpPr>
-          <p:cNvPr id="10" name="Pfeil nach rechts 9"/>
-          <p:cNvSpPr/>
-          <p:nvPr/>
-        </p:nvSpPr>
-        <p:spPr>
-          <a:xfrm>
-            <a:off x="752839" y="4725144"/>
-            <a:ext cx="1080120" cy="570328"/>
+            <a:off x="983432" y="5968425"/>
+            <a:ext cx="509233" cy="268887"/>
           </a:xfrm>
           <a:prstGeom prst="rightArrow">
             <a:avLst/>
@@ -8623,1848 +8166,9 @@
           </a:p>
         </p:txBody>
       </p:sp>
-      <p:sp>
-        <p:nvSpPr>
-          <p:cNvPr id="7" name="Textfeld 6"/>
-          <p:cNvSpPr txBox="1"/>
-          <p:nvPr/>
-        </p:nvSpPr>
-        <p:spPr>
-          <a:xfrm>
-            <a:off x="1878116" y="4794284"/>
-            <a:ext cx="2725398" cy="432048"/>
-          </a:xfrm>
-          <a:prstGeom prst="rect">
-            <a:avLst/>
-          </a:prstGeom>
-          <a:noFill/>
-        </p:spPr>
-        <p:txBody>
-          <a:bodyPr wrap="square" rtlCol="0">
-            <a:noAutofit/>
-          </a:bodyPr>
-          <a:lstStyle/>
-          <a:p>
-            <a:r>
-              <a:rPr lang="de-DE" sz="2200" dirty="0" smtClean="0">
-                <a:latin typeface="AA Zuehlke" pitchFamily="2" charset="0"/>
-              </a:rPr>
-              <a:t>Weiter in </a:t>
-            </a:r>
-            <a:r>
-              <a:rPr lang="de-DE" sz="2200" dirty="0" err="1" smtClean="0">
-                <a:latin typeface="AA Zuehlke" pitchFamily="2" charset="0"/>
-              </a:rPr>
-              <a:t>Playgrounds</a:t>
-            </a:r>
-            <a:endParaRPr lang="de-DE" sz="2200" dirty="0" smtClean="0">
-              <a:latin typeface="AA Zuehlke" pitchFamily="2" charset="0"/>
-            </a:endParaRPr>
-          </a:p>
-        </p:txBody>
-      </p:sp>
-    </p:spTree>
-    <p:extLst>
-      <p:ext uri="{BB962C8B-B14F-4D97-AF65-F5344CB8AC3E}">
-        <p14:creationId xmlns:p14="http://schemas.microsoft.com/office/powerpoint/2010/main" val="581760357"/>
-      </p:ext>
-    </p:extLst>
-  </p:cSld>
-  <p:clrMapOvr>
-    <a:masterClrMapping/>
-  </p:clrMapOvr>
-  <p:timing>
-    <p:tnLst>
-      <p:par>
-        <p:cTn id="1" dur="indefinite" restart="never" nodeType="tmRoot"/>
-      </p:par>
-    </p:tnLst>
-  </p:timing>
-</p:sld>
-</file>
-
-<file path=ppt/slides/slide2.xml><?xml version="1.0" encoding="utf-8"?>
-<p:sld xmlns:a="http://schemas.openxmlformats.org/drawingml/2006/main" xmlns:r="http://schemas.openxmlformats.org/officeDocument/2006/relationships" xmlns:p="http://schemas.openxmlformats.org/presentationml/2006/main">
-  <p:cSld>
-    <p:spTree>
-      <p:nvGrpSpPr>
-        <p:cNvPr id="1" name=""/>
-        <p:cNvGrpSpPr/>
-        <p:nvPr/>
-      </p:nvGrpSpPr>
-      <p:grpSpPr>
-        <a:xfrm>
-          <a:off x="0" y="0"/>
-          <a:ext cx="0" cy="0"/>
-          <a:chOff x="0" y="0"/>
-          <a:chExt cx="0" cy="0"/>
-        </a:xfrm>
-      </p:grpSpPr>
-      <p:sp>
-        <p:nvSpPr>
-          <p:cNvPr id="2" name="Titel 1"/>
-          <p:cNvSpPr>
-            <a:spLocks noGrp="1"/>
-          </p:cNvSpPr>
-          <p:nvPr>
-            <p:ph type="title"/>
-          </p:nvPr>
-        </p:nvSpPr>
-        <p:spPr/>
-        <p:txBody>
-          <a:bodyPr/>
-          <a:lstStyle/>
-          <a:p>
-            <a:r>
-              <a:rPr lang="de-DE" dirty="0" smtClean="0"/>
-              <a:t>Überblick</a:t>
-            </a:r>
-            <a:endParaRPr lang="de-DE" dirty="0"/>
-          </a:p>
-        </p:txBody>
-      </p:sp>
-      <p:sp>
-        <p:nvSpPr>
-          <p:cNvPr id="4" name="Datumsplatzhalter 3"/>
-          <p:cNvSpPr>
-            <a:spLocks noGrp="1"/>
-          </p:cNvSpPr>
-          <p:nvPr>
-            <p:ph type="dt" sz="half" idx="10"/>
-          </p:nvPr>
-        </p:nvSpPr>
-        <p:spPr/>
-        <p:txBody>
-          <a:bodyPr/>
-          <a:lstStyle/>
-          <a:p>
-            <a:r>
-              <a:rPr lang="de-CH" smtClean="0"/>
-              <a:t>7. Januar 2016</a:t>
-            </a:r>
-            <a:endParaRPr lang="de-CH" dirty="0"/>
-          </a:p>
-        </p:txBody>
-      </p:sp>
-      <p:sp>
-        <p:nvSpPr>
-          <p:cNvPr id="5" name="Fußzeilenplatzhalter 4"/>
-          <p:cNvSpPr>
-            <a:spLocks noGrp="1"/>
-          </p:cNvSpPr>
-          <p:nvPr>
-            <p:ph type="ftr" sz="quarter" idx="11"/>
-          </p:nvPr>
-        </p:nvSpPr>
-        <p:spPr/>
-        <p:txBody>
-          <a:bodyPr/>
-          <a:lstStyle/>
-          <a:p>
-            <a:r>
-              <a:rPr lang="de-CH" smtClean="0"/>
-              <a:t>iOS-Workshop</a:t>
-            </a:r>
-            <a:endParaRPr lang="de-CH" dirty="0"/>
-          </a:p>
-        </p:txBody>
-      </p:sp>
-      <p:sp>
-        <p:nvSpPr>
-          <p:cNvPr id="6" name="Foliennummernplatzhalter 5"/>
-          <p:cNvSpPr>
-            <a:spLocks noGrp="1"/>
-          </p:cNvSpPr>
-          <p:nvPr>
-            <p:ph type="sldNum" sz="quarter" idx="12"/>
-          </p:nvPr>
-        </p:nvSpPr>
-        <p:spPr/>
-        <p:txBody>
-          <a:bodyPr/>
-          <a:lstStyle/>
-          <a:p>
-            <a:r>
-              <a:rPr lang="de-CH" smtClean="0"/>
-              <a:t>Folie </a:t>
-            </a:r>
-            <a:fld id="{D7D516EC-717A-46FD-BBF7-B49E47ACA4F3}" type="slidenum">
-              <a:rPr lang="de-CH" smtClean="0"/>
-              <a:pPr/>
-              <a:t>2</a:t>
-            </a:fld>
-            <a:endParaRPr lang="de-CH" dirty="0"/>
-          </a:p>
-        </p:txBody>
-      </p:sp>
-      <p:sp>
-        <p:nvSpPr>
-          <p:cNvPr id="8" name="Textfeld 7"/>
-          <p:cNvSpPr txBox="1"/>
-          <p:nvPr/>
-        </p:nvSpPr>
-        <p:spPr>
-          <a:xfrm>
-            <a:off x="964653" y="1304765"/>
-            <a:ext cx="4819360" cy="2376263"/>
-          </a:xfrm>
-          <a:prstGeom prst="rect">
-            <a:avLst/>
-          </a:prstGeom>
-          <a:solidFill>
-            <a:schemeClr val="accent2">
-              <a:lumMod val="60000"/>
-              <a:lumOff val="40000"/>
-            </a:schemeClr>
-          </a:solidFill>
-        </p:spPr>
-        <p:txBody>
-          <a:bodyPr wrap="square" rtlCol="0">
-            <a:noAutofit/>
-          </a:bodyPr>
-          <a:lstStyle/>
-          <a:p>
-            <a:r>
-              <a:rPr lang="de-DE" sz="2200" u="sng" dirty="0" smtClean="0">
-                <a:latin typeface="AA Zuehlke" pitchFamily="2" charset="0"/>
-              </a:rPr>
-              <a:t>1. Termin: 27. Februar</a:t>
-            </a:r>
-          </a:p>
-          <a:p>
-            <a:pPr marL="342900" indent="-342900">
-              <a:buFont typeface="Arial" charset="0"/>
-              <a:buChar char="•"/>
-            </a:pPr>
-            <a:endParaRPr lang="de-DE" sz="2200" dirty="0" smtClean="0">
-              <a:latin typeface="AA Zuehlke" pitchFamily="2" charset="0"/>
-            </a:endParaRPr>
-          </a:p>
-          <a:p>
-            <a:pPr marL="342900" indent="-342900">
-              <a:buFont typeface="Arial" charset="0"/>
-              <a:buChar char="•"/>
-            </a:pPr>
-            <a:r>
-              <a:rPr lang="de-DE" sz="2200" dirty="0" smtClean="0">
-                <a:latin typeface="AA Zuehlke" pitchFamily="2" charset="0"/>
-              </a:rPr>
-              <a:t>Überblick iOS</a:t>
-            </a:r>
-          </a:p>
-          <a:p>
-            <a:pPr marL="342900" indent="-342900">
-              <a:buFont typeface="Arial" charset="0"/>
-              <a:buChar char="•"/>
-            </a:pPr>
-            <a:r>
-              <a:rPr lang="de-DE" sz="2200" dirty="0" smtClean="0">
-                <a:latin typeface="AA Zuehlke" pitchFamily="2" charset="0"/>
-              </a:rPr>
-              <a:t>Überblick Swift</a:t>
-            </a:r>
-          </a:p>
-          <a:p>
-            <a:pPr marL="342900" indent="-342900">
-              <a:buFont typeface="Arial" charset="0"/>
-              <a:buChar char="•"/>
-            </a:pPr>
-            <a:r>
-              <a:rPr lang="de-DE" sz="2200" dirty="0" smtClean="0">
-                <a:latin typeface="AA Zuehlke" pitchFamily="2" charset="0"/>
-              </a:rPr>
-              <a:t>Einstieg Swift-Entwicklung</a:t>
-            </a:r>
-          </a:p>
-        </p:txBody>
-      </p:sp>
-      <p:cxnSp>
-        <p:nvCxnSpPr>
-          <p:cNvPr id="10" name="Gerade Verbindung 9"/>
-          <p:cNvCxnSpPr/>
-          <p:nvPr/>
-        </p:nvCxnSpPr>
-        <p:spPr>
-          <a:xfrm>
-            <a:off x="964653" y="3789040"/>
-            <a:ext cx="9830647" cy="0"/>
-          </a:xfrm>
-          <a:prstGeom prst="line">
-            <a:avLst/>
-          </a:prstGeom>
-          <a:ln w="25400"/>
-        </p:spPr>
-        <p:style>
-          <a:lnRef idx="1">
-            <a:schemeClr val="accent1"/>
-          </a:lnRef>
-          <a:fillRef idx="0">
-            <a:schemeClr val="accent1"/>
-          </a:fillRef>
-          <a:effectRef idx="0">
-            <a:schemeClr val="accent1"/>
-          </a:effectRef>
-          <a:fontRef idx="minor">
-            <a:schemeClr val="tx1"/>
-          </a:fontRef>
-        </p:style>
-      </p:cxnSp>
-      <p:cxnSp>
-        <p:nvCxnSpPr>
-          <p:cNvPr id="12" name="Gerade Verbindung 11"/>
-          <p:cNvCxnSpPr/>
-          <p:nvPr/>
-        </p:nvCxnSpPr>
-        <p:spPr>
-          <a:xfrm>
-            <a:off x="5879976" y="1304765"/>
-            <a:ext cx="0" cy="5053234"/>
-          </a:xfrm>
-          <a:prstGeom prst="line">
-            <a:avLst/>
-          </a:prstGeom>
-          <a:ln w="25400"/>
-        </p:spPr>
-        <p:style>
-          <a:lnRef idx="1">
-            <a:schemeClr val="accent1"/>
-          </a:lnRef>
-          <a:fillRef idx="0">
-            <a:schemeClr val="accent1"/>
-          </a:fillRef>
-          <a:effectRef idx="0">
-            <a:schemeClr val="accent1"/>
-          </a:effectRef>
-          <a:fontRef idx="minor">
-            <a:schemeClr val="tx1"/>
-          </a:fontRef>
-        </p:style>
-      </p:cxnSp>
-      <p:sp>
-        <p:nvSpPr>
-          <p:cNvPr id="13" name="Textfeld 12"/>
-          <p:cNvSpPr txBox="1"/>
-          <p:nvPr/>
-        </p:nvSpPr>
-        <p:spPr>
-          <a:xfrm>
-            <a:off x="5975940" y="3897053"/>
-            <a:ext cx="4819360" cy="2469763"/>
-          </a:xfrm>
-          <a:prstGeom prst="rect">
-            <a:avLst/>
-          </a:prstGeom>
-          <a:solidFill>
-            <a:schemeClr val="accent2">
-              <a:lumMod val="60000"/>
-              <a:lumOff val="40000"/>
-            </a:schemeClr>
-          </a:solidFill>
-        </p:spPr>
-        <p:txBody>
-          <a:bodyPr wrap="square" rtlCol="0">
-            <a:noAutofit/>
-          </a:bodyPr>
-          <a:lstStyle/>
-          <a:p>
-            <a:r>
-              <a:rPr lang="de-DE" sz="2200" u="sng" dirty="0" smtClean="0">
-                <a:latin typeface="AA Zuehlke" pitchFamily="2" charset="0"/>
-              </a:rPr>
-              <a:t>4. Termin: 20. März</a:t>
-            </a:r>
-          </a:p>
-          <a:p>
-            <a:endParaRPr lang="de-DE" sz="2200" dirty="0">
-              <a:latin typeface="AA Zuehlke" pitchFamily="2" charset="0"/>
-            </a:endParaRPr>
-          </a:p>
-          <a:p>
-            <a:pPr marL="342900" indent="-342900">
-              <a:buFont typeface="Arial" charset="0"/>
-              <a:buChar char="•"/>
-            </a:pPr>
-            <a:r>
-              <a:rPr lang="de-DE" sz="2200" dirty="0" smtClean="0">
-                <a:latin typeface="AA Zuehlke" pitchFamily="2" charset="0"/>
-              </a:rPr>
-              <a:t>Finalisierung iOS-Projekt</a:t>
-            </a:r>
-          </a:p>
-          <a:p>
-            <a:pPr marL="342900" indent="-342900">
-              <a:buFont typeface="Arial" charset="0"/>
-              <a:buChar char="•"/>
-            </a:pPr>
-            <a:r>
-              <a:rPr lang="de-DE" sz="2200" dirty="0" smtClean="0">
-                <a:latin typeface="AA Zuehlke" pitchFamily="2" charset="0"/>
-              </a:rPr>
-              <a:t>Tipps &amp; Tricks</a:t>
-            </a:r>
-          </a:p>
-          <a:p>
-            <a:pPr marL="342900" indent="-342900">
-              <a:buFont typeface="Arial" charset="0"/>
-              <a:buChar char="•"/>
-            </a:pPr>
-            <a:r>
-              <a:rPr lang="de-DE" sz="2200" dirty="0" smtClean="0">
-                <a:latin typeface="AA Zuehlke" pitchFamily="2" charset="0"/>
-              </a:rPr>
-              <a:t>Empfehlungen Frameworks &amp; Tools</a:t>
-            </a:r>
-          </a:p>
-          <a:p>
-            <a:pPr marL="342900" indent="-342900">
-              <a:buFont typeface="Arial" charset="0"/>
-              <a:buChar char="•"/>
-            </a:pPr>
-            <a:r>
-              <a:rPr lang="de-DE" sz="2200" dirty="0" smtClean="0">
-                <a:latin typeface="AA Zuehlke" pitchFamily="2" charset="0"/>
-              </a:rPr>
-              <a:t>Fragen und Antworten</a:t>
-            </a:r>
-          </a:p>
-        </p:txBody>
-      </p:sp>
-      <p:sp>
-        <p:nvSpPr>
-          <p:cNvPr id="15" name="Textfeld 14"/>
-          <p:cNvSpPr txBox="1"/>
-          <p:nvPr/>
-        </p:nvSpPr>
-        <p:spPr>
-          <a:xfrm>
-            <a:off x="964653" y="3888236"/>
-            <a:ext cx="4819360" cy="2469763"/>
-          </a:xfrm>
-          <a:prstGeom prst="rect">
-            <a:avLst/>
-          </a:prstGeom>
-          <a:solidFill>
-            <a:schemeClr val="accent2">
-              <a:lumMod val="60000"/>
-              <a:lumOff val="40000"/>
-            </a:schemeClr>
-          </a:solidFill>
-        </p:spPr>
-        <p:txBody>
-          <a:bodyPr wrap="square" rtlCol="0">
-            <a:noAutofit/>
-          </a:bodyPr>
-          <a:lstStyle/>
-          <a:p>
-            <a:r>
-              <a:rPr lang="de-DE" sz="2200" u="sng" dirty="0" smtClean="0">
-                <a:latin typeface="AA Zuehlke" pitchFamily="2" charset="0"/>
-              </a:rPr>
-              <a:t>3. Termin: 13. März</a:t>
-            </a:r>
-          </a:p>
-          <a:p>
-            <a:endParaRPr lang="de-DE" sz="2200" dirty="0">
-              <a:latin typeface="AA Zuehlke" pitchFamily="2" charset="0"/>
-            </a:endParaRPr>
-          </a:p>
-          <a:p>
-            <a:pPr marL="342900" indent="-342900">
-              <a:buFont typeface="Arial" charset="0"/>
-              <a:buChar char="•"/>
-            </a:pPr>
-            <a:r>
-              <a:rPr lang="de-DE" sz="2200" dirty="0" smtClean="0">
-                <a:latin typeface="AA Zuehlke" pitchFamily="2" charset="0"/>
-              </a:rPr>
-              <a:t>iOS-Projekt</a:t>
-            </a:r>
-          </a:p>
-          <a:p>
-            <a:pPr marL="800100" lvl="1" indent="-342900">
-              <a:buFont typeface="Arial" charset="0"/>
-              <a:buChar char="•"/>
-            </a:pPr>
-            <a:r>
-              <a:rPr lang="de-DE" sz="2200" dirty="0" smtClean="0">
-                <a:latin typeface="AA Zuehlke" pitchFamily="2" charset="0"/>
-              </a:rPr>
-              <a:t>UI mit Storyboards</a:t>
-            </a:r>
-          </a:p>
-          <a:p>
-            <a:pPr marL="800100" lvl="1" indent="-342900">
-              <a:buFont typeface="Arial" charset="0"/>
-              <a:buChar char="•"/>
-            </a:pPr>
-            <a:r>
-              <a:rPr lang="de-DE" sz="2200" dirty="0" smtClean="0">
-                <a:latin typeface="AA Zuehlke" pitchFamily="2" charset="0"/>
-              </a:rPr>
-              <a:t>Networking</a:t>
-            </a:r>
-          </a:p>
-        </p:txBody>
-      </p:sp>
-      <p:sp>
-        <p:nvSpPr>
-          <p:cNvPr id="16" name="Textfeld 15"/>
-          <p:cNvSpPr txBox="1"/>
-          <p:nvPr/>
-        </p:nvSpPr>
-        <p:spPr>
-          <a:xfrm>
-            <a:off x="5960050" y="1313582"/>
-            <a:ext cx="4819360" cy="2376263"/>
-          </a:xfrm>
-          <a:prstGeom prst="rect">
-            <a:avLst/>
-          </a:prstGeom>
-          <a:solidFill>
-            <a:schemeClr val="accent2">
-              <a:lumMod val="60000"/>
-              <a:lumOff val="40000"/>
-            </a:schemeClr>
-          </a:solidFill>
-        </p:spPr>
-        <p:txBody>
-          <a:bodyPr wrap="square" rtlCol="0">
-            <a:noAutofit/>
-          </a:bodyPr>
-          <a:lstStyle/>
-          <a:p>
-            <a:r>
-              <a:rPr lang="de-DE" sz="2200" u="sng" dirty="0" smtClean="0">
-                <a:latin typeface="AA Zuehlke" pitchFamily="2" charset="0"/>
-              </a:rPr>
-              <a:t>2. Termin: 6. März</a:t>
-            </a:r>
-          </a:p>
-          <a:p>
-            <a:pPr marL="342900" indent="-342900">
-              <a:buFont typeface="Arial" charset="0"/>
-              <a:buChar char="•"/>
-            </a:pPr>
-            <a:endParaRPr lang="de-DE" sz="2200" dirty="0" smtClean="0">
-              <a:latin typeface="AA Zuehlke" pitchFamily="2" charset="0"/>
-            </a:endParaRPr>
-          </a:p>
-          <a:p>
-            <a:pPr marL="342900" indent="-342900">
-              <a:buFont typeface="Arial" charset="0"/>
-              <a:buChar char="•"/>
-            </a:pPr>
-            <a:r>
-              <a:rPr lang="de-DE" sz="2200" dirty="0" smtClean="0">
-                <a:latin typeface="AA Zuehlke" pitchFamily="2" charset="0"/>
-              </a:rPr>
-              <a:t>Swift-Entwicklung</a:t>
-            </a:r>
-          </a:p>
-          <a:p>
-            <a:pPr marL="342900" indent="-342900">
-              <a:buFont typeface="Arial" charset="0"/>
-              <a:buChar char="•"/>
-            </a:pPr>
-            <a:r>
-              <a:rPr lang="de-DE" sz="2200" dirty="0" smtClean="0">
-                <a:latin typeface="AA Zuehlke" pitchFamily="2" charset="0"/>
-              </a:rPr>
-              <a:t>Einstieg iOS-Projekt</a:t>
-            </a:r>
-          </a:p>
-          <a:p>
-            <a:pPr marL="800100" lvl="1" indent="-342900">
-              <a:buFont typeface="Arial" charset="0"/>
-              <a:buChar char="•"/>
-            </a:pPr>
-            <a:r>
-              <a:rPr lang="de-DE" sz="2200" dirty="0" smtClean="0">
-                <a:latin typeface="AA Zuehlke" pitchFamily="2" charset="0"/>
-              </a:rPr>
-              <a:t>UI mit Storyboards</a:t>
-            </a:r>
-          </a:p>
-        </p:txBody>
-      </p:sp>
-    </p:spTree>
-    <p:extLst>
-      <p:ext uri="{BB962C8B-B14F-4D97-AF65-F5344CB8AC3E}">
-        <p14:creationId xmlns:p14="http://schemas.microsoft.com/office/powerpoint/2010/main" val="556910182"/>
-      </p:ext>
-    </p:extLst>
-  </p:cSld>
-  <p:clrMapOvr>
-    <a:masterClrMapping/>
-  </p:clrMapOvr>
-  <p:timing>
-    <p:tnLst>
-      <p:par>
-        <p:cTn id="1" dur="indefinite" restart="never" nodeType="tmRoot"/>
-      </p:par>
-    </p:tnLst>
-  </p:timing>
-</p:sld>
-</file>
-
-<file path=ppt/slides/slide3.xml><?xml version="1.0" encoding="utf-8"?>
-<p:sld xmlns:a="http://schemas.openxmlformats.org/drawingml/2006/main" xmlns:r="http://schemas.openxmlformats.org/officeDocument/2006/relationships" xmlns:p="http://schemas.openxmlformats.org/presentationml/2006/main">
-  <p:cSld>
-    <p:spTree>
-      <p:nvGrpSpPr>
-        <p:cNvPr id="1" name=""/>
-        <p:cNvGrpSpPr/>
-        <p:nvPr/>
-      </p:nvGrpSpPr>
-      <p:grpSpPr>
-        <a:xfrm>
-          <a:off x="0" y="0"/>
-          <a:ext cx="0" cy="0"/>
-          <a:chOff x="0" y="0"/>
-          <a:chExt cx="0" cy="0"/>
-        </a:xfrm>
-      </p:grpSpPr>
-      <p:sp>
-        <p:nvSpPr>
-          <p:cNvPr id="2" name="Title 1"/>
-          <p:cNvSpPr>
-            <a:spLocks noGrp="1"/>
-          </p:cNvSpPr>
-          <p:nvPr>
-            <p:ph type="title"/>
-          </p:nvPr>
-        </p:nvSpPr>
-        <p:spPr/>
-        <p:txBody>
-          <a:bodyPr/>
-          <a:lstStyle/>
-          <a:p>
-            <a:r>
-              <a:rPr lang="de-DE" dirty="0" smtClean="0"/>
-              <a:t>iOS</a:t>
-            </a:r>
-            <a:endParaRPr lang="de-DE" dirty="0"/>
-          </a:p>
-        </p:txBody>
-      </p:sp>
       <p:pic>
         <p:nvPicPr>
-          <p:cNvPr id="10" name="Inhaltsplatzhalter 9"/>
-          <p:cNvPicPr>
-            <a:picLocks noGrp="1" noChangeAspect="1"/>
-          </p:cNvPicPr>
-          <p:nvPr>
-            <p:ph idx="1"/>
-          </p:nvPr>
-        </p:nvPicPr>
-        <p:blipFill>
-          <a:blip r:embed="rId2">
-            <a:extLst>
-              <a:ext uri="{28A0092B-C50C-407E-A947-70E740481C1C}">
-                <a14:useLocalDpi xmlns:a14="http://schemas.microsoft.com/office/drawing/2010/main" val="0"/>
-              </a:ext>
-            </a:extLst>
-          </a:blip>
-          <a:stretch>
-            <a:fillRect/>
-          </a:stretch>
-        </p:blipFill>
-        <p:spPr>
-          <a:xfrm>
-            <a:off x="8566152" y="1016341"/>
-            <a:ext cx="2657417" cy="4716915"/>
-          </a:xfrm>
-        </p:spPr>
-      </p:pic>
-      <p:sp>
-        <p:nvSpPr>
-          <p:cNvPr id="12" name="Footer Placeholder 11"/>
-          <p:cNvSpPr>
-            <a:spLocks noGrp="1"/>
-          </p:cNvSpPr>
-          <p:nvPr>
-            <p:ph type="ftr" sz="quarter" idx="11"/>
-          </p:nvPr>
-        </p:nvSpPr>
-        <p:spPr/>
-        <p:txBody>
-          <a:bodyPr/>
-          <a:lstStyle/>
-          <a:p>
-            <a:r>
-              <a:rPr lang="de-DE" smtClean="0"/>
-              <a:t>iOS-Workshop</a:t>
-            </a:r>
-            <a:endParaRPr lang="de-DE" dirty="0"/>
-          </a:p>
-        </p:txBody>
-      </p:sp>
-      <p:sp>
-        <p:nvSpPr>
-          <p:cNvPr id="3" name="Date Placeholder 2"/>
-          <p:cNvSpPr>
-            <a:spLocks noGrp="1"/>
-          </p:cNvSpPr>
-          <p:nvPr>
-            <p:ph type="dt" sz="half" idx="10"/>
-          </p:nvPr>
-        </p:nvSpPr>
-        <p:spPr/>
-        <p:txBody>
-          <a:bodyPr/>
-          <a:lstStyle/>
-          <a:p>
-            <a:r>
-              <a:rPr lang="de-CH" smtClean="0"/>
-              <a:t>7. Januar 2016</a:t>
-            </a:r>
-            <a:endParaRPr lang="de-CH" dirty="0"/>
-          </a:p>
-        </p:txBody>
-      </p:sp>
-      <p:sp>
-        <p:nvSpPr>
-          <p:cNvPr id="4" name="Slide Number Placeholder 3"/>
-          <p:cNvSpPr>
-            <a:spLocks noGrp="1"/>
-          </p:cNvSpPr>
-          <p:nvPr>
-            <p:ph type="sldNum" sz="quarter" idx="12"/>
-          </p:nvPr>
-        </p:nvSpPr>
-        <p:spPr/>
-        <p:txBody>
-          <a:bodyPr/>
-          <a:lstStyle/>
-          <a:p>
-            <a:r>
-              <a:rPr lang="de-CH" smtClean="0"/>
-              <a:t>Folie </a:t>
-            </a:r>
-            <a:fld id="{7C7D702C-8F63-4A96-90B2-AA5D17EFD535}" type="slidenum">
-              <a:rPr lang="de-CH" smtClean="0"/>
-              <a:t>3</a:t>
-            </a:fld>
-            <a:endParaRPr dirty="0"/>
-          </a:p>
-        </p:txBody>
-      </p:sp>
-      <p:sp>
-        <p:nvSpPr>
-          <p:cNvPr id="11" name="Textfeld 10"/>
-          <p:cNvSpPr txBox="1"/>
-          <p:nvPr/>
-        </p:nvSpPr>
-        <p:spPr>
-          <a:xfrm>
-            <a:off x="551384" y="1300284"/>
-            <a:ext cx="3888432" cy="4937028"/>
-          </a:xfrm>
-          <a:prstGeom prst="rect">
-            <a:avLst/>
-          </a:prstGeom>
-          <a:noFill/>
-        </p:spPr>
-        <p:txBody>
-          <a:bodyPr wrap="square" rtlCol="0">
-            <a:noAutofit/>
-          </a:bodyPr>
-          <a:lstStyle/>
-          <a:p>
-            <a:endParaRPr lang="de-DE" sz="2200" dirty="0" err="1" smtClean="0">
-              <a:latin typeface="AA Zuehlke" pitchFamily="2" charset="0"/>
-            </a:endParaRPr>
-          </a:p>
-        </p:txBody>
-      </p:sp>
-      <p:sp>
-        <p:nvSpPr>
-          <p:cNvPr id="13" name="Textfeld 12"/>
-          <p:cNvSpPr txBox="1"/>
-          <p:nvPr/>
-        </p:nvSpPr>
-        <p:spPr>
-          <a:xfrm>
-            <a:off x="695399" y="1226267"/>
-            <a:ext cx="7681849" cy="5040560"/>
-          </a:xfrm>
-          <a:prstGeom prst="rect">
-            <a:avLst/>
-          </a:prstGeom>
-          <a:noFill/>
-        </p:spPr>
-        <p:txBody>
-          <a:bodyPr wrap="square" rtlCol="0">
-            <a:noAutofit/>
-          </a:bodyPr>
-          <a:lstStyle/>
-          <a:p>
-            <a:pPr marL="342900" indent="-342900">
-              <a:buFont typeface="Arial" charset="0"/>
-              <a:buChar char="•"/>
-            </a:pPr>
-            <a:r>
-              <a:rPr lang="de-DE" sz="2200" dirty="0" smtClean="0">
-                <a:latin typeface="AA Zuehlke" pitchFamily="2" charset="0"/>
-              </a:rPr>
-              <a:t>Mobiles Betriebssystem von Apple</a:t>
-            </a:r>
-          </a:p>
-          <a:p>
-            <a:pPr marL="800100" lvl="1" indent="-342900">
-              <a:buFont typeface="Arial" charset="0"/>
-              <a:buChar char="•"/>
-            </a:pPr>
-            <a:r>
-              <a:rPr lang="de-DE" sz="2200" dirty="0" smtClean="0">
-                <a:latin typeface="AA Zuehlke" pitchFamily="2" charset="0"/>
-              </a:rPr>
-              <a:t>iPhone, iPad, iPod </a:t>
-            </a:r>
-            <a:r>
-              <a:rPr lang="de-DE" sz="2200" dirty="0" err="1" smtClean="0">
-                <a:latin typeface="AA Zuehlke" pitchFamily="2" charset="0"/>
-              </a:rPr>
-              <a:t>touch</a:t>
-            </a:r>
-            <a:endParaRPr lang="de-DE" sz="2200" dirty="0" smtClean="0">
-              <a:latin typeface="AA Zuehlke" pitchFamily="2" charset="0"/>
-            </a:endParaRPr>
-          </a:p>
-          <a:p>
-            <a:pPr marL="342900" indent="-342900">
-              <a:buFont typeface="Arial" charset="0"/>
-              <a:buChar char="•"/>
-            </a:pPr>
-            <a:r>
-              <a:rPr lang="de-DE" sz="2200" dirty="0" smtClean="0">
-                <a:latin typeface="AA Zuehlke" pitchFamily="2" charset="0"/>
-              </a:rPr>
-              <a:t>Darauf basierend: </a:t>
-            </a:r>
-            <a:r>
-              <a:rPr lang="de-DE" sz="2200" dirty="0" err="1" smtClean="0">
-                <a:latin typeface="AA Zuehlke" pitchFamily="2" charset="0"/>
-              </a:rPr>
-              <a:t>tvOS</a:t>
-            </a:r>
-            <a:r>
-              <a:rPr lang="de-DE" sz="2200" dirty="0" smtClean="0">
-                <a:latin typeface="AA Zuehlke" pitchFamily="2" charset="0"/>
-              </a:rPr>
-              <a:t> &amp; </a:t>
-            </a:r>
-            <a:r>
-              <a:rPr lang="de-DE" sz="2200" dirty="0" err="1" smtClean="0">
-                <a:latin typeface="AA Zuehlke" pitchFamily="2" charset="0"/>
-              </a:rPr>
-              <a:t>watchOS</a:t>
-            </a:r>
-            <a:endParaRPr lang="de-DE" sz="2200" dirty="0" smtClean="0">
-              <a:latin typeface="AA Zuehlke" pitchFamily="2" charset="0"/>
-            </a:endParaRPr>
-          </a:p>
-          <a:p>
-            <a:pPr marL="342900" indent="-342900">
-              <a:buFont typeface="Arial" charset="0"/>
-              <a:buChar char="•"/>
-            </a:pPr>
-            <a:endParaRPr lang="de-DE" sz="2200" dirty="0">
-              <a:latin typeface="AA Zuehlke" pitchFamily="2" charset="0"/>
-            </a:endParaRPr>
-          </a:p>
-          <a:p>
-            <a:pPr marL="342900" indent="-342900">
-              <a:buFont typeface="Arial" charset="0"/>
-              <a:buChar char="•"/>
-            </a:pPr>
-            <a:r>
-              <a:rPr lang="de-DE" sz="2200" dirty="0" smtClean="0">
-                <a:latin typeface="AA Zuehlke" pitchFamily="2" charset="0"/>
-              </a:rPr>
-              <a:t>iOS basiert auf </a:t>
-            </a:r>
-            <a:r>
-              <a:rPr lang="de-DE" sz="2200" dirty="0" err="1" smtClean="0">
-                <a:latin typeface="AA Zuehlke" pitchFamily="2" charset="0"/>
-              </a:rPr>
-              <a:t>macOS</a:t>
-            </a:r>
-            <a:r>
-              <a:rPr lang="de-DE" sz="2200" dirty="0" smtClean="0">
-                <a:latin typeface="AA Zuehlke" pitchFamily="2" charset="0"/>
-              </a:rPr>
-              <a:t>-Kern </a:t>
-            </a:r>
-            <a:r>
-              <a:rPr lang="de-DE" sz="2200" dirty="0" smtClean="0">
-                <a:latin typeface="AA Zuehlke" pitchFamily="2" charset="0"/>
-                <a:sym typeface="Wingdings"/>
-              </a:rPr>
-              <a:t> Darwin  Unix </a:t>
-            </a:r>
-          </a:p>
-          <a:p>
-            <a:pPr marL="342900" indent="-342900">
-              <a:buFont typeface="Arial" charset="0"/>
-              <a:buChar char="•"/>
-            </a:pPr>
-            <a:endParaRPr lang="de-DE" sz="2200" dirty="0">
-              <a:latin typeface="AA Zuehlke" pitchFamily="2" charset="0"/>
-              <a:sym typeface="Wingdings"/>
-            </a:endParaRPr>
-          </a:p>
-          <a:p>
-            <a:pPr marL="342900" indent="-342900">
-              <a:buFont typeface="Arial" charset="0"/>
-              <a:buChar char="•"/>
-            </a:pPr>
-            <a:r>
-              <a:rPr lang="de-DE" sz="2200" dirty="0" smtClean="0">
-                <a:latin typeface="AA Zuehlke" pitchFamily="2" charset="0"/>
-                <a:sym typeface="Wingdings"/>
-              </a:rPr>
-              <a:t>Seit März 2008 SDK für iOS verfügbar</a:t>
-            </a:r>
-          </a:p>
-          <a:p>
-            <a:pPr marL="342900" indent="-342900">
-              <a:buFont typeface="Arial" charset="0"/>
-              <a:buChar char="•"/>
-            </a:pPr>
-            <a:r>
-              <a:rPr lang="de-DE" sz="2200" dirty="0" smtClean="0">
-                <a:latin typeface="AA Zuehlke" pitchFamily="2" charset="0"/>
-                <a:sym typeface="Wingdings"/>
-              </a:rPr>
-              <a:t>Jährliche Aktualisierungen zur WWDC</a:t>
-            </a:r>
-          </a:p>
-          <a:p>
-            <a:pPr marL="342900" indent="-342900">
-              <a:buFont typeface="Arial" charset="0"/>
-              <a:buChar char="•"/>
-            </a:pPr>
-            <a:r>
-              <a:rPr lang="de-DE" sz="2200" dirty="0" smtClean="0">
-                <a:latin typeface="AA Zuehlke" pitchFamily="2" charset="0"/>
-                <a:sym typeface="Wingdings"/>
-              </a:rPr>
-              <a:t>Voraussetzung für Entwicklung Apple-Hardware</a:t>
-            </a:r>
-          </a:p>
-          <a:p>
-            <a:pPr marL="342900" indent="-342900">
-              <a:buFont typeface="Arial" charset="0"/>
-              <a:buChar char="•"/>
-            </a:pPr>
-            <a:r>
-              <a:rPr lang="de-DE" sz="2200" dirty="0" smtClean="0">
-                <a:latin typeface="AA Zuehlke" pitchFamily="2" charset="0"/>
-                <a:sym typeface="Wingdings"/>
-              </a:rPr>
-              <a:t>Entwicklung in </a:t>
-            </a:r>
-            <a:r>
-              <a:rPr lang="de-DE" sz="2200" dirty="0" err="1" smtClean="0">
-                <a:latin typeface="AA Zuehlke" pitchFamily="2" charset="0"/>
-                <a:sym typeface="Wingdings"/>
-              </a:rPr>
-              <a:t>Objective</a:t>
-            </a:r>
-            <a:r>
-              <a:rPr lang="de-DE" sz="2200" dirty="0">
-                <a:latin typeface="AA Zuehlke" pitchFamily="2" charset="0"/>
-                <a:sym typeface="Wingdings"/>
-              </a:rPr>
-              <a:t>-</a:t>
-            </a:r>
-            <a:r>
-              <a:rPr lang="de-DE" sz="2200" dirty="0" smtClean="0">
-                <a:latin typeface="AA Zuehlke" pitchFamily="2" charset="0"/>
-                <a:sym typeface="Wingdings"/>
-              </a:rPr>
-              <a:t>C oder Swift</a:t>
-            </a:r>
-          </a:p>
-          <a:p>
-            <a:pPr marL="342900" indent="-342900">
-              <a:buFont typeface="Arial" charset="0"/>
-              <a:buChar char="•"/>
-            </a:pPr>
-            <a:endParaRPr lang="de-DE" sz="2200" dirty="0">
-              <a:latin typeface="AA Zuehlke" pitchFamily="2" charset="0"/>
-              <a:sym typeface="Wingdings"/>
-            </a:endParaRPr>
-          </a:p>
-          <a:p>
-            <a:pPr marL="342900" indent="-342900">
-              <a:buFont typeface="Arial" charset="0"/>
-              <a:buChar char="•"/>
-            </a:pPr>
-            <a:r>
-              <a:rPr lang="de-DE" sz="2200" dirty="0">
-                <a:latin typeface="AA Zuehlke" pitchFamily="2" charset="0"/>
-                <a:sym typeface="Wingdings"/>
-              </a:rPr>
-              <a:t>Details: </a:t>
-            </a:r>
-            <a:r>
-              <a:rPr lang="de-DE" sz="2200" dirty="0">
-                <a:latin typeface="AA Zuehlke" pitchFamily="2" charset="0"/>
-                <a:sym typeface="Wingdings"/>
-                <a:hlinkClick r:id="rId3"/>
-              </a:rPr>
-              <a:t>https://</a:t>
-            </a:r>
-            <a:r>
-              <a:rPr lang="de-DE" sz="2200" dirty="0" smtClean="0">
-                <a:latin typeface="AA Zuehlke" pitchFamily="2" charset="0"/>
-                <a:sym typeface="Wingdings"/>
-                <a:hlinkClick r:id="rId3"/>
-              </a:rPr>
-              <a:t>en.wikipedia.org/wiki/IOS</a:t>
-            </a:r>
-            <a:r>
-              <a:rPr lang="de-DE" sz="2200" dirty="0" smtClean="0">
-                <a:latin typeface="AA Zuehlke" pitchFamily="2" charset="0"/>
-                <a:sym typeface="Wingdings"/>
-              </a:rPr>
-              <a:t> </a:t>
-            </a:r>
-            <a:endParaRPr lang="de-DE" sz="2200" dirty="0" smtClean="0">
-              <a:latin typeface="AA Zuehlke" pitchFamily="2" charset="0"/>
-            </a:endParaRPr>
-          </a:p>
-        </p:txBody>
-      </p:sp>
-    </p:spTree>
-    <p:extLst>
-      <p:ext uri="{BB962C8B-B14F-4D97-AF65-F5344CB8AC3E}">
-        <p14:creationId xmlns:p14="http://schemas.microsoft.com/office/powerpoint/2010/main" val="1585752553"/>
-      </p:ext>
-    </p:extLst>
-  </p:cSld>
-  <p:clrMapOvr>
-    <a:masterClrMapping/>
-  </p:clrMapOvr>
-  <p:timing>
-    <p:tnLst>
-      <p:par>
-        <p:cTn id="1" dur="indefinite" restart="never" nodeType="tmRoot"/>
-      </p:par>
-    </p:tnLst>
-  </p:timing>
-</p:sld>
-</file>
-
-<file path=ppt/slides/slide4.xml><?xml version="1.0" encoding="utf-8"?>
-<p:sld xmlns:a="http://schemas.openxmlformats.org/drawingml/2006/main" xmlns:r="http://schemas.openxmlformats.org/officeDocument/2006/relationships" xmlns:p="http://schemas.openxmlformats.org/presentationml/2006/main">
-  <p:cSld>
-    <p:spTree>
-      <p:nvGrpSpPr>
-        <p:cNvPr id="1" name=""/>
-        <p:cNvGrpSpPr/>
-        <p:nvPr/>
-      </p:nvGrpSpPr>
-      <p:grpSpPr>
-        <a:xfrm>
-          <a:off x="0" y="0"/>
-          <a:ext cx="0" cy="0"/>
-          <a:chOff x="0" y="0"/>
-          <a:chExt cx="0" cy="0"/>
-        </a:xfrm>
-      </p:grpSpPr>
-      <p:sp>
-        <p:nvSpPr>
-          <p:cNvPr id="2" name="Titel 1"/>
-          <p:cNvSpPr>
-            <a:spLocks noGrp="1"/>
-          </p:cNvSpPr>
-          <p:nvPr>
-            <p:ph type="title"/>
-          </p:nvPr>
-        </p:nvSpPr>
-        <p:spPr/>
-        <p:txBody>
-          <a:bodyPr/>
-          <a:lstStyle/>
-          <a:p>
-            <a:r>
-              <a:rPr lang="de-DE" dirty="0" smtClean="0"/>
-              <a:t>iOS Architektur</a:t>
-            </a:r>
-            <a:endParaRPr lang="de-DE" dirty="0"/>
-          </a:p>
-        </p:txBody>
-      </p:sp>
-      <p:sp>
-        <p:nvSpPr>
-          <p:cNvPr id="3" name="Datumsplatzhalter 2"/>
-          <p:cNvSpPr>
-            <a:spLocks noGrp="1"/>
-          </p:cNvSpPr>
-          <p:nvPr>
-            <p:ph type="dt" sz="half" idx="10"/>
-          </p:nvPr>
-        </p:nvSpPr>
-        <p:spPr/>
-        <p:txBody>
-          <a:bodyPr/>
-          <a:lstStyle/>
-          <a:p>
-            <a:r>
-              <a:rPr lang="de-CH" smtClean="0"/>
-              <a:t>7. Januar 2016</a:t>
-            </a:r>
-            <a:endParaRPr lang="de-CH" dirty="0"/>
-          </a:p>
-        </p:txBody>
-      </p:sp>
-      <p:sp>
-        <p:nvSpPr>
-          <p:cNvPr id="4" name="Fußzeilenplatzhalter 3"/>
-          <p:cNvSpPr>
-            <a:spLocks noGrp="1"/>
-          </p:cNvSpPr>
-          <p:nvPr>
-            <p:ph type="ftr" sz="quarter" idx="11"/>
-          </p:nvPr>
-        </p:nvSpPr>
-        <p:spPr/>
-        <p:txBody>
-          <a:bodyPr/>
-          <a:lstStyle/>
-          <a:p>
-            <a:r>
-              <a:rPr lang="de-CH" smtClean="0"/>
-              <a:t>iOS-Workshop</a:t>
-            </a:r>
-            <a:endParaRPr lang="de-CH" dirty="0"/>
-          </a:p>
-        </p:txBody>
-      </p:sp>
-      <p:sp>
-        <p:nvSpPr>
-          <p:cNvPr id="5" name="Foliennummernplatzhalter 4"/>
-          <p:cNvSpPr>
-            <a:spLocks noGrp="1"/>
-          </p:cNvSpPr>
-          <p:nvPr>
-            <p:ph type="sldNum" sz="quarter" idx="12"/>
-          </p:nvPr>
-        </p:nvSpPr>
-        <p:spPr/>
-        <p:txBody>
-          <a:bodyPr/>
-          <a:lstStyle/>
-          <a:p>
-            <a:r>
-              <a:rPr lang="de-CH" smtClean="0"/>
-              <a:t>Folie </a:t>
-            </a:r>
-            <a:fld id="{BA0A185D-965D-4DEE-B0A9-43568A074FB6}" type="slidenum">
-              <a:rPr lang="de-CH" smtClean="0"/>
-              <a:pPr/>
-              <a:t>4</a:t>
-            </a:fld>
-            <a:endParaRPr lang="de-CH" dirty="0"/>
-          </a:p>
-        </p:txBody>
-      </p:sp>
-      <p:sp>
-        <p:nvSpPr>
-          <p:cNvPr id="11" name="Abgerundetes Rechteck 10"/>
-          <p:cNvSpPr/>
-          <p:nvPr/>
-        </p:nvSpPr>
-        <p:spPr>
-          <a:xfrm>
-            <a:off x="2343175" y="5171478"/>
-            <a:ext cx="4968552" cy="1008112"/>
-          </a:xfrm>
-          <a:prstGeom prst="roundRect">
-            <a:avLst/>
-          </a:prstGeom>
-          <a:solidFill>
-            <a:srgbClr val="FF820A"/>
-          </a:solidFill>
-          <a:ln w="12700">
-            <a:noFill/>
-          </a:ln>
-        </p:spPr>
-        <p:style>
-          <a:lnRef idx="2">
-            <a:schemeClr val="accent1">
-              <a:shade val="50000"/>
-            </a:schemeClr>
-          </a:lnRef>
-          <a:fillRef idx="1">
-            <a:schemeClr val="accent1"/>
-          </a:fillRef>
-          <a:effectRef idx="0">
-            <a:schemeClr val="accent1"/>
-          </a:effectRef>
-          <a:fontRef idx="minor">
-            <a:schemeClr val="lt1"/>
-          </a:fontRef>
-        </p:style>
-        <p:txBody>
-          <a:bodyPr rtlCol="0" anchor="ctr"/>
-          <a:lstStyle/>
-          <a:p>
-            <a:pPr algn="ctr"/>
-            <a:r>
-              <a:rPr lang="de-DE" sz="2200" dirty="0" smtClean="0">
-                <a:latin typeface="AA Zuehlke" pitchFamily="2" charset="0"/>
-              </a:rPr>
-              <a:t>Core OS</a:t>
-            </a:r>
-          </a:p>
-        </p:txBody>
-      </p:sp>
-      <p:sp>
-        <p:nvSpPr>
-          <p:cNvPr id="12" name="Abgerundetes Rechteck 11"/>
-          <p:cNvSpPr/>
-          <p:nvPr/>
-        </p:nvSpPr>
-        <p:spPr>
-          <a:xfrm>
-            <a:off x="2351584" y="3947322"/>
-            <a:ext cx="4968552" cy="1008112"/>
-          </a:xfrm>
-          <a:prstGeom prst="roundRect">
-            <a:avLst/>
-          </a:prstGeom>
-          <a:solidFill>
-            <a:schemeClr val="accent1">
-              <a:lumMod val="60000"/>
-              <a:lumOff val="40000"/>
-            </a:schemeClr>
-          </a:solidFill>
-          <a:ln w="12700">
-            <a:noFill/>
-          </a:ln>
-        </p:spPr>
-        <p:style>
-          <a:lnRef idx="2">
-            <a:schemeClr val="accent1">
-              <a:shade val="50000"/>
-            </a:schemeClr>
-          </a:lnRef>
-          <a:fillRef idx="1">
-            <a:schemeClr val="accent1"/>
-          </a:fillRef>
-          <a:effectRef idx="0">
-            <a:schemeClr val="accent1"/>
-          </a:effectRef>
-          <a:fontRef idx="minor">
-            <a:schemeClr val="lt1"/>
-          </a:fontRef>
-        </p:style>
-        <p:txBody>
-          <a:bodyPr rtlCol="0" anchor="ctr"/>
-          <a:lstStyle/>
-          <a:p>
-            <a:pPr algn="ctr"/>
-            <a:r>
-              <a:rPr lang="de-DE" sz="2200" dirty="0" smtClean="0">
-                <a:latin typeface="AA Zuehlke" pitchFamily="2" charset="0"/>
-              </a:rPr>
-              <a:t>Core Services</a:t>
-            </a:r>
-          </a:p>
-        </p:txBody>
-      </p:sp>
-      <p:sp>
-        <p:nvSpPr>
-          <p:cNvPr id="13" name="Abgerundetes Rechteck 12"/>
-          <p:cNvSpPr/>
-          <p:nvPr/>
-        </p:nvSpPr>
-        <p:spPr>
-          <a:xfrm>
-            <a:off x="2351584" y="2705723"/>
-            <a:ext cx="4968552" cy="1008112"/>
-          </a:xfrm>
-          <a:prstGeom prst="roundRect">
-            <a:avLst/>
-          </a:prstGeom>
-          <a:solidFill>
-            <a:schemeClr val="accent3"/>
-          </a:solidFill>
-          <a:ln w="12700">
-            <a:noFill/>
-          </a:ln>
-        </p:spPr>
-        <p:style>
-          <a:lnRef idx="2">
-            <a:schemeClr val="accent1">
-              <a:shade val="50000"/>
-            </a:schemeClr>
-          </a:lnRef>
-          <a:fillRef idx="1">
-            <a:schemeClr val="accent1"/>
-          </a:fillRef>
-          <a:effectRef idx="0">
-            <a:schemeClr val="accent1"/>
-          </a:effectRef>
-          <a:fontRef idx="minor">
-            <a:schemeClr val="lt1"/>
-          </a:fontRef>
-        </p:style>
-        <p:txBody>
-          <a:bodyPr rtlCol="0" anchor="ctr"/>
-          <a:lstStyle/>
-          <a:p>
-            <a:pPr algn="ctr"/>
-            <a:r>
-              <a:rPr lang="de-DE" sz="2200" dirty="0" smtClean="0">
-                <a:latin typeface="AA Zuehlke" pitchFamily="2" charset="0"/>
-              </a:rPr>
-              <a:t>Media</a:t>
-            </a:r>
-          </a:p>
-        </p:txBody>
-      </p:sp>
-      <p:sp>
-        <p:nvSpPr>
-          <p:cNvPr id="14" name="Abgerundetes Rechteck 13"/>
-          <p:cNvSpPr/>
-          <p:nvPr/>
-        </p:nvSpPr>
-        <p:spPr>
-          <a:xfrm>
-            <a:off x="2343175" y="1484784"/>
-            <a:ext cx="4968552" cy="1008112"/>
-          </a:xfrm>
-          <a:prstGeom prst="roundRect">
-            <a:avLst/>
-          </a:prstGeom>
-          <a:solidFill>
-            <a:schemeClr val="accent4"/>
-          </a:solidFill>
-          <a:ln w="12700">
-            <a:noFill/>
-          </a:ln>
-        </p:spPr>
-        <p:style>
-          <a:lnRef idx="2">
-            <a:schemeClr val="accent1">
-              <a:shade val="50000"/>
-            </a:schemeClr>
-          </a:lnRef>
-          <a:fillRef idx="1">
-            <a:schemeClr val="accent1"/>
-          </a:fillRef>
-          <a:effectRef idx="0">
-            <a:schemeClr val="accent1"/>
-          </a:effectRef>
-          <a:fontRef idx="minor">
-            <a:schemeClr val="lt1"/>
-          </a:fontRef>
-        </p:style>
-        <p:txBody>
-          <a:bodyPr rtlCol="0" anchor="ctr"/>
-          <a:lstStyle/>
-          <a:p>
-            <a:pPr algn="ctr"/>
-            <a:r>
-              <a:rPr lang="de-DE" sz="2200" dirty="0" err="1" smtClean="0">
-                <a:latin typeface="AA Zuehlke" pitchFamily="2" charset="0"/>
-              </a:rPr>
-              <a:t>Cocoa</a:t>
-            </a:r>
-            <a:r>
-              <a:rPr lang="de-DE" sz="2200" dirty="0" smtClean="0">
-                <a:latin typeface="AA Zuehlke" pitchFamily="2" charset="0"/>
-              </a:rPr>
-              <a:t> Touch</a:t>
-            </a:r>
-          </a:p>
-        </p:txBody>
-      </p:sp>
-      <p:sp>
-        <p:nvSpPr>
-          <p:cNvPr id="15" name="Dreieck 14"/>
-          <p:cNvSpPr/>
-          <p:nvPr/>
-        </p:nvSpPr>
-        <p:spPr>
-          <a:xfrm rot="10800000">
-            <a:off x="772585" y="1484784"/>
-            <a:ext cx="1209855" cy="4694806"/>
-          </a:xfrm>
-          <a:prstGeom prst="triangle">
-            <a:avLst/>
-          </a:prstGeom>
-          <a:solidFill>
-            <a:srgbClr val="7030A0"/>
-          </a:solidFill>
-          <a:ln w="12700">
-            <a:noFill/>
-          </a:ln>
-        </p:spPr>
-        <p:style>
-          <a:lnRef idx="2">
-            <a:schemeClr val="accent1">
-              <a:shade val="50000"/>
-            </a:schemeClr>
-          </a:lnRef>
-          <a:fillRef idx="1">
-            <a:schemeClr val="accent1"/>
-          </a:fillRef>
-          <a:effectRef idx="0">
-            <a:schemeClr val="accent1"/>
-          </a:effectRef>
-          <a:fontRef idx="minor">
-            <a:schemeClr val="lt1"/>
-          </a:fontRef>
-        </p:style>
-        <p:txBody>
-          <a:bodyPr vert="vert270" rtlCol="0" anchor="ctr" anchorCtr="1"/>
-          <a:lstStyle/>
-          <a:p>
-            <a:pPr algn="ctr"/>
-            <a:r>
-              <a:rPr lang="de-DE" sz="2200" dirty="0" smtClean="0">
-                <a:latin typeface="AA Zuehlke" pitchFamily="2" charset="0"/>
-              </a:rPr>
-              <a:t>Abstraktionsgrad</a:t>
-            </a:r>
-          </a:p>
-        </p:txBody>
-      </p:sp>
-      <p:sp>
-        <p:nvSpPr>
-          <p:cNvPr id="16" name="Textfeld 15"/>
-          <p:cNvSpPr txBox="1"/>
-          <p:nvPr/>
-        </p:nvSpPr>
-        <p:spPr>
-          <a:xfrm>
-            <a:off x="7464152" y="5290802"/>
-            <a:ext cx="4320480" cy="648072"/>
-          </a:xfrm>
-          <a:prstGeom prst="rect">
-            <a:avLst/>
-          </a:prstGeom>
-          <a:noFill/>
-        </p:spPr>
-        <p:txBody>
-          <a:bodyPr wrap="square" rtlCol="0">
-            <a:noAutofit/>
-          </a:bodyPr>
-          <a:lstStyle/>
-          <a:p>
-            <a:r>
-              <a:rPr lang="de-DE" sz="2200" dirty="0" smtClean="0">
-                <a:latin typeface="AA Zuehlke" pitchFamily="2" charset="0"/>
-              </a:rPr>
-              <a:t>Bluetooth, </a:t>
-            </a:r>
-            <a:r>
-              <a:rPr lang="de-DE" sz="2200" dirty="0" err="1" smtClean="0">
-                <a:latin typeface="AA Zuehlke" pitchFamily="2" charset="0"/>
-              </a:rPr>
-              <a:t>External</a:t>
-            </a:r>
-            <a:r>
-              <a:rPr lang="de-DE" sz="2200" dirty="0" smtClean="0">
-                <a:latin typeface="AA Zuehlke" pitchFamily="2" charset="0"/>
-              </a:rPr>
-              <a:t> </a:t>
-            </a:r>
-            <a:r>
-              <a:rPr lang="de-DE" sz="2200" dirty="0" err="1" smtClean="0">
-                <a:latin typeface="AA Zuehlke" pitchFamily="2" charset="0"/>
-              </a:rPr>
-              <a:t>Accessory</a:t>
-            </a:r>
-            <a:r>
-              <a:rPr lang="de-DE" sz="2200" dirty="0" smtClean="0">
-                <a:latin typeface="AA Zuehlke" pitchFamily="2" charset="0"/>
-              </a:rPr>
-              <a:t>, Networking, </a:t>
-            </a:r>
-            <a:r>
-              <a:rPr lang="de-DE" sz="2200" dirty="0" err="1" smtClean="0">
-                <a:latin typeface="AA Zuehlke" pitchFamily="2" charset="0"/>
-              </a:rPr>
-              <a:t>Local</a:t>
-            </a:r>
-            <a:r>
-              <a:rPr lang="de-DE" sz="2200" dirty="0" smtClean="0">
-                <a:latin typeface="AA Zuehlke" pitchFamily="2" charset="0"/>
-              </a:rPr>
-              <a:t> Authentication, ... </a:t>
-            </a:r>
-          </a:p>
-        </p:txBody>
-      </p:sp>
-      <p:sp>
-        <p:nvSpPr>
-          <p:cNvPr id="18" name="Textfeld 17"/>
-          <p:cNvSpPr txBox="1"/>
-          <p:nvPr/>
-        </p:nvSpPr>
-        <p:spPr>
-          <a:xfrm>
-            <a:off x="7464152" y="4130281"/>
-            <a:ext cx="4320480" cy="648072"/>
-          </a:xfrm>
-          <a:prstGeom prst="rect">
-            <a:avLst/>
-          </a:prstGeom>
-          <a:noFill/>
-        </p:spPr>
-        <p:txBody>
-          <a:bodyPr wrap="square" rtlCol="0">
-            <a:noAutofit/>
-          </a:bodyPr>
-          <a:lstStyle/>
-          <a:p>
-            <a:r>
-              <a:rPr lang="de-DE" sz="2200" dirty="0" smtClean="0">
-                <a:latin typeface="AA Zuehlke" pitchFamily="2" charset="0"/>
-              </a:rPr>
-              <a:t>Peer2Peer Services, </a:t>
-            </a:r>
-            <a:r>
-              <a:rPr lang="de-DE" sz="2200" dirty="0" err="1" smtClean="0">
-                <a:latin typeface="AA Zuehlke" pitchFamily="2" charset="0"/>
-              </a:rPr>
-              <a:t>iCloud</a:t>
-            </a:r>
-            <a:r>
-              <a:rPr lang="de-DE" sz="2200" dirty="0" smtClean="0">
-                <a:latin typeface="AA Zuehlke" pitchFamily="2" charset="0"/>
-              </a:rPr>
-              <a:t>, Blocks, </a:t>
-            </a:r>
-            <a:r>
-              <a:rPr lang="de-DE" sz="2200" dirty="0" err="1" smtClean="0">
-                <a:latin typeface="AA Zuehlke" pitchFamily="2" charset="0"/>
-              </a:rPr>
-              <a:t>SQLite</a:t>
-            </a:r>
-            <a:r>
-              <a:rPr lang="de-DE" sz="2200" dirty="0" smtClean="0">
-                <a:latin typeface="AA Zuehlke" pitchFamily="2" charset="0"/>
-              </a:rPr>
-              <a:t>, Grand Central </a:t>
-            </a:r>
-            <a:r>
-              <a:rPr lang="de-DE" sz="2200" dirty="0" err="1" smtClean="0">
-                <a:latin typeface="AA Zuehlke" pitchFamily="2" charset="0"/>
-              </a:rPr>
-              <a:t>Dispatch</a:t>
-            </a:r>
-            <a:r>
-              <a:rPr lang="de-DE" sz="2200" dirty="0" smtClean="0">
-                <a:latin typeface="AA Zuehlke" pitchFamily="2" charset="0"/>
-              </a:rPr>
-              <a:t>, ...</a:t>
-            </a:r>
-          </a:p>
-        </p:txBody>
-      </p:sp>
-      <p:sp>
-        <p:nvSpPr>
-          <p:cNvPr id="19" name="Textfeld 18"/>
-          <p:cNvSpPr txBox="1"/>
-          <p:nvPr/>
-        </p:nvSpPr>
-        <p:spPr>
-          <a:xfrm>
-            <a:off x="7464152" y="2883486"/>
-            <a:ext cx="4320480" cy="648072"/>
-          </a:xfrm>
-          <a:prstGeom prst="rect">
-            <a:avLst/>
-          </a:prstGeom>
-          <a:noFill/>
-        </p:spPr>
-        <p:txBody>
-          <a:bodyPr wrap="square" rtlCol="0">
-            <a:noAutofit/>
-          </a:bodyPr>
-          <a:lstStyle/>
-          <a:p>
-            <a:r>
-              <a:rPr lang="de-DE" sz="2200" dirty="0" smtClean="0">
-                <a:latin typeface="AA Zuehlke" pitchFamily="2" charset="0"/>
-              </a:rPr>
-              <a:t>Graphics, Audio, Video, </a:t>
-            </a:r>
-            <a:r>
-              <a:rPr lang="de-DE" sz="2200" dirty="0" err="1" smtClean="0">
-                <a:latin typeface="AA Zuehlke" pitchFamily="2" charset="0"/>
-              </a:rPr>
-              <a:t>AirPlay</a:t>
-            </a:r>
-            <a:r>
-              <a:rPr lang="de-DE" sz="2200" dirty="0" smtClean="0">
-                <a:latin typeface="AA Zuehlke" pitchFamily="2" charset="0"/>
-              </a:rPr>
-              <a:t>, </a:t>
-            </a:r>
-            <a:r>
-              <a:rPr lang="de-DE" sz="2200" dirty="0" err="1" smtClean="0">
-                <a:latin typeface="AA Zuehlke" pitchFamily="2" charset="0"/>
-              </a:rPr>
-              <a:t>Photos</a:t>
-            </a:r>
-            <a:r>
-              <a:rPr lang="de-DE" sz="2200" dirty="0" smtClean="0">
-                <a:latin typeface="AA Zuehlke" pitchFamily="2" charset="0"/>
-              </a:rPr>
-              <a:t>, </a:t>
-            </a:r>
-            <a:r>
-              <a:rPr lang="de-DE" sz="2200" dirty="0" err="1" smtClean="0">
-                <a:latin typeface="AA Zuehlke" pitchFamily="2" charset="0"/>
-              </a:rPr>
-              <a:t>SceneKit</a:t>
-            </a:r>
-            <a:r>
-              <a:rPr lang="de-DE" sz="2200" dirty="0" smtClean="0">
-                <a:latin typeface="AA Zuehlke" pitchFamily="2" charset="0"/>
-              </a:rPr>
-              <a:t>, </a:t>
-            </a:r>
-            <a:r>
-              <a:rPr lang="de-DE" sz="2200" dirty="0" err="1" smtClean="0">
-                <a:latin typeface="AA Zuehlke" pitchFamily="2" charset="0"/>
-              </a:rPr>
-              <a:t>SpriteKit</a:t>
-            </a:r>
-            <a:r>
-              <a:rPr lang="de-DE" sz="2200" dirty="0" smtClean="0">
-                <a:latin typeface="AA Zuehlke" pitchFamily="2" charset="0"/>
-              </a:rPr>
-              <a:t>, ...</a:t>
-            </a:r>
-          </a:p>
-        </p:txBody>
-      </p:sp>
-      <p:sp>
-        <p:nvSpPr>
-          <p:cNvPr id="20" name="Textfeld 19"/>
-          <p:cNvSpPr txBox="1"/>
-          <p:nvPr/>
-        </p:nvSpPr>
-        <p:spPr>
-          <a:xfrm>
-            <a:off x="7471890" y="1664804"/>
-            <a:ext cx="4320480" cy="648072"/>
-          </a:xfrm>
-          <a:prstGeom prst="rect">
-            <a:avLst/>
-          </a:prstGeom>
-          <a:noFill/>
-        </p:spPr>
-        <p:txBody>
-          <a:bodyPr wrap="square" rtlCol="0">
-            <a:noAutofit/>
-          </a:bodyPr>
-          <a:lstStyle/>
-          <a:p>
-            <a:r>
-              <a:rPr lang="de-DE" sz="2200" dirty="0" smtClean="0">
-                <a:latin typeface="AA Zuehlke" pitchFamily="2" charset="0"/>
-              </a:rPr>
-              <a:t>App </a:t>
-            </a:r>
-            <a:r>
-              <a:rPr lang="de-DE" sz="2200" dirty="0" err="1" smtClean="0">
-                <a:latin typeface="AA Zuehlke" pitchFamily="2" charset="0"/>
-              </a:rPr>
-              <a:t>Extensions</a:t>
-            </a:r>
-            <a:r>
-              <a:rPr lang="de-DE" sz="2200" dirty="0" smtClean="0">
-                <a:latin typeface="AA Zuehlke" pitchFamily="2" charset="0"/>
-              </a:rPr>
-              <a:t>, </a:t>
-            </a:r>
-            <a:r>
-              <a:rPr lang="de-DE" sz="2200" dirty="0" err="1" smtClean="0">
-                <a:latin typeface="AA Zuehlke" pitchFamily="2" charset="0"/>
-              </a:rPr>
-              <a:t>Handoff</a:t>
-            </a:r>
-            <a:r>
-              <a:rPr lang="de-DE" sz="2200" dirty="0" smtClean="0">
-                <a:latin typeface="AA Zuehlke" pitchFamily="2" charset="0"/>
-              </a:rPr>
-              <a:t>, </a:t>
-            </a:r>
-            <a:r>
-              <a:rPr lang="de-DE" sz="2200" dirty="0" err="1" smtClean="0">
-                <a:latin typeface="AA Zuehlke" pitchFamily="2" charset="0"/>
-              </a:rPr>
-              <a:t>AirDrop</a:t>
-            </a:r>
-            <a:r>
-              <a:rPr lang="de-DE" sz="2200" dirty="0" smtClean="0">
-                <a:latin typeface="AA Zuehlke" pitchFamily="2" charset="0"/>
-              </a:rPr>
-              <a:t>, </a:t>
-            </a:r>
-            <a:r>
-              <a:rPr lang="de-DE" sz="2200" dirty="0" err="1" smtClean="0">
-                <a:latin typeface="AA Zuehlke" pitchFamily="2" charset="0"/>
-              </a:rPr>
-              <a:t>TextKit</a:t>
-            </a:r>
-            <a:r>
-              <a:rPr lang="de-DE" sz="2200" dirty="0" smtClean="0">
-                <a:latin typeface="AA Zuehlke" pitchFamily="2" charset="0"/>
-              </a:rPr>
-              <a:t>, Autolayout, Multitasking, ...</a:t>
-            </a:r>
-          </a:p>
-        </p:txBody>
-      </p:sp>
-    </p:spTree>
-    <p:extLst>
-      <p:ext uri="{BB962C8B-B14F-4D97-AF65-F5344CB8AC3E}">
-        <p14:creationId xmlns:p14="http://schemas.microsoft.com/office/powerpoint/2010/main" val="1880669942"/>
-      </p:ext>
-    </p:extLst>
-  </p:cSld>
-  <p:clrMapOvr>
-    <a:masterClrMapping/>
-  </p:clrMapOvr>
-  <p:timing>
-    <p:tnLst>
-      <p:par>
-        <p:cTn id="1" dur="indefinite" restart="never" nodeType="tmRoot"/>
-      </p:par>
-    </p:tnLst>
-  </p:timing>
-</p:sld>
-</file>
-
-<file path=ppt/slides/slide5.xml><?xml version="1.0" encoding="utf-8"?>
-<p:sld xmlns:a="http://schemas.openxmlformats.org/drawingml/2006/main" xmlns:r="http://schemas.openxmlformats.org/officeDocument/2006/relationships" xmlns:p="http://schemas.openxmlformats.org/presentationml/2006/main">
-  <p:cSld>
-    <p:spTree>
-      <p:nvGrpSpPr>
-        <p:cNvPr id="1" name=""/>
-        <p:cNvGrpSpPr/>
-        <p:nvPr/>
-      </p:nvGrpSpPr>
-      <p:grpSpPr>
-        <a:xfrm>
-          <a:off x="0" y="0"/>
-          <a:ext cx="0" cy="0"/>
-          <a:chOff x="0" y="0"/>
-          <a:chExt cx="0" cy="0"/>
-        </a:xfrm>
-      </p:grpSpPr>
-      <p:sp>
-        <p:nvSpPr>
-          <p:cNvPr id="2" name="Titel 1"/>
-          <p:cNvSpPr>
-            <a:spLocks noGrp="1"/>
-          </p:cNvSpPr>
-          <p:nvPr>
-            <p:ph type="title"/>
-          </p:nvPr>
-        </p:nvSpPr>
-        <p:spPr/>
-        <p:txBody>
-          <a:bodyPr/>
-          <a:lstStyle/>
-          <a:p>
-            <a:r>
-              <a:rPr lang="de-DE" dirty="0" smtClean="0"/>
-              <a:t>Struktur einer iOS-App</a:t>
-            </a:r>
-            <a:endParaRPr lang="de-DE" dirty="0"/>
-          </a:p>
-        </p:txBody>
-      </p:sp>
-      <p:sp>
-        <p:nvSpPr>
-          <p:cNvPr id="4" name="Datumsplatzhalter 3"/>
-          <p:cNvSpPr>
-            <a:spLocks noGrp="1"/>
-          </p:cNvSpPr>
-          <p:nvPr>
-            <p:ph type="dt" sz="half" idx="10"/>
-          </p:nvPr>
-        </p:nvSpPr>
-        <p:spPr/>
-        <p:txBody>
-          <a:bodyPr/>
-          <a:lstStyle/>
-          <a:p>
-            <a:r>
-              <a:rPr lang="de-CH" smtClean="0"/>
-              <a:t>7. Januar 2016</a:t>
-            </a:r>
-            <a:endParaRPr lang="de-CH" dirty="0"/>
-          </a:p>
-        </p:txBody>
-      </p:sp>
-      <p:sp>
-        <p:nvSpPr>
-          <p:cNvPr id="5" name="Fußzeilenplatzhalter 4"/>
-          <p:cNvSpPr>
-            <a:spLocks noGrp="1"/>
-          </p:cNvSpPr>
-          <p:nvPr>
-            <p:ph type="ftr" sz="quarter" idx="11"/>
-          </p:nvPr>
-        </p:nvSpPr>
-        <p:spPr/>
-        <p:txBody>
-          <a:bodyPr/>
-          <a:lstStyle/>
-          <a:p>
-            <a:r>
-              <a:rPr lang="de-CH" smtClean="0"/>
-              <a:t>iOS-Workshop</a:t>
-            </a:r>
-            <a:endParaRPr lang="de-CH" dirty="0"/>
-          </a:p>
-        </p:txBody>
-      </p:sp>
-      <p:sp>
-        <p:nvSpPr>
-          <p:cNvPr id="6" name="Foliennummernplatzhalter 5"/>
-          <p:cNvSpPr>
-            <a:spLocks noGrp="1"/>
-          </p:cNvSpPr>
-          <p:nvPr>
-            <p:ph type="sldNum" sz="quarter" idx="12"/>
-          </p:nvPr>
-        </p:nvSpPr>
-        <p:spPr/>
-        <p:txBody>
-          <a:bodyPr/>
-          <a:lstStyle/>
-          <a:p>
-            <a:r>
-              <a:rPr lang="de-CH" smtClean="0"/>
-              <a:t>Folie </a:t>
-            </a:r>
-            <a:fld id="{D7D516EC-717A-46FD-BBF7-B49E47ACA4F3}" type="slidenum">
-              <a:rPr lang="de-CH" smtClean="0"/>
-              <a:pPr/>
-              <a:t>5</a:t>
-            </a:fld>
-            <a:endParaRPr lang="de-CH" dirty="0"/>
-          </a:p>
-        </p:txBody>
-      </p:sp>
-      <p:pic>
-        <p:nvPicPr>
-          <p:cNvPr id="9" name="Bild 8"/>
+          <p:cNvPr id="3" name="Bild 2"/>
           <p:cNvPicPr>
             <a:picLocks noChangeAspect="1"/>
           </p:cNvPicPr>
@@ -10484,24 +8188,201 @@
         </p:blipFill>
         <p:spPr>
           <a:xfrm>
-            <a:off x="772585" y="1045588"/>
-            <a:ext cx="6221817" cy="5470188"/>
+            <a:off x="1080000" y="1620000"/>
+            <a:ext cx="10800000" cy="3404629"/>
           </a:xfrm>
           <a:prstGeom prst="rect">
             <a:avLst/>
           </a:prstGeom>
         </p:spPr>
       </p:pic>
-      <p:sp>
-        <p:nvSpPr>
-          <p:cNvPr id="10" name="Pfeil nach rechts 9"/>
+    </p:spTree>
+    <p:extLst>
+      <p:ext uri="{BB962C8B-B14F-4D97-AF65-F5344CB8AC3E}">
+        <p14:creationId xmlns:p14="http://schemas.microsoft.com/office/powerpoint/2010/main" val="57870461"/>
+      </p:ext>
+    </p:extLst>
+  </p:cSld>
+  <p:clrMapOvr>
+    <a:masterClrMapping/>
+  </p:clrMapOvr>
+  <p:timing>
+    <p:tnLst>
+      <p:par>
+        <p:cTn id="1" dur="indefinite" restart="never" nodeType="tmRoot"/>
+      </p:par>
+    </p:tnLst>
+  </p:timing>
+</p:sld>
+</file>
+
+<file path=ppt/slides/slide12.xml><?xml version="1.0" encoding="utf-8"?>
+<p:sld xmlns:a="http://schemas.openxmlformats.org/drawingml/2006/main" xmlns:r="http://schemas.openxmlformats.org/officeDocument/2006/relationships" xmlns:p="http://schemas.openxmlformats.org/presentationml/2006/main">
+  <p:cSld>
+    <p:spTree>
+      <p:nvGrpSpPr>
+        <p:cNvPr id="1" name=""/>
+        <p:cNvGrpSpPr/>
+        <p:nvPr/>
+      </p:nvGrpSpPr>
+      <p:grpSpPr>
+        <a:xfrm>
+          <a:off x="0" y="0"/>
+          <a:ext cx="0" cy="0"/>
+          <a:chOff x="0" y="0"/>
+          <a:chExt cx="0" cy="0"/>
+        </a:xfrm>
+      </p:grpSpPr>
+      <p:sp>
+        <p:nvSpPr>
+          <p:cNvPr id="2" name="Titel 1"/>
+          <p:cNvSpPr>
+            <a:spLocks noGrp="1"/>
+          </p:cNvSpPr>
+          <p:nvPr>
+            <p:ph type="title"/>
+          </p:nvPr>
+        </p:nvSpPr>
+        <p:spPr/>
+        <p:txBody>
+          <a:bodyPr/>
+          <a:lstStyle/>
+          <a:p>
+            <a:r>
+              <a:rPr lang="de-DE" dirty="0" err="1" smtClean="0"/>
+              <a:t>Automatic</a:t>
+            </a:r>
+            <a:r>
+              <a:rPr lang="de-DE" dirty="0" smtClean="0"/>
+              <a:t> Reference </a:t>
+            </a:r>
+            <a:r>
+              <a:rPr lang="de-DE" dirty="0" err="1" smtClean="0"/>
+              <a:t>Counting</a:t>
+            </a:r>
+            <a:endParaRPr lang="de-DE" dirty="0"/>
+          </a:p>
+        </p:txBody>
+      </p:sp>
+      <p:sp>
+        <p:nvSpPr>
+          <p:cNvPr id="4" name="Datumsplatzhalter 3"/>
+          <p:cNvSpPr>
+            <a:spLocks noGrp="1"/>
+          </p:cNvSpPr>
+          <p:nvPr>
+            <p:ph type="dt" sz="half" idx="10"/>
+          </p:nvPr>
+        </p:nvSpPr>
+        <p:spPr/>
+        <p:txBody>
+          <a:bodyPr/>
+          <a:lstStyle/>
+          <a:p>
+            <a:r>
+              <a:rPr lang="de-CH" smtClean="0"/>
+              <a:t>7. Januar 2016</a:t>
+            </a:r>
+            <a:endParaRPr lang="de-CH" dirty="0"/>
+          </a:p>
+        </p:txBody>
+      </p:sp>
+      <p:sp>
+        <p:nvSpPr>
+          <p:cNvPr id="5" name="Fußzeilenplatzhalter 4"/>
+          <p:cNvSpPr>
+            <a:spLocks noGrp="1"/>
+          </p:cNvSpPr>
+          <p:nvPr>
+            <p:ph type="ftr" sz="quarter" idx="11"/>
+          </p:nvPr>
+        </p:nvSpPr>
+        <p:spPr/>
+        <p:txBody>
+          <a:bodyPr/>
+          <a:lstStyle/>
+          <a:p>
+            <a:r>
+              <a:rPr lang="de-CH" smtClean="0"/>
+              <a:t>iOS-Workshop</a:t>
+            </a:r>
+            <a:endParaRPr lang="de-CH" dirty="0"/>
+          </a:p>
+        </p:txBody>
+      </p:sp>
+      <p:sp>
+        <p:nvSpPr>
+          <p:cNvPr id="6" name="Foliennummernplatzhalter 5"/>
+          <p:cNvSpPr>
+            <a:spLocks noGrp="1"/>
+          </p:cNvSpPr>
+          <p:nvPr>
+            <p:ph type="sldNum" sz="quarter" idx="12"/>
+          </p:nvPr>
+        </p:nvSpPr>
+        <p:spPr/>
+        <p:txBody>
+          <a:bodyPr/>
+          <a:lstStyle/>
+          <a:p>
+            <a:r>
+              <a:rPr lang="de-CH" smtClean="0"/>
+              <a:t>Folie </a:t>
+            </a:r>
+            <a:fld id="{D7D516EC-717A-46FD-BBF7-B49E47ACA4F3}" type="slidenum">
+              <a:rPr lang="de-CH" smtClean="0"/>
+              <a:pPr/>
+              <a:t>12</a:t>
+            </a:fld>
+            <a:endParaRPr lang="de-CH" dirty="0"/>
+          </a:p>
+        </p:txBody>
+      </p:sp>
+      <p:sp>
+        <p:nvSpPr>
+          <p:cNvPr id="9" name="Textfeld 8"/>
+          <p:cNvSpPr txBox="1"/>
+          <p:nvPr/>
+        </p:nvSpPr>
+        <p:spPr>
+          <a:xfrm>
+            <a:off x="1523886" y="5853820"/>
+            <a:ext cx="3168352" cy="360040"/>
+          </a:xfrm>
+          <a:prstGeom prst="rect">
+            <a:avLst/>
+          </a:prstGeom>
+          <a:noFill/>
+        </p:spPr>
+        <p:txBody>
+          <a:bodyPr wrap="square" rtlCol="0">
+            <a:noAutofit/>
+          </a:bodyPr>
+          <a:lstStyle/>
+          <a:p>
+            <a:r>
+              <a:rPr lang="de-DE" sz="2200" dirty="0" smtClean="0">
+                <a:latin typeface="AA Zuehlke" pitchFamily="2" charset="0"/>
+                <a:hlinkClick r:id="rId2"/>
+              </a:rPr>
+              <a:t>Apple-Doku</a:t>
+            </a:r>
+            <a:endParaRPr lang="de-DE" sz="2200" dirty="0" smtClean="0">
+              <a:latin typeface="AA Zuehlke" pitchFamily="2" charset="0"/>
+            </a:endParaRPr>
+          </a:p>
+        </p:txBody>
+      </p:sp>
+      <p:sp>
+        <p:nvSpPr>
+          <p:cNvPr id="11" name="Pfeil nach rechts 10"/>
           <p:cNvSpPr/>
           <p:nvPr/>
         </p:nvSpPr>
         <p:spPr>
           <a:xfrm>
-            <a:off x="7486032" y="3233224"/>
-            <a:ext cx="1080120" cy="570328"/>
+            <a:off x="983432" y="5968425"/>
+            <a:ext cx="509233" cy="268887"/>
           </a:xfrm>
           <a:prstGeom prst="rightArrow">
             <a:avLst/>
@@ -10540,82 +8421,40 @@
           </a:p>
         </p:txBody>
       </p:sp>
-      <p:sp>
-        <p:nvSpPr>
-          <p:cNvPr id="11" name="Textfeld 10"/>
-          <p:cNvSpPr txBox="1"/>
+      <p:pic>
+        <p:nvPicPr>
+          <p:cNvPr id="7" name="Bild 6"/>
+          <p:cNvPicPr>
+            <a:picLocks noChangeAspect="1"/>
+          </p:cNvPicPr>
           <p:nvPr/>
-        </p:nvSpPr>
+        </p:nvPicPr>
+        <p:blipFill>
+          <a:blip r:embed="rId3">
+            <a:extLst>
+              <a:ext uri="{28A0092B-C50C-407E-A947-70E740481C1C}">
+                <a14:useLocalDpi xmlns:a14="http://schemas.microsoft.com/office/drawing/2010/main" val="0"/>
+              </a:ext>
+            </a:extLst>
+          </a:blip>
+          <a:stretch>
+            <a:fillRect/>
+          </a:stretch>
+        </p:blipFill>
         <p:spPr>
           <a:xfrm>
-            <a:off x="8756651" y="2839689"/>
-            <a:ext cx="2235893" cy="580953"/>
+            <a:off x="1080000" y="1620000"/>
+            <a:ext cx="10800000" cy="3249481"/>
           </a:xfrm>
           <a:prstGeom prst="rect">
             <a:avLst/>
           </a:prstGeom>
-          <a:noFill/>
         </p:spPr>
-        <p:txBody>
-          <a:bodyPr wrap="none" rtlCol="0">
-            <a:noAutofit/>
-          </a:bodyPr>
-          <a:lstStyle/>
-          <a:p>
-            <a:r>
-              <a:rPr lang="de-DE" sz="3600" dirty="0" smtClean="0">
-                <a:latin typeface="AA Zuehlke" pitchFamily="2" charset="0"/>
-              </a:rPr>
-              <a:t>MVC-Pattern</a:t>
-            </a:r>
-          </a:p>
-        </p:txBody>
-      </p:sp>
-      <p:sp>
-        <p:nvSpPr>
-          <p:cNvPr id="12" name="Textfeld 11"/>
-          <p:cNvSpPr txBox="1"/>
-          <p:nvPr/>
-        </p:nvSpPr>
-        <p:spPr>
-          <a:xfrm>
-            <a:off x="8756651" y="3573016"/>
-            <a:ext cx="2955974" cy="648072"/>
-          </a:xfrm>
-          <a:prstGeom prst="rect">
-            <a:avLst/>
-          </a:prstGeom>
-          <a:noFill/>
-        </p:spPr>
-        <p:txBody>
-          <a:bodyPr wrap="square" rtlCol="0">
-            <a:noAutofit/>
-          </a:bodyPr>
-          <a:lstStyle/>
-          <a:p>
-            <a:r>
-              <a:rPr lang="de-DE" sz="2200" dirty="0" smtClean="0">
-                <a:latin typeface="AA Zuehlke" pitchFamily="2" charset="0"/>
-              </a:rPr>
-              <a:t>Vergleich diverser iOS-Entwurfsmuster: </a:t>
-            </a:r>
-            <a:r>
-              <a:rPr lang="de-DE" sz="2200" dirty="0" smtClean="0">
-                <a:latin typeface="AA Zuehlke" pitchFamily="2" charset="0"/>
-                <a:hlinkClick r:id="rId4"/>
-              </a:rPr>
-              <a:t>Link</a:t>
-            </a:r>
-            <a:endParaRPr lang="de-DE" sz="2200" dirty="0" smtClean="0">
-              <a:latin typeface="AA Zuehlke" pitchFamily="2" charset="0"/>
-            </a:endParaRPr>
-          </a:p>
-        </p:txBody>
-      </p:sp>
+      </p:pic>
     </p:spTree>
     <p:extLst>
       <p:ext uri="{BB962C8B-B14F-4D97-AF65-F5344CB8AC3E}">
-        <p14:creationId xmlns:p14="http://schemas.microsoft.com/office/powerpoint/2010/main" val="308416599"/>
+        <p14:creationId xmlns:p14="http://schemas.microsoft.com/office/powerpoint/2010/main" val="1966229583"/>
       </p:ext>
     </p:extLst>
   </p:cSld>
@@ -10632,7 +8471,7 @@
 </p:sld>
 </file>
 
-<file path=ppt/slides/slide6.xml><?xml version="1.0" encoding="utf-8"?>
+<file path=ppt/slides/slide13.xml><?xml version="1.0" encoding="utf-8"?>
 <p:sld xmlns:a="http://schemas.openxmlformats.org/drawingml/2006/main" xmlns:r="http://schemas.openxmlformats.org/officeDocument/2006/relationships" xmlns:p="http://schemas.openxmlformats.org/presentationml/2006/main">
   <p:cSld>
     <p:spTree>
@@ -10665,12 +8504,16 @@
           <a:lstStyle/>
           <a:p>
             <a:r>
+              <a:rPr lang="de-DE" dirty="0" err="1" smtClean="0"/>
+              <a:t>Automatic</a:t>
+            </a:r>
+            <a:r>
               <a:rPr lang="de-DE" dirty="0" smtClean="0"/>
-              <a:t>App </a:t>
+              <a:t> Reference </a:t>
             </a:r>
             <a:r>
               <a:rPr lang="de-DE" dirty="0" err="1" smtClean="0"/>
-              <a:t>Lifecycle</a:t>
+              <a:t>Counting</a:t>
             </a:r>
             <a:endParaRPr lang="de-DE" dirty="0"/>
           </a:p>
@@ -10744,42 +8587,47 @@
             <a:fld id="{D7D516EC-717A-46FD-BBF7-B49E47ACA4F3}" type="slidenum">
               <a:rPr lang="de-CH" smtClean="0"/>
               <a:pPr/>
-              <a:t>6</a:t>
+              <a:t>13</a:t>
             </a:fld>
             <a:endParaRPr lang="de-CH" dirty="0"/>
           </a:p>
         </p:txBody>
       </p:sp>
-      <p:pic>
-        <p:nvPicPr>
-          <p:cNvPr id="8" name="Bild 7"/>
-          <p:cNvPicPr>
-            <a:picLocks noChangeAspect="1"/>
-          </p:cNvPicPr>
+      <p:sp>
+        <p:nvSpPr>
+          <p:cNvPr id="9" name="Textfeld 8"/>
+          <p:cNvSpPr txBox="1"/>
           <p:nvPr/>
-        </p:nvPicPr>
-        <p:blipFill>
-          <a:blip r:embed="rId2">
-            <a:extLst>
-              <a:ext uri="{28A0092B-C50C-407E-A947-70E740481C1C}">
-                <a14:useLocalDpi xmlns:a14="http://schemas.microsoft.com/office/drawing/2010/main" val="0"/>
-              </a:ext>
-            </a:extLst>
-          </a:blip>
-          <a:stretch>
-            <a:fillRect/>
-          </a:stretch>
-        </p:blipFill>
+        </p:nvSpPr>
         <p:spPr>
           <a:xfrm>
-            <a:off x="772585" y="1124744"/>
-            <a:ext cx="4174652" cy="5013176"/>
+            <a:off x="1523886" y="5853820"/>
+            <a:ext cx="3168352" cy="360040"/>
           </a:xfrm>
           <a:prstGeom prst="rect">
             <a:avLst/>
           </a:prstGeom>
+          <a:noFill/>
         </p:spPr>
-      </p:pic>
+        <p:txBody>
+          <a:bodyPr wrap="square" rtlCol="0">
+            <a:noAutofit/>
+          </a:bodyPr>
+          <a:lstStyle/>
+          <a:p>
+            <a:r>
+              <a:rPr lang="de-DE" sz="2200" dirty="0" smtClean="0">
+                <a:latin typeface="AA Zuehlke" pitchFamily="2" charset="0"/>
+                <a:hlinkClick r:id="rId2"/>
+              </a:rPr>
+              <a:t>Apple-Doku</a:t>
+            </a:r>
+            <a:endParaRPr lang="de-DE" sz="2200" dirty="0" smtClean="0">
+              <a:latin typeface="AA Zuehlke" pitchFamily="2" charset="0"/>
+            </a:endParaRPr>
+          </a:p>
+        </p:txBody>
+      </p:sp>
       <p:sp>
         <p:nvSpPr>
           <p:cNvPr id="11" name="Pfeil nach rechts 10"/>
@@ -10788,8 +8636,8 @@
         </p:nvSpPr>
         <p:spPr>
           <a:xfrm>
-            <a:off x="5015880" y="3233224"/>
-            <a:ext cx="1080120" cy="570328"/>
+            <a:off x="983432" y="5968425"/>
+            <a:ext cx="509233" cy="268887"/>
           </a:xfrm>
           <a:prstGeom prst="rightArrow">
             <a:avLst/>
@@ -10828,226 +8676,40 @@
           </a:p>
         </p:txBody>
       </p:sp>
-      <p:sp>
-        <p:nvSpPr>
-          <p:cNvPr id="12" name="Textfeld 11"/>
-          <p:cNvSpPr txBox="1"/>
+      <p:pic>
+        <p:nvPicPr>
+          <p:cNvPr id="3" name="Bild 2"/>
+          <p:cNvPicPr>
+            <a:picLocks noChangeAspect="1"/>
+          </p:cNvPicPr>
           <p:nvPr/>
-        </p:nvSpPr>
+        </p:nvPicPr>
+        <p:blipFill>
+          <a:blip r:embed="rId3">
+            <a:extLst>
+              <a:ext uri="{28A0092B-C50C-407E-A947-70E740481C1C}">
+                <a14:useLocalDpi xmlns:a14="http://schemas.microsoft.com/office/drawing/2010/main" val="0"/>
+              </a:ext>
+            </a:extLst>
+          </a:blip>
+          <a:stretch>
+            <a:fillRect/>
+          </a:stretch>
+        </p:blipFill>
         <p:spPr>
           <a:xfrm>
-            <a:off x="6164643" y="2186240"/>
-            <a:ext cx="5964836" cy="2664296"/>
+            <a:off x="1080000" y="1620000"/>
+            <a:ext cx="10800000" cy="3249481"/>
           </a:xfrm>
           <a:prstGeom prst="rect">
             <a:avLst/>
           </a:prstGeom>
-          <a:noFill/>
         </p:spPr>
-        <p:txBody>
-          <a:bodyPr wrap="square" rtlCol="0">
-            <a:noAutofit/>
-          </a:bodyPr>
-          <a:lstStyle/>
-          <a:p>
-            <a:r>
-              <a:rPr lang="de-DE" sz="2200" dirty="0" smtClean="0">
-                <a:latin typeface="AA Zuehlke" pitchFamily="2" charset="0"/>
-              </a:rPr>
-              <a:t>Diverse </a:t>
-            </a:r>
-            <a:r>
-              <a:rPr lang="de-DE" sz="2200" dirty="0" err="1" smtClean="0">
-                <a:latin typeface="AA Zuehlke" pitchFamily="2" charset="0"/>
-              </a:rPr>
-              <a:t>Delegate</a:t>
-            </a:r>
-            <a:r>
-              <a:rPr lang="de-DE" sz="2200" dirty="0" smtClean="0">
-                <a:latin typeface="AA Zuehlke" pitchFamily="2" charset="0"/>
-              </a:rPr>
-              <a:t>-Aufrufe im App-</a:t>
-            </a:r>
-            <a:r>
-              <a:rPr lang="de-DE" sz="2200" dirty="0" err="1" smtClean="0">
-                <a:latin typeface="AA Zuehlke" pitchFamily="2" charset="0"/>
-              </a:rPr>
-              <a:t>Delegate</a:t>
-            </a:r>
-            <a:r>
-              <a:rPr lang="de-DE" sz="2200" dirty="0">
-                <a:latin typeface="AA Zuehlke" pitchFamily="2" charset="0"/>
-              </a:rPr>
-              <a:t>:</a:t>
-            </a:r>
-            <a:endParaRPr lang="de-DE" sz="2200" dirty="0" smtClean="0">
-              <a:latin typeface="AA Zuehlke" pitchFamily="2" charset="0"/>
-            </a:endParaRPr>
-          </a:p>
-          <a:p>
-            <a:endParaRPr lang="de-DE" sz="2200" dirty="0">
-              <a:latin typeface="AA Zuehlke" pitchFamily="2" charset="0"/>
-            </a:endParaRPr>
-          </a:p>
-          <a:p>
-            <a:pPr marL="342900" indent="-342900">
-              <a:buFont typeface="Arial" charset="0"/>
-              <a:buChar char="•"/>
-            </a:pPr>
-            <a:r>
-              <a:rPr lang="de-DE" sz="1700" dirty="0" err="1" smtClean="0">
-                <a:latin typeface="Courier" charset="0"/>
-                <a:ea typeface="Courier" charset="0"/>
-                <a:cs typeface="Courier" charset="0"/>
-              </a:rPr>
-              <a:t>applicationWillFinishLaunchingWithOptions</a:t>
-            </a:r>
-            <a:endParaRPr lang="de-DE" sz="1700" dirty="0">
-              <a:latin typeface="Courier" charset="0"/>
-              <a:ea typeface="Courier" charset="0"/>
-              <a:cs typeface="Courier" charset="0"/>
-            </a:endParaRPr>
-          </a:p>
-          <a:p>
-            <a:pPr marL="342900" indent="-342900">
-              <a:buFont typeface="Arial" charset="0"/>
-              <a:buChar char="•"/>
-            </a:pPr>
-            <a:r>
-              <a:rPr lang="de-DE" sz="1700" dirty="0" err="1">
-                <a:latin typeface="Courier" charset="0"/>
-                <a:ea typeface="Courier" charset="0"/>
-                <a:cs typeface="Courier" charset="0"/>
-              </a:rPr>
-              <a:t>a</a:t>
-            </a:r>
-            <a:r>
-              <a:rPr lang="de-DE" sz="1700" dirty="0" err="1" smtClean="0">
-                <a:latin typeface="Courier" charset="0"/>
-                <a:ea typeface="Courier" charset="0"/>
-                <a:cs typeface="Courier" charset="0"/>
-              </a:rPr>
-              <a:t>pplicationDidFinishLaunchingWithOtions</a:t>
-            </a:r>
-            <a:endParaRPr lang="de-DE" sz="1700" dirty="0" smtClean="0">
-              <a:latin typeface="Courier" charset="0"/>
-              <a:ea typeface="Courier" charset="0"/>
-              <a:cs typeface="Courier" charset="0"/>
-            </a:endParaRPr>
-          </a:p>
-          <a:p>
-            <a:pPr marL="342900" indent="-342900">
-              <a:buFont typeface="Arial" charset="0"/>
-              <a:buChar char="•"/>
-            </a:pPr>
-            <a:r>
-              <a:rPr lang="de-DE" sz="1700" dirty="0" err="1" smtClean="0">
-                <a:latin typeface="Courier" charset="0"/>
-                <a:ea typeface="Courier" charset="0"/>
-                <a:cs typeface="Courier" charset="0"/>
-              </a:rPr>
-              <a:t>applicationDidBecomeActive</a:t>
-            </a:r>
-            <a:endParaRPr lang="de-DE" sz="1700" dirty="0" smtClean="0">
-              <a:latin typeface="Courier" charset="0"/>
-              <a:ea typeface="Courier" charset="0"/>
-              <a:cs typeface="Courier" charset="0"/>
-            </a:endParaRPr>
-          </a:p>
-          <a:p>
-            <a:pPr marL="342900" indent="-342900">
-              <a:buFont typeface="Arial" charset="0"/>
-              <a:buChar char="•"/>
-            </a:pPr>
-            <a:r>
-              <a:rPr lang="de-DE" sz="1700" dirty="0" err="1" smtClean="0">
-                <a:latin typeface="Courier" charset="0"/>
-                <a:ea typeface="Courier" charset="0"/>
-                <a:cs typeface="Courier" charset="0"/>
-              </a:rPr>
-              <a:t>applicationWillResignActive</a:t>
-            </a:r>
-            <a:endParaRPr lang="de-DE" sz="1700" dirty="0" smtClean="0">
-              <a:latin typeface="Courier" charset="0"/>
-              <a:ea typeface="Courier" charset="0"/>
-              <a:cs typeface="Courier" charset="0"/>
-            </a:endParaRPr>
-          </a:p>
-          <a:p>
-            <a:pPr marL="342900" indent="-342900">
-              <a:buFont typeface="Arial" charset="0"/>
-              <a:buChar char="•"/>
-            </a:pPr>
-            <a:r>
-              <a:rPr lang="de-DE" sz="1700" dirty="0" err="1" smtClean="0">
-                <a:latin typeface="Courier" charset="0"/>
-                <a:ea typeface="Courier" charset="0"/>
-                <a:cs typeface="Courier" charset="0"/>
-              </a:rPr>
-              <a:t>applicationDidEnterBackground</a:t>
-            </a:r>
-            <a:endParaRPr lang="de-DE" sz="1700" dirty="0" smtClean="0">
-              <a:latin typeface="Courier" charset="0"/>
-              <a:ea typeface="Courier" charset="0"/>
-              <a:cs typeface="Courier" charset="0"/>
-            </a:endParaRPr>
-          </a:p>
-          <a:p>
-            <a:pPr marL="342900" indent="-342900">
-              <a:buFont typeface="Arial" charset="0"/>
-              <a:buChar char="•"/>
-            </a:pPr>
-            <a:r>
-              <a:rPr lang="de-DE" sz="1700" dirty="0" err="1" smtClean="0">
-                <a:latin typeface="Courier" charset="0"/>
-                <a:ea typeface="Courier" charset="0"/>
-                <a:cs typeface="Courier" charset="0"/>
-              </a:rPr>
-              <a:t>applicationWillEnterForeground</a:t>
-            </a:r>
-            <a:endParaRPr lang="de-DE" sz="1700" dirty="0" smtClean="0">
-              <a:latin typeface="Courier" charset="0"/>
-              <a:ea typeface="Courier" charset="0"/>
-              <a:cs typeface="Courier" charset="0"/>
-            </a:endParaRPr>
-          </a:p>
-          <a:p>
-            <a:pPr marL="342900" indent="-342900">
-              <a:buFont typeface="Arial" charset="0"/>
-              <a:buChar char="•"/>
-            </a:pPr>
-            <a:r>
-              <a:rPr lang="de-DE" sz="1700" dirty="0" err="1" smtClean="0">
-                <a:latin typeface="Courier" charset="0"/>
-                <a:ea typeface="Courier" charset="0"/>
-                <a:cs typeface="Courier" charset="0"/>
-              </a:rPr>
-              <a:t>applicationWillTerminate</a:t>
-            </a:r>
-            <a:r>
-              <a:rPr lang="de-DE" sz="1700" dirty="0" smtClean="0">
-                <a:latin typeface="Courier" charset="0"/>
-                <a:ea typeface="Courier" charset="0"/>
-                <a:cs typeface="Courier" charset="0"/>
-              </a:rPr>
-              <a:t> </a:t>
-            </a:r>
-          </a:p>
-          <a:p>
-            <a:pPr marL="342900" indent="-342900">
-              <a:buFont typeface="Arial" charset="0"/>
-              <a:buChar char="•"/>
-            </a:pPr>
-            <a:endParaRPr lang="de-DE" sz="2200" dirty="0" smtClean="0">
-              <a:latin typeface="AA Zuehlke" pitchFamily="2" charset="0"/>
-            </a:endParaRPr>
-          </a:p>
-        </p:txBody>
-      </p:sp>
+      </p:pic>
     </p:spTree>
     <p:extLst>
       <p:ext uri="{BB962C8B-B14F-4D97-AF65-F5344CB8AC3E}">
-        <p14:creationId xmlns:p14="http://schemas.microsoft.com/office/powerpoint/2010/main" val="402143011"/>
+        <p14:creationId xmlns:p14="http://schemas.microsoft.com/office/powerpoint/2010/main" val="942241445"/>
       </p:ext>
     </p:extLst>
   </p:cSld>
@@ -11064,7 +8726,7 @@
 </p:sld>
 </file>
 
-<file path=ppt/slides/slide7.xml><?xml version="1.0" encoding="utf-8"?>
+<file path=ppt/slides/slide14.xml><?xml version="1.0" encoding="utf-8"?>
 <p:sld xmlns:a="http://schemas.openxmlformats.org/drawingml/2006/main" xmlns:r="http://schemas.openxmlformats.org/officeDocument/2006/relationships" xmlns:p="http://schemas.openxmlformats.org/presentationml/2006/main">
   <p:cSld>
     <p:spTree>
@@ -11097,12 +8759,8 @@
           <a:lstStyle/>
           <a:p>
             <a:r>
-              <a:rPr lang="de-DE" dirty="0" err="1" smtClean="0"/>
-              <a:t>Walled</a:t>
-            </a:r>
-            <a:r>
               <a:rPr lang="de-DE" dirty="0" smtClean="0"/>
-              <a:t> Garden</a:t>
+              <a:t>iOS Entwicklungsressourcen</a:t>
             </a:r>
             <a:endParaRPr lang="de-DE" dirty="0"/>
           </a:p>
@@ -11176,238 +8834,7 @@
             <a:fld id="{D7D516EC-717A-46FD-BBF7-B49E47ACA4F3}" type="slidenum">
               <a:rPr lang="de-CH" smtClean="0"/>
               <a:pPr/>
-              <a:t>7</a:t>
-            </a:fld>
-            <a:endParaRPr lang="de-CH" dirty="0"/>
-          </a:p>
-        </p:txBody>
-      </p:sp>
-      <p:sp>
-        <p:nvSpPr>
-          <p:cNvPr id="7" name="Textplatzhalter 6"/>
-          <p:cNvSpPr>
-            <a:spLocks noGrp="1"/>
-          </p:cNvSpPr>
-          <p:nvPr>
-            <p:ph type="body" sz="quarter" idx="13"/>
-          </p:nvPr>
-        </p:nvSpPr>
-        <p:spPr>
-          <a:xfrm>
-            <a:off x="772585" y="930330"/>
-            <a:ext cx="11216215" cy="5667022"/>
-          </a:xfrm>
-        </p:spPr>
-        <p:txBody>
-          <a:bodyPr/>
-          <a:lstStyle/>
-          <a:p>
-            <a:pPr marL="342900" indent="-342900">
-              <a:buFont typeface="Arial" charset="0"/>
-              <a:buChar char="•"/>
-            </a:pPr>
-            <a:r>
-              <a:rPr lang="de-DE" dirty="0" smtClean="0"/>
-              <a:t>Jede App wird durch Apple auf Konformität zu den App-Store-Guidelines geprüft</a:t>
-            </a:r>
-          </a:p>
-          <a:p>
-            <a:pPr marL="608013" lvl="2" indent="-342900">
-              <a:buFont typeface="Arial" charset="0"/>
-              <a:buChar char="•"/>
-            </a:pPr>
-            <a:r>
-              <a:rPr lang="de-DE" dirty="0" smtClean="0"/>
-              <a:t>Nicht jede Idee ist dadurch umsetzbar</a:t>
-            </a:r>
-          </a:p>
-          <a:p>
-            <a:pPr marL="608013" lvl="2" indent="-342900">
-              <a:buFont typeface="Arial" charset="0"/>
-              <a:buChar char="•"/>
-            </a:pPr>
-            <a:r>
-              <a:rPr lang="de-DE" dirty="0" smtClean="0"/>
-              <a:t>Es wird gegenüber anderen Plattformen ein höheres </a:t>
-            </a:r>
-            <a:r>
-              <a:rPr lang="de-DE" dirty="0" err="1" smtClean="0"/>
-              <a:t>Mass</a:t>
-            </a:r>
-            <a:r>
-              <a:rPr lang="de-DE" dirty="0" smtClean="0"/>
-              <a:t> an Qualität und Sicherheit erreicht</a:t>
-            </a:r>
-            <a:endParaRPr lang="de-DE" dirty="0"/>
-          </a:p>
-        </p:txBody>
-      </p:sp>
-      <p:pic>
-        <p:nvPicPr>
-          <p:cNvPr id="10" name="Bild 9"/>
-          <p:cNvPicPr>
-            <a:picLocks noChangeAspect="1"/>
-          </p:cNvPicPr>
-          <p:nvPr/>
-        </p:nvPicPr>
-        <p:blipFill>
-          <a:blip r:embed="rId2">
-            <a:extLst>
-              <a:ext uri="{28A0092B-C50C-407E-A947-70E740481C1C}">
-                <a14:useLocalDpi xmlns:a14="http://schemas.microsoft.com/office/drawing/2010/main" val="0"/>
-              </a:ext>
-            </a:extLst>
-          </a:blip>
-          <a:stretch>
-            <a:fillRect/>
-          </a:stretch>
-        </p:blipFill>
-        <p:spPr>
-          <a:xfrm>
-            <a:off x="1415480" y="2348880"/>
-            <a:ext cx="8325054" cy="4032448"/>
-          </a:xfrm>
-          <a:prstGeom prst="rect">
-            <a:avLst/>
-          </a:prstGeom>
-          <a:effectLst>
-            <a:outerShdw blurRad="50800" dist="38100" dir="2700000" algn="tl" rotWithShape="0">
-              <a:prstClr val="black">
-                <a:alpha val="40000"/>
-              </a:prstClr>
-            </a:outerShdw>
-          </a:effectLst>
-        </p:spPr>
-      </p:pic>
-    </p:spTree>
-    <p:extLst>
-      <p:ext uri="{BB962C8B-B14F-4D97-AF65-F5344CB8AC3E}">
-        <p14:creationId xmlns:p14="http://schemas.microsoft.com/office/powerpoint/2010/main" val="2144664277"/>
-      </p:ext>
-    </p:extLst>
-  </p:cSld>
-  <p:clrMapOvr>
-    <a:masterClrMapping/>
-  </p:clrMapOvr>
-  <p:timing>
-    <p:tnLst>
-      <p:par>
-        <p:cTn id="1" dur="indefinite" restart="never" nodeType="tmRoot"/>
-      </p:par>
-    </p:tnLst>
-  </p:timing>
-</p:sld>
-</file>
-
-<file path=ppt/slides/slide8.xml><?xml version="1.0" encoding="utf-8"?>
-<p:sld xmlns:a="http://schemas.openxmlformats.org/drawingml/2006/main" xmlns:r="http://schemas.openxmlformats.org/officeDocument/2006/relationships" xmlns:p="http://schemas.openxmlformats.org/presentationml/2006/main">
-  <p:cSld>
-    <p:spTree>
-      <p:nvGrpSpPr>
-        <p:cNvPr id="1" name=""/>
-        <p:cNvGrpSpPr/>
-        <p:nvPr/>
-      </p:nvGrpSpPr>
-      <p:grpSpPr>
-        <a:xfrm>
-          <a:off x="0" y="0"/>
-          <a:ext cx="0" cy="0"/>
-          <a:chOff x="0" y="0"/>
-          <a:chExt cx="0" cy="0"/>
-        </a:xfrm>
-      </p:grpSpPr>
-      <p:sp>
-        <p:nvSpPr>
-          <p:cNvPr id="2" name="Titel 1"/>
-          <p:cNvSpPr>
-            <a:spLocks noGrp="1"/>
-          </p:cNvSpPr>
-          <p:nvPr>
-            <p:ph type="title"/>
-          </p:nvPr>
-        </p:nvSpPr>
-        <p:spPr/>
-        <p:txBody>
-          <a:bodyPr/>
-          <a:lstStyle/>
-          <a:p>
-            <a:r>
-              <a:rPr lang="de-DE" dirty="0" smtClean="0"/>
-              <a:t>iOS Entwicklungsressourcen</a:t>
-            </a:r>
-            <a:endParaRPr lang="de-DE" dirty="0"/>
-          </a:p>
-        </p:txBody>
-      </p:sp>
-      <p:sp>
-        <p:nvSpPr>
-          <p:cNvPr id="4" name="Datumsplatzhalter 3"/>
-          <p:cNvSpPr>
-            <a:spLocks noGrp="1"/>
-          </p:cNvSpPr>
-          <p:nvPr>
-            <p:ph type="dt" sz="half" idx="10"/>
-          </p:nvPr>
-        </p:nvSpPr>
-        <p:spPr/>
-        <p:txBody>
-          <a:bodyPr/>
-          <a:lstStyle/>
-          <a:p>
-            <a:r>
-              <a:rPr lang="de-CH" smtClean="0"/>
-              <a:t>7. Januar 2016</a:t>
-            </a:r>
-            <a:endParaRPr lang="de-CH" dirty="0"/>
-          </a:p>
-        </p:txBody>
-      </p:sp>
-      <p:sp>
-        <p:nvSpPr>
-          <p:cNvPr id="5" name="Fußzeilenplatzhalter 4"/>
-          <p:cNvSpPr>
-            <a:spLocks noGrp="1"/>
-          </p:cNvSpPr>
-          <p:nvPr>
-            <p:ph type="ftr" sz="quarter" idx="11"/>
-          </p:nvPr>
-        </p:nvSpPr>
-        <p:spPr/>
-        <p:txBody>
-          <a:bodyPr/>
-          <a:lstStyle/>
-          <a:p>
-            <a:r>
-              <a:rPr lang="de-CH" smtClean="0"/>
-              <a:t>iOS-Workshop</a:t>
-            </a:r>
-            <a:endParaRPr lang="de-CH" dirty="0"/>
-          </a:p>
-        </p:txBody>
-      </p:sp>
-      <p:sp>
-        <p:nvSpPr>
-          <p:cNvPr id="6" name="Foliennummernplatzhalter 5"/>
-          <p:cNvSpPr>
-            <a:spLocks noGrp="1"/>
-          </p:cNvSpPr>
-          <p:nvPr>
-            <p:ph type="sldNum" sz="quarter" idx="12"/>
-          </p:nvPr>
-        </p:nvSpPr>
-        <p:spPr/>
-        <p:txBody>
-          <a:bodyPr/>
-          <a:lstStyle/>
-          <a:p>
-            <a:r>
-              <a:rPr lang="de-CH" smtClean="0"/>
-              <a:t>Folie </a:t>
-            </a:r>
-            <a:fld id="{D7D516EC-717A-46FD-BBF7-B49E47ACA4F3}" type="slidenum">
-              <a:rPr lang="de-CH" smtClean="0"/>
-              <a:pPr/>
-              <a:t>8</a:t>
+              <a:t>14</a:t>
             </a:fld>
             <a:endParaRPr lang="de-CH" dirty="0"/>
           </a:p>
@@ -11901,7 +9328,7 @@
 </p:sld>
 </file>
 
-<file path=ppt/slides/slide9.xml><?xml version="1.0" encoding="utf-8"?>
+<file path=ppt/slides/slide15.xml><?xml version="1.0" encoding="utf-8"?>
 <p:sld xmlns:a="http://schemas.openxmlformats.org/drawingml/2006/main" xmlns:r="http://schemas.openxmlformats.org/officeDocument/2006/relationships" xmlns:p="http://schemas.openxmlformats.org/presentationml/2006/main">
   <p:cSld>
     <p:spTree>
@@ -12009,7 +9436,7 @@
             <a:fld id="{D7D516EC-717A-46FD-BBF7-B49E47ACA4F3}" type="slidenum">
               <a:rPr lang="de-CH" smtClean="0"/>
               <a:pPr/>
-              <a:t>9</a:t>
+              <a:t>15</a:t>
             </a:fld>
             <a:endParaRPr lang="de-CH" dirty="0"/>
           </a:p>
@@ -12342,6 +9769,4123 @@
     <p:extLst>
       <p:ext uri="{BB962C8B-B14F-4D97-AF65-F5344CB8AC3E}">
         <p14:creationId xmlns:p14="http://schemas.microsoft.com/office/powerpoint/2010/main" val="1514756341"/>
+      </p:ext>
+    </p:extLst>
+  </p:cSld>
+  <p:clrMapOvr>
+    <a:masterClrMapping/>
+  </p:clrMapOvr>
+  <p:timing>
+    <p:tnLst>
+      <p:par>
+        <p:cTn id="1" dur="indefinite" restart="never" nodeType="tmRoot"/>
+      </p:par>
+    </p:tnLst>
+  </p:timing>
+</p:sld>
+</file>
+
+<file path=ppt/slides/slide16.xml><?xml version="1.0" encoding="utf-8"?>
+<p:sld xmlns:a="http://schemas.openxmlformats.org/drawingml/2006/main" xmlns:r="http://schemas.openxmlformats.org/officeDocument/2006/relationships" xmlns:p="http://schemas.openxmlformats.org/presentationml/2006/main">
+  <p:cSld>
+    <p:spTree>
+      <p:nvGrpSpPr>
+        <p:cNvPr id="1" name=""/>
+        <p:cNvGrpSpPr/>
+        <p:nvPr/>
+      </p:nvGrpSpPr>
+      <p:grpSpPr>
+        <a:xfrm>
+          <a:off x="0" y="0"/>
+          <a:ext cx="0" cy="0"/>
+          <a:chOff x="0" y="0"/>
+          <a:chExt cx="0" cy="0"/>
+        </a:xfrm>
+      </p:grpSpPr>
+      <p:sp>
+        <p:nvSpPr>
+          <p:cNvPr id="2" name="Titel 1"/>
+          <p:cNvSpPr>
+            <a:spLocks noGrp="1"/>
+          </p:cNvSpPr>
+          <p:nvPr>
+            <p:ph type="title"/>
+          </p:nvPr>
+        </p:nvSpPr>
+        <p:spPr/>
+        <p:txBody>
+          <a:bodyPr/>
+          <a:lstStyle/>
+          <a:p>
+            <a:r>
+              <a:rPr lang="de-DE" dirty="0" smtClean="0"/>
+              <a:t>Swift-Features</a:t>
+            </a:r>
+            <a:endParaRPr lang="de-DE" dirty="0"/>
+          </a:p>
+        </p:txBody>
+      </p:sp>
+      <p:sp>
+        <p:nvSpPr>
+          <p:cNvPr id="4" name="Datumsplatzhalter 3"/>
+          <p:cNvSpPr>
+            <a:spLocks noGrp="1"/>
+          </p:cNvSpPr>
+          <p:nvPr>
+            <p:ph type="dt" sz="half" idx="10"/>
+          </p:nvPr>
+        </p:nvSpPr>
+        <p:spPr/>
+        <p:txBody>
+          <a:bodyPr/>
+          <a:lstStyle/>
+          <a:p>
+            <a:r>
+              <a:rPr lang="de-CH" smtClean="0"/>
+              <a:t>7. Januar 2016</a:t>
+            </a:r>
+            <a:endParaRPr lang="de-CH" dirty="0"/>
+          </a:p>
+        </p:txBody>
+      </p:sp>
+      <p:sp>
+        <p:nvSpPr>
+          <p:cNvPr id="5" name="Fußzeilenplatzhalter 4"/>
+          <p:cNvSpPr>
+            <a:spLocks noGrp="1"/>
+          </p:cNvSpPr>
+          <p:nvPr>
+            <p:ph type="ftr" sz="quarter" idx="11"/>
+          </p:nvPr>
+        </p:nvSpPr>
+        <p:spPr/>
+        <p:txBody>
+          <a:bodyPr/>
+          <a:lstStyle/>
+          <a:p>
+            <a:r>
+              <a:rPr lang="de-CH" smtClean="0"/>
+              <a:t>iOS-Workshop</a:t>
+            </a:r>
+            <a:endParaRPr lang="de-CH" dirty="0"/>
+          </a:p>
+        </p:txBody>
+      </p:sp>
+      <p:sp>
+        <p:nvSpPr>
+          <p:cNvPr id="6" name="Foliennummernplatzhalter 5"/>
+          <p:cNvSpPr>
+            <a:spLocks noGrp="1"/>
+          </p:cNvSpPr>
+          <p:nvPr>
+            <p:ph type="sldNum" sz="quarter" idx="12"/>
+          </p:nvPr>
+        </p:nvSpPr>
+        <p:spPr/>
+        <p:txBody>
+          <a:bodyPr/>
+          <a:lstStyle/>
+          <a:p>
+            <a:r>
+              <a:rPr lang="de-CH" smtClean="0"/>
+              <a:t>Folie </a:t>
+            </a:r>
+            <a:fld id="{D7D516EC-717A-46FD-BBF7-B49E47ACA4F3}" type="slidenum">
+              <a:rPr lang="de-CH" smtClean="0"/>
+              <a:pPr/>
+              <a:t>16</a:t>
+            </a:fld>
+            <a:endParaRPr lang="de-CH" dirty="0"/>
+          </a:p>
+        </p:txBody>
+      </p:sp>
+      <p:pic>
+        <p:nvPicPr>
+          <p:cNvPr id="8" name="Bild 7"/>
+          <p:cNvPicPr>
+            <a:picLocks noChangeAspect="1"/>
+          </p:cNvPicPr>
+          <p:nvPr/>
+        </p:nvPicPr>
+        <p:blipFill>
+          <a:blip r:embed="rId2">
+            <a:extLst>
+              <a:ext uri="{28A0092B-C50C-407E-A947-70E740481C1C}">
+                <a14:useLocalDpi xmlns:a14="http://schemas.microsoft.com/office/drawing/2010/main" val="0"/>
+              </a:ext>
+            </a:extLst>
+          </a:blip>
+          <a:stretch>
+            <a:fillRect/>
+          </a:stretch>
+        </p:blipFill>
+        <p:spPr>
+          <a:xfrm>
+            <a:off x="8341787" y="1628800"/>
+            <a:ext cx="3514853" cy="3514853"/>
+          </a:xfrm>
+          <a:prstGeom prst="rect">
+            <a:avLst/>
+          </a:prstGeom>
+        </p:spPr>
+      </p:pic>
+      <p:sp>
+        <p:nvSpPr>
+          <p:cNvPr id="9" name="Textfeld 8"/>
+          <p:cNvSpPr txBox="1"/>
+          <p:nvPr/>
+        </p:nvSpPr>
+        <p:spPr>
+          <a:xfrm>
+            <a:off x="772584" y="1476984"/>
+            <a:ext cx="7339639" cy="4688320"/>
+          </a:xfrm>
+          <a:prstGeom prst="rect">
+            <a:avLst/>
+          </a:prstGeom>
+          <a:noFill/>
+        </p:spPr>
+        <p:txBody>
+          <a:bodyPr wrap="square" rtlCol="0">
+            <a:noAutofit/>
+          </a:bodyPr>
+          <a:lstStyle/>
+          <a:p>
+            <a:pPr marL="342900" indent="-342900">
+              <a:buFont typeface="Arial" charset="0"/>
+              <a:buChar char="•"/>
+            </a:pPr>
+            <a:r>
+              <a:rPr lang="de-DE" sz="2400" dirty="0" err="1" smtClean="0"/>
+              <a:t>Multiparadigm</a:t>
+            </a:r>
+            <a:r>
+              <a:rPr lang="de-DE" sz="2400" dirty="0" smtClean="0"/>
+              <a:t>: </a:t>
+            </a:r>
+            <a:r>
+              <a:rPr lang="de-DE" sz="2400" dirty="0" err="1" smtClean="0"/>
+              <a:t>functional</a:t>
+            </a:r>
+            <a:r>
+              <a:rPr lang="de-DE" sz="2400" dirty="0" smtClean="0"/>
+              <a:t>, imperative, </a:t>
+            </a:r>
+            <a:r>
+              <a:rPr lang="de-DE" sz="2400" dirty="0" err="1" smtClean="0"/>
+              <a:t>generic</a:t>
+            </a:r>
+            <a:r>
+              <a:rPr lang="de-DE" sz="2400" dirty="0" smtClean="0"/>
+              <a:t>, OOP</a:t>
+            </a:r>
+          </a:p>
+          <a:p>
+            <a:pPr marL="342900" indent="-342900">
+              <a:buFont typeface="Arial" charset="0"/>
+              <a:buChar char="•"/>
+            </a:pPr>
+            <a:r>
+              <a:rPr lang="de-DE" sz="2400" dirty="0" smtClean="0"/>
+              <a:t>Memory </a:t>
+            </a:r>
+            <a:r>
+              <a:rPr lang="de-DE" sz="2400" dirty="0" err="1" smtClean="0"/>
+              <a:t>safe</a:t>
+            </a:r>
+            <a:r>
+              <a:rPr lang="de-DE" sz="2400" dirty="0" smtClean="0"/>
+              <a:t> </a:t>
+            </a:r>
+            <a:r>
+              <a:rPr lang="de-DE" sz="2400" dirty="0" err="1" smtClean="0"/>
+              <a:t>by</a:t>
+            </a:r>
+            <a:r>
+              <a:rPr lang="de-DE" sz="2400" dirty="0" smtClean="0"/>
+              <a:t> </a:t>
+            </a:r>
+            <a:r>
+              <a:rPr lang="de-DE" sz="2400" dirty="0" err="1" smtClean="0"/>
+              <a:t>default</a:t>
+            </a:r>
+            <a:endParaRPr lang="de-DE" sz="2400" dirty="0" smtClean="0"/>
+          </a:p>
+          <a:p>
+            <a:pPr marL="342900" indent="-342900">
+              <a:buFont typeface="Arial" charset="0"/>
+              <a:buChar char="•"/>
+            </a:pPr>
+            <a:r>
+              <a:rPr lang="de-DE" sz="2400" dirty="0" err="1" smtClean="0"/>
+              <a:t>Closures</a:t>
+            </a:r>
+            <a:r>
+              <a:rPr lang="de-DE" sz="2400" dirty="0" smtClean="0"/>
+              <a:t> </a:t>
+            </a:r>
+            <a:r>
+              <a:rPr lang="de-DE" sz="2400" dirty="0" err="1"/>
+              <a:t>unified</a:t>
+            </a:r>
+            <a:r>
+              <a:rPr lang="de-DE" sz="2400" dirty="0"/>
+              <a:t> </a:t>
+            </a:r>
+            <a:r>
+              <a:rPr lang="de-DE" sz="2400" dirty="0" err="1"/>
+              <a:t>with</a:t>
+            </a:r>
+            <a:r>
+              <a:rPr lang="de-DE" sz="2400" dirty="0"/>
+              <a:t> </a:t>
+            </a:r>
+            <a:r>
+              <a:rPr lang="de-DE" sz="2400" dirty="0" err="1"/>
+              <a:t>function</a:t>
+            </a:r>
+            <a:r>
+              <a:rPr lang="de-DE" sz="2400" dirty="0"/>
+              <a:t> </a:t>
+            </a:r>
+            <a:r>
+              <a:rPr lang="de-DE" sz="2400" dirty="0" err="1"/>
+              <a:t>pointers</a:t>
+            </a:r>
+            <a:endParaRPr lang="de-DE" sz="2400" dirty="0"/>
+          </a:p>
+          <a:p>
+            <a:pPr marL="342900" indent="-342900">
+              <a:buFont typeface="Arial" charset="0"/>
+              <a:buChar char="•"/>
+            </a:pPr>
+            <a:r>
+              <a:rPr lang="de-DE" sz="2400" dirty="0" err="1"/>
+              <a:t>Tuples</a:t>
+            </a:r>
+            <a:r>
+              <a:rPr lang="de-DE" sz="2400" dirty="0"/>
+              <a:t> </a:t>
+            </a:r>
+            <a:r>
+              <a:rPr lang="de-DE" sz="2400" dirty="0" err="1"/>
+              <a:t>and</a:t>
+            </a:r>
+            <a:r>
+              <a:rPr lang="de-DE" sz="2400" dirty="0"/>
+              <a:t> multiple </a:t>
+            </a:r>
+            <a:r>
+              <a:rPr lang="de-DE" sz="2400" dirty="0" err="1"/>
+              <a:t>return</a:t>
+            </a:r>
+            <a:r>
+              <a:rPr lang="de-DE" sz="2400" dirty="0"/>
+              <a:t> </a:t>
+            </a:r>
+            <a:r>
+              <a:rPr lang="de-DE" sz="2400" dirty="0" err="1"/>
+              <a:t>values</a:t>
+            </a:r>
+            <a:endParaRPr lang="de-DE" sz="2400" dirty="0"/>
+          </a:p>
+          <a:p>
+            <a:pPr marL="342900" indent="-342900">
+              <a:buFont typeface="Arial" charset="0"/>
+              <a:buChar char="•"/>
+            </a:pPr>
+            <a:r>
+              <a:rPr lang="de-DE" sz="2400" dirty="0" err="1"/>
+              <a:t>Generics</a:t>
+            </a:r>
+            <a:endParaRPr lang="de-DE" sz="2400" dirty="0"/>
+          </a:p>
+          <a:p>
+            <a:pPr marL="342900" indent="-342900">
+              <a:buFont typeface="Arial" charset="0"/>
+              <a:buChar char="•"/>
+            </a:pPr>
+            <a:r>
+              <a:rPr lang="de-DE" sz="2400" dirty="0"/>
+              <a:t>Fast </a:t>
+            </a:r>
+            <a:r>
+              <a:rPr lang="de-DE" sz="2400" dirty="0" err="1"/>
+              <a:t>and</a:t>
+            </a:r>
+            <a:r>
+              <a:rPr lang="de-DE" sz="2400" dirty="0"/>
+              <a:t> </a:t>
+            </a:r>
+            <a:r>
+              <a:rPr lang="de-DE" sz="2400" dirty="0" err="1"/>
+              <a:t>concise</a:t>
+            </a:r>
+            <a:r>
+              <a:rPr lang="de-DE" sz="2400" dirty="0"/>
+              <a:t> </a:t>
+            </a:r>
+            <a:r>
+              <a:rPr lang="de-DE" sz="2400" dirty="0" err="1"/>
+              <a:t>iteration</a:t>
+            </a:r>
+            <a:r>
+              <a:rPr lang="de-DE" sz="2400" dirty="0"/>
+              <a:t> </a:t>
+            </a:r>
+            <a:r>
+              <a:rPr lang="de-DE" sz="2400" dirty="0" err="1"/>
+              <a:t>over</a:t>
+            </a:r>
+            <a:r>
+              <a:rPr lang="de-DE" sz="2400" dirty="0"/>
+              <a:t> a </a:t>
+            </a:r>
+            <a:r>
+              <a:rPr lang="de-DE" sz="2400" dirty="0" err="1"/>
+              <a:t>range</a:t>
+            </a:r>
+            <a:r>
+              <a:rPr lang="de-DE" sz="2400" dirty="0"/>
+              <a:t> </a:t>
+            </a:r>
+            <a:r>
+              <a:rPr lang="de-DE" sz="2400" dirty="0" err="1"/>
+              <a:t>or</a:t>
+            </a:r>
+            <a:r>
+              <a:rPr lang="de-DE" sz="2400" dirty="0"/>
+              <a:t> </a:t>
+            </a:r>
+            <a:r>
+              <a:rPr lang="de-DE" sz="2400" dirty="0" err="1"/>
+              <a:t>collection</a:t>
+            </a:r>
+            <a:endParaRPr lang="de-DE" sz="2400" dirty="0"/>
+          </a:p>
+          <a:p>
+            <a:pPr marL="342900" indent="-342900">
+              <a:buFont typeface="Arial" charset="0"/>
+              <a:buChar char="•"/>
+            </a:pPr>
+            <a:r>
+              <a:rPr lang="de-DE" sz="2400" dirty="0" err="1"/>
+              <a:t>Structs</a:t>
+            </a:r>
+            <a:r>
+              <a:rPr lang="de-DE" sz="2400" dirty="0"/>
+              <a:t> </a:t>
+            </a:r>
+            <a:r>
+              <a:rPr lang="de-DE" sz="2400" dirty="0" err="1"/>
+              <a:t>that</a:t>
+            </a:r>
+            <a:r>
+              <a:rPr lang="de-DE" sz="2400" dirty="0"/>
+              <a:t> </a:t>
+            </a:r>
+            <a:r>
+              <a:rPr lang="de-DE" sz="2400" dirty="0" err="1"/>
+              <a:t>support</a:t>
+            </a:r>
+            <a:r>
+              <a:rPr lang="de-DE" sz="2400" dirty="0"/>
+              <a:t> </a:t>
+            </a:r>
+            <a:r>
+              <a:rPr lang="de-DE" sz="2400" dirty="0" err="1"/>
+              <a:t>methods</a:t>
+            </a:r>
+            <a:r>
+              <a:rPr lang="de-DE" sz="2400" dirty="0"/>
+              <a:t>, </a:t>
+            </a:r>
+            <a:r>
+              <a:rPr lang="de-DE" sz="2400" dirty="0" err="1"/>
+              <a:t>extensions</a:t>
+            </a:r>
+            <a:r>
+              <a:rPr lang="de-DE" sz="2400" dirty="0"/>
+              <a:t>, </a:t>
+            </a:r>
+            <a:r>
+              <a:rPr lang="de-DE" sz="2400" dirty="0" err="1"/>
+              <a:t>and</a:t>
+            </a:r>
+            <a:r>
+              <a:rPr lang="de-DE" sz="2400" dirty="0"/>
+              <a:t> </a:t>
+            </a:r>
+            <a:r>
+              <a:rPr lang="de-DE" sz="2400" dirty="0" err="1"/>
+              <a:t>protocols</a:t>
+            </a:r>
+            <a:endParaRPr lang="de-DE" sz="2400" dirty="0"/>
+          </a:p>
+          <a:p>
+            <a:pPr marL="342900" indent="-342900">
+              <a:buFont typeface="Arial" charset="0"/>
+              <a:buChar char="•"/>
+            </a:pPr>
+            <a:r>
+              <a:rPr lang="de-DE" sz="2400" dirty="0" err="1"/>
+              <a:t>Functional</a:t>
+            </a:r>
+            <a:r>
+              <a:rPr lang="de-DE" sz="2400" dirty="0"/>
+              <a:t> </a:t>
+            </a:r>
+            <a:r>
+              <a:rPr lang="de-DE" sz="2400" dirty="0" err="1"/>
+              <a:t>programming</a:t>
+            </a:r>
+            <a:r>
+              <a:rPr lang="de-DE" sz="2400" dirty="0"/>
+              <a:t> </a:t>
+            </a:r>
+            <a:r>
+              <a:rPr lang="de-DE" sz="2400" dirty="0" err="1"/>
+              <a:t>patterns</a:t>
+            </a:r>
+            <a:r>
+              <a:rPr lang="de-DE" sz="2400" dirty="0"/>
+              <a:t>, e.g., </a:t>
+            </a:r>
+            <a:r>
+              <a:rPr lang="de-DE" sz="2400" dirty="0" err="1"/>
+              <a:t>map</a:t>
+            </a:r>
+            <a:r>
+              <a:rPr lang="de-DE" sz="2400" dirty="0"/>
+              <a:t> </a:t>
+            </a:r>
+            <a:r>
+              <a:rPr lang="de-DE" sz="2400" dirty="0" err="1"/>
+              <a:t>and</a:t>
+            </a:r>
+            <a:r>
+              <a:rPr lang="de-DE" sz="2400" dirty="0"/>
+              <a:t> </a:t>
+            </a:r>
+            <a:r>
+              <a:rPr lang="de-DE" sz="2400" dirty="0" err="1"/>
+              <a:t>filter</a:t>
+            </a:r>
+            <a:endParaRPr lang="de-DE" sz="2400" dirty="0"/>
+          </a:p>
+          <a:p>
+            <a:pPr marL="342900" indent="-342900">
+              <a:buFont typeface="Arial" charset="0"/>
+              <a:buChar char="•"/>
+            </a:pPr>
+            <a:r>
+              <a:rPr lang="de-DE" sz="2400" dirty="0"/>
+              <a:t>Powerful </a:t>
+            </a:r>
+            <a:r>
+              <a:rPr lang="de-DE" sz="2400" dirty="0" err="1"/>
+              <a:t>error</a:t>
+            </a:r>
+            <a:r>
+              <a:rPr lang="de-DE" sz="2400" dirty="0"/>
+              <a:t> </a:t>
+            </a:r>
+            <a:r>
+              <a:rPr lang="de-DE" sz="2400" dirty="0" err="1"/>
+              <a:t>handling</a:t>
+            </a:r>
+            <a:r>
+              <a:rPr lang="de-DE" sz="2400" dirty="0"/>
+              <a:t> </a:t>
+            </a:r>
+            <a:r>
+              <a:rPr lang="de-DE" sz="2400" dirty="0" err="1"/>
+              <a:t>built</a:t>
+            </a:r>
+            <a:r>
+              <a:rPr lang="de-DE" sz="2400" dirty="0"/>
+              <a:t>-in</a:t>
+            </a:r>
+          </a:p>
+          <a:p>
+            <a:pPr marL="342900" indent="-342900">
+              <a:buFont typeface="Arial" charset="0"/>
+              <a:buChar char="•"/>
+            </a:pPr>
+            <a:r>
+              <a:rPr lang="de-DE" sz="2400" dirty="0" err="1"/>
+              <a:t>Advanced</a:t>
+            </a:r>
+            <a:r>
+              <a:rPr lang="de-DE" sz="2400" dirty="0"/>
+              <a:t> </a:t>
+            </a:r>
+            <a:r>
+              <a:rPr lang="de-DE" sz="2400" dirty="0" err="1"/>
+              <a:t>control</a:t>
+            </a:r>
+            <a:r>
+              <a:rPr lang="de-DE" sz="2400" dirty="0"/>
+              <a:t> </a:t>
+            </a:r>
+            <a:r>
+              <a:rPr lang="de-DE" sz="2400" dirty="0" err="1"/>
+              <a:t>flow</a:t>
+            </a:r>
+            <a:r>
+              <a:rPr lang="de-DE" sz="2400" dirty="0"/>
+              <a:t> </a:t>
+            </a:r>
+            <a:r>
+              <a:rPr lang="de-DE" sz="2400" dirty="0" err="1"/>
+              <a:t>with</a:t>
+            </a:r>
+            <a:r>
+              <a:rPr lang="de-DE" sz="2400" dirty="0"/>
+              <a:t> do, </a:t>
+            </a:r>
+            <a:r>
+              <a:rPr lang="de-DE" sz="2400" dirty="0" err="1"/>
+              <a:t>guard</a:t>
+            </a:r>
+            <a:r>
+              <a:rPr lang="de-DE" sz="2400" dirty="0"/>
+              <a:t>, </a:t>
+            </a:r>
+            <a:r>
+              <a:rPr lang="de-DE" sz="2400" dirty="0" err="1"/>
+              <a:t>defer</a:t>
+            </a:r>
+            <a:r>
+              <a:rPr lang="de-DE" sz="2400" dirty="0"/>
+              <a:t>, </a:t>
+            </a:r>
+            <a:r>
+              <a:rPr lang="de-DE" sz="2400" dirty="0" err="1"/>
+              <a:t>and</a:t>
+            </a:r>
+            <a:r>
+              <a:rPr lang="de-DE" sz="2400" dirty="0"/>
+              <a:t> </a:t>
+            </a:r>
+            <a:r>
+              <a:rPr lang="de-DE" sz="2400" dirty="0" err="1"/>
+              <a:t>repeat</a:t>
+            </a:r>
+            <a:r>
+              <a:rPr lang="de-DE" sz="2400" dirty="0"/>
+              <a:t> </a:t>
+            </a:r>
+            <a:r>
+              <a:rPr lang="de-DE" sz="2400" dirty="0" err="1" smtClean="0"/>
+              <a:t>keywords</a:t>
+            </a:r>
+            <a:endParaRPr lang="de-DE" sz="2400" dirty="0" smtClean="0"/>
+          </a:p>
+          <a:p>
+            <a:pPr marL="342900" indent="-342900">
+              <a:buFont typeface="Arial" charset="0"/>
+              <a:buChar char="•"/>
+            </a:pPr>
+            <a:r>
+              <a:rPr lang="de-DE" sz="2400" dirty="0" smtClean="0"/>
+              <a:t>...</a:t>
+            </a:r>
+            <a:endParaRPr lang="de-DE" sz="2400" dirty="0"/>
+          </a:p>
+          <a:p>
+            <a:pPr marL="342900" indent="-342900">
+              <a:buFont typeface="Arial" charset="0"/>
+              <a:buChar char="•"/>
+            </a:pPr>
+            <a:endParaRPr lang="de-DE" sz="2200" dirty="0" smtClean="0">
+              <a:latin typeface="AA Zuehlke" pitchFamily="2" charset="0"/>
+            </a:endParaRPr>
+          </a:p>
+        </p:txBody>
+      </p:sp>
+    </p:spTree>
+    <p:extLst>
+      <p:ext uri="{BB962C8B-B14F-4D97-AF65-F5344CB8AC3E}">
+        <p14:creationId xmlns:p14="http://schemas.microsoft.com/office/powerpoint/2010/main" val="179552187"/>
+      </p:ext>
+    </p:extLst>
+  </p:cSld>
+  <p:clrMapOvr>
+    <a:masterClrMapping/>
+  </p:clrMapOvr>
+  <p:timing>
+    <p:tnLst>
+      <p:par>
+        <p:cTn id="1" dur="indefinite" restart="never" nodeType="tmRoot"/>
+      </p:par>
+    </p:tnLst>
+  </p:timing>
+</p:sld>
+</file>
+
+<file path=ppt/slides/slide17.xml><?xml version="1.0" encoding="utf-8"?>
+<p:sld xmlns:a="http://schemas.openxmlformats.org/drawingml/2006/main" xmlns:r="http://schemas.openxmlformats.org/officeDocument/2006/relationships" xmlns:p="http://schemas.openxmlformats.org/presentationml/2006/main">
+  <p:cSld>
+    <p:spTree>
+      <p:nvGrpSpPr>
+        <p:cNvPr id="1" name=""/>
+        <p:cNvGrpSpPr/>
+        <p:nvPr/>
+      </p:nvGrpSpPr>
+      <p:grpSpPr>
+        <a:xfrm>
+          <a:off x="0" y="0"/>
+          <a:ext cx="0" cy="0"/>
+          <a:chOff x="0" y="0"/>
+          <a:chExt cx="0" cy="0"/>
+        </a:xfrm>
+      </p:grpSpPr>
+      <p:sp>
+        <p:nvSpPr>
+          <p:cNvPr id="2" name="Titel 1"/>
+          <p:cNvSpPr>
+            <a:spLocks noGrp="1"/>
+          </p:cNvSpPr>
+          <p:nvPr>
+            <p:ph type="title"/>
+          </p:nvPr>
+        </p:nvSpPr>
+        <p:spPr/>
+        <p:txBody>
+          <a:bodyPr/>
+          <a:lstStyle/>
+          <a:p>
+            <a:r>
+              <a:rPr lang="de-DE" dirty="0" smtClean="0"/>
+              <a:t>Einstieg Swift-Entwicklung</a:t>
+            </a:r>
+            <a:endParaRPr lang="de-DE" dirty="0"/>
+          </a:p>
+        </p:txBody>
+      </p:sp>
+      <p:sp>
+        <p:nvSpPr>
+          <p:cNvPr id="4" name="Datumsplatzhalter 3"/>
+          <p:cNvSpPr>
+            <a:spLocks noGrp="1"/>
+          </p:cNvSpPr>
+          <p:nvPr>
+            <p:ph type="dt" sz="half" idx="10"/>
+          </p:nvPr>
+        </p:nvSpPr>
+        <p:spPr/>
+        <p:txBody>
+          <a:bodyPr/>
+          <a:lstStyle/>
+          <a:p>
+            <a:r>
+              <a:rPr lang="de-CH" smtClean="0"/>
+              <a:t>7. Januar 2016</a:t>
+            </a:r>
+            <a:endParaRPr lang="de-CH" dirty="0"/>
+          </a:p>
+        </p:txBody>
+      </p:sp>
+      <p:sp>
+        <p:nvSpPr>
+          <p:cNvPr id="5" name="Fußzeilenplatzhalter 4"/>
+          <p:cNvSpPr>
+            <a:spLocks noGrp="1"/>
+          </p:cNvSpPr>
+          <p:nvPr>
+            <p:ph type="ftr" sz="quarter" idx="11"/>
+          </p:nvPr>
+        </p:nvSpPr>
+        <p:spPr/>
+        <p:txBody>
+          <a:bodyPr/>
+          <a:lstStyle/>
+          <a:p>
+            <a:r>
+              <a:rPr lang="de-CH" smtClean="0"/>
+              <a:t>iOS-Workshop</a:t>
+            </a:r>
+            <a:endParaRPr lang="de-CH" dirty="0"/>
+          </a:p>
+        </p:txBody>
+      </p:sp>
+      <p:sp>
+        <p:nvSpPr>
+          <p:cNvPr id="6" name="Foliennummernplatzhalter 5"/>
+          <p:cNvSpPr>
+            <a:spLocks noGrp="1"/>
+          </p:cNvSpPr>
+          <p:nvPr>
+            <p:ph type="sldNum" sz="quarter" idx="12"/>
+          </p:nvPr>
+        </p:nvSpPr>
+        <p:spPr/>
+        <p:txBody>
+          <a:bodyPr/>
+          <a:lstStyle/>
+          <a:p>
+            <a:r>
+              <a:rPr lang="de-CH" smtClean="0"/>
+              <a:t>Folie </a:t>
+            </a:r>
+            <a:fld id="{D7D516EC-717A-46FD-BBF7-B49E47ACA4F3}" type="slidenum">
+              <a:rPr lang="de-CH" smtClean="0"/>
+              <a:pPr/>
+              <a:t>17</a:t>
+            </a:fld>
+            <a:endParaRPr lang="de-CH" dirty="0"/>
+          </a:p>
+        </p:txBody>
+      </p:sp>
+      <p:sp>
+        <p:nvSpPr>
+          <p:cNvPr id="9" name="Textfeld 8"/>
+          <p:cNvSpPr txBox="1"/>
+          <p:nvPr/>
+        </p:nvSpPr>
+        <p:spPr>
+          <a:xfrm>
+            <a:off x="772583" y="1476984"/>
+            <a:ext cx="5118057" cy="4688320"/>
+          </a:xfrm>
+          <a:prstGeom prst="rect">
+            <a:avLst/>
+          </a:prstGeom>
+          <a:noFill/>
+        </p:spPr>
+        <p:txBody>
+          <a:bodyPr wrap="square" rtlCol="0">
+            <a:noAutofit/>
+          </a:bodyPr>
+          <a:lstStyle/>
+          <a:p>
+            <a:pPr marL="342900" indent="-342900">
+              <a:buFont typeface="Arial" charset="0"/>
+              <a:buChar char="•"/>
+            </a:pPr>
+            <a:r>
+              <a:rPr lang="de-DE" sz="2200" dirty="0" err="1" smtClean="0">
+                <a:latin typeface="AA Zuehlke" pitchFamily="2" charset="0"/>
+              </a:rPr>
+              <a:t>XCode</a:t>
+            </a:r>
+            <a:r>
+              <a:rPr lang="de-DE" sz="2200" dirty="0" smtClean="0">
+                <a:latin typeface="AA Zuehlke" pitchFamily="2" charset="0"/>
+              </a:rPr>
+              <a:t> </a:t>
+            </a:r>
+            <a:r>
+              <a:rPr lang="de-DE" sz="2200" dirty="0" err="1" smtClean="0">
+                <a:latin typeface="AA Zuehlke" pitchFamily="2" charset="0"/>
+              </a:rPr>
+              <a:t>Playgrounds</a:t>
+            </a:r>
+            <a:endParaRPr lang="de-DE" sz="2200" dirty="0" smtClean="0">
+              <a:latin typeface="AA Zuehlke" pitchFamily="2" charset="0"/>
+            </a:endParaRPr>
+          </a:p>
+          <a:p>
+            <a:pPr marL="800100" lvl="1" indent="-342900">
+              <a:buFont typeface="Arial" charset="0"/>
+              <a:buChar char="•"/>
+            </a:pPr>
+            <a:r>
+              <a:rPr lang="de-DE" sz="2200" dirty="0" smtClean="0">
+                <a:latin typeface="AA Zuehlke" pitchFamily="2" charset="0"/>
+              </a:rPr>
+              <a:t>Entwicklung ohne Projekt und Abhängigkeiten</a:t>
+            </a:r>
+          </a:p>
+          <a:p>
+            <a:pPr marL="800100" lvl="1" indent="-342900">
+              <a:buFont typeface="Arial" charset="0"/>
+              <a:buChar char="•"/>
+            </a:pPr>
+            <a:r>
+              <a:rPr lang="de-DE" sz="2200" dirty="0" smtClean="0">
+                <a:latin typeface="AA Zuehlke" pitchFamily="2" charset="0"/>
+              </a:rPr>
+              <a:t>Kombination aus </a:t>
+            </a:r>
+            <a:r>
+              <a:rPr lang="de-DE" sz="2200" dirty="0" err="1" smtClean="0">
+                <a:latin typeface="AA Zuehlke" pitchFamily="2" charset="0"/>
+              </a:rPr>
+              <a:t>Markdown</a:t>
+            </a:r>
+            <a:r>
+              <a:rPr lang="de-DE" sz="2200" dirty="0" smtClean="0">
+                <a:latin typeface="AA Zuehlke" pitchFamily="2" charset="0"/>
+              </a:rPr>
+              <a:t> und ausführbaren Code</a:t>
+            </a:r>
+          </a:p>
+          <a:p>
+            <a:pPr marL="800100" lvl="1" indent="-342900">
+              <a:buFont typeface="Arial" charset="0"/>
+              <a:buChar char="•"/>
+            </a:pPr>
+            <a:r>
+              <a:rPr lang="de-DE" sz="2200" dirty="0" smtClean="0">
+                <a:latin typeface="AA Zuehlke" pitchFamily="2" charset="0"/>
+              </a:rPr>
+              <a:t>Ideal für lebendige Tutorials, Dokumentation, Lernen, Experimente</a:t>
+            </a:r>
+          </a:p>
+        </p:txBody>
+      </p:sp>
+      <p:pic>
+        <p:nvPicPr>
+          <p:cNvPr id="3" name="Bild 2"/>
+          <p:cNvPicPr>
+            <a:picLocks noChangeAspect="1"/>
+          </p:cNvPicPr>
+          <p:nvPr/>
+        </p:nvPicPr>
+        <p:blipFill>
+          <a:blip r:embed="rId2">
+            <a:extLst>
+              <a:ext uri="{28A0092B-C50C-407E-A947-70E740481C1C}">
+                <a14:useLocalDpi xmlns:a14="http://schemas.microsoft.com/office/drawing/2010/main" val="0"/>
+              </a:ext>
+            </a:extLst>
+          </a:blip>
+          <a:stretch>
+            <a:fillRect/>
+          </a:stretch>
+        </p:blipFill>
+        <p:spPr>
+          <a:xfrm>
+            <a:off x="5890641" y="1556792"/>
+            <a:ext cx="5767062" cy="3388149"/>
+          </a:xfrm>
+          <a:prstGeom prst="rect">
+            <a:avLst/>
+          </a:prstGeom>
+        </p:spPr>
+      </p:pic>
+      <p:sp>
+        <p:nvSpPr>
+          <p:cNvPr id="10" name="Pfeil nach rechts 9"/>
+          <p:cNvSpPr/>
+          <p:nvPr/>
+        </p:nvSpPr>
+        <p:spPr>
+          <a:xfrm>
+            <a:off x="752839" y="4725144"/>
+            <a:ext cx="1080120" cy="570328"/>
+          </a:xfrm>
+          <a:prstGeom prst="rightArrow">
+            <a:avLst/>
+          </a:prstGeom>
+          <a:solidFill>
+            <a:srgbClr val="FF820A"/>
+          </a:solidFill>
+          <a:ln w="12700">
+            <a:noFill/>
+          </a:ln>
+        </p:spPr>
+        <p:style>
+          <a:lnRef idx="2">
+            <a:schemeClr val="accent1">
+              <a:shade val="50000"/>
+            </a:schemeClr>
+          </a:lnRef>
+          <a:fillRef idx="1">
+            <a:schemeClr val="accent1"/>
+          </a:fillRef>
+          <a:effectRef idx="0">
+            <a:schemeClr val="accent1"/>
+          </a:effectRef>
+          <a:fontRef idx="minor">
+            <a:schemeClr val="lt1"/>
+          </a:fontRef>
+        </p:style>
+        <p:txBody>
+          <a:bodyPr rtlCol="0" anchor="ctr"/>
+          <a:lstStyle/>
+          <a:p>
+            <a:pPr algn="ctr"/>
+            <a:endParaRPr lang="de-DE" sz="2200" dirty="0" err="1" smtClean="0">
+              <a:latin typeface="AA Zuehlke" pitchFamily="2" charset="0"/>
+            </a:endParaRPr>
+          </a:p>
+        </p:txBody>
+      </p:sp>
+      <p:sp>
+        <p:nvSpPr>
+          <p:cNvPr id="7" name="Textfeld 6"/>
+          <p:cNvSpPr txBox="1"/>
+          <p:nvPr/>
+        </p:nvSpPr>
+        <p:spPr>
+          <a:xfrm>
+            <a:off x="1878116" y="4794284"/>
+            <a:ext cx="2725398" cy="432048"/>
+          </a:xfrm>
+          <a:prstGeom prst="rect">
+            <a:avLst/>
+          </a:prstGeom>
+          <a:noFill/>
+        </p:spPr>
+        <p:txBody>
+          <a:bodyPr wrap="square" rtlCol="0">
+            <a:noAutofit/>
+          </a:bodyPr>
+          <a:lstStyle/>
+          <a:p>
+            <a:r>
+              <a:rPr lang="de-DE" sz="2200" dirty="0" smtClean="0">
+                <a:latin typeface="AA Zuehlke" pitchFamily="2" charset="0"/>
+              </a:rPr>
+              <a:t>Weiter in </a:t>
+            </a:r>
+            <a:r>
+              <a:rPr lang="de-DE" sz="2200" dirty="0" err="1" smtClean="0">
+                <a:latin typeface="AA Zuehlke" pitchFamily="2" charset="0"/>
+              </a:rPr>
+              <a:t>Playgrounds</a:t>
+            </a:r>
+            <a:endParaRPr lang="de-DE" sz="2200" dirty="0" smtClean="0">
+              <a:latin typeface="AA Zuehlke" pitchFamily="2" charset="0"/>
+            </a:endParaRPr>
+          </a:p>
+        </p:txBody>
+      </p:sp>
+    </p:spTree>
+    <p:extLst>
+      <p:ext uri="{BB962C8B-B14F-4D97-AF65-F5344CB8AC3E}">
+        <p14:creationId xmlns:p14="http://schemas.microsoft.com/office/powerpoint/2010/main" val="581760357"/>
+      </p:ext>
+    </p:extLst>
+  </p:cSld>
+  <p:clrMapOvr>
+    <a:masterClrMapping/>
+  </p:clrMapOvr>
+  <p:timing>
+    <p:tnLst>
+      <p:par>
+        <p:cTn id="1" dur="indefinite" restart="never" nodeType="tmRoot"/>
+      </p:par>
+    </p:tnLst>
+  </p:timing>
+</p:sld>
+</file>
+
+<file path=ppt/slides/slide2.xml><?xml version="1.0" encoding="utf-8"?>
+<p:sld xmlns:a="http://schemas.openxmlformats.org/drawingml/2006/main" xmlns:r="http://schemas.openxmlformats.org/officeDocument/2006/relationships" xmlns:p="http://schemas.openxmlformats.org/presentationml/2006/main">
+  <p:cSld>
+    <p:spTree>
+      <p:nvGrpSpPr>
+        <p:cNvPr id="1" name=""/>
+        <p:cNvGrpSpPr/>
+        <p:nvPr/>
+      </p:nvGrpSpPr>
+      <p:grpSpPr>
+        <a:xfrm>
+          <a:off x="0" y="0"/>
+          <a:ext cx="0" cy="0"/>
+          <a:chOff x="0" y="0"/>
+          <a:chExt cx="0" cy="0"/>
+        </a:xfrm>
+      </p:grpSpPr>
+      <p:sp>
+        <p:nvSpPr>
+          <p:cNvPr id="2" name="Titel 1"/>
+          <p:cNvSpPr>
+            <a:spLocks noGrp="1"/>
+          </p:cNvSpPr>
+          <p:nvPr>
+            <p:ph type="title"/>
+          </p:nvPr>
+        </p:nvSpPr>
+        <p:spPr/>
+        <p:txBody>
+          <a:bodyPr/>
+          <a:lstStyle/>
+          <a:p>
+            <a:r>
+              <a:rPr lang="de-DE" dirty="0" smtClean="0"/>
+              <a:t>Überblick</a:t>
+            </a:r>
+            <a:endParaRPr lang="de-DE" dirty="0"/>
+          </a:p>
+        </p:txBody>
+      </p:sp>
+      <p:sp>
+        <p:nvSpPr>
+          <p:cNvPr id="4" name="Datumsplatzhalter 3"/>
+          <p:cNvSpPr>
+            <a:spLocks noGrp="1"/>
+          </p:cNvSpPr>
+          <p:nvPr>
+            <p:ph type="dt" sz="half" idx="10"/>
+          </p:nvPr>
+        </p:nvSpPr>
+        <p:spPr/>
+        <p:txBody>
+          <a:bodyPr/>
+          <a:lstStyle/>
+          <a:p>
+            <a:r>
+              <a:rPr lang="de-CH" smtClean="0"/>
+              <a:t>7. Januar 2016</a:t>
+            </a:r>
+            <a:endParaRPr lang="de-CH" dirty="0"/>
+          </a:p>
+        </p:txBody>
+      </p:sp>
+      <p:sp>
+        <p:nvSpPr>
+          <p:cNvPr id="5" name="Fußzeilenplatzhalter 4"/>
+          <p:cNvSpPr>
+            <a:spLocks noGrp="1"/>
+          </p:cNvSpPr>
+          <p:nvPr>
+            <p:ph type="ftr" sz="quarter" idx="11"/>
+          </p:nvPr>
+        </p:nvSpPr>
+        <p:spPr/>
+        <p:txBody>
+          <a:bodyPr/>
+          <a:lstStyle/>
+          <a:p>
+            <a:r>
+              <a:rPr lang="de-CH" smtClean="0"/>
+              <a:t>iOS-Workshop</a:t>
+            </a:r>
+            <a:endParaRPr lang="de-CH" dirty="0"/>
+          </a:p>
+        </p:txBody>
+      </p:sp>
+      <p:sp>
+        <p:nvSpPr>
+          <p:cNvPr id="6" name="Foliennummernplatzhalter 5"/>
+          <p:cNvSpPr>
+            <a:spLocks noGrp="1"/>
+          </p:cNvSpPr>
+          <p:nvPr>
+            <p:ph type="sldNum" sz="quarter" idx="12"/>
+          </p:nvPr>
+        </p:nvSpPr>
+        <p:spPr/>
+        <p:txBody>
+          <a:bodyPr/>
+          <a:lstStyle/>
+          <a:p>
+            <a:r>
+              <a:rPr lang="de-CH" smtClean="0"/>
+              <a:t>Folie </a:t>
+            </a:r>
+            <a:fld id="{D7D516EC-717A-46FD-BBF7-B49E47ACA4F3}" type="slidenum">
+              <a:rPr lang="de-CH" smtClean="0"/>
+              <a:pPr/>
+              <a:t>2</a:t>
+            </a:fld>
+            <a:endParaRPr lang="de-CH" dirty="0"/>
+          </a:p>
+        </p:txBody>
+      </p:sp>
+      <p:sp>
+        <p:nvSpPr>
+          <p:cNvPr id="8" name="Textfeld 7"/>
+          <p:cNvSpPr txBox="1"/>
+          <p:nvPr/>
+        </p:nvSpPr>
+        <p:spPr>
+          <a:xfrm>
+            <a:off x="964653" y="1304765"/>
+            <a:ext cx="4819360" cy="2376263"/>
+          </a:xfrm>
+          <a:prstGeom prst="rect">
+            <a:avLst/>
+          </a:prstGeom>
+          <a:solidFill>
+            <a:schemeClr val="accent2">
+              <a:lumMod val="60000"/>
+              <a:lumOff val="40000"/>
+            </a:schemeClr>
+          </a:solidFill>
+        </p:spPr>
+        <p:txBody>
+          <a:bodyPr wrap="square" rtlCol="0">
+            <a:noAutofit/>
+          </a:bodyPr>
+          <a:lstStyle/>
+          <a:p>
+            <a:r>
+              <a:rPr lang="de-DE" sz="2200" u="sng" dirty="0" smtClean="0">
+                <a:latin typeface="AA Zuehlke" pitchFamily="2" charset="0"/>
+              </a:rPr>
+              <a:t>1. Termin: 27. Februar</a:t>
+            </a:r>
+          </a:p>
+          <a:p>
+            <a:pPr marL="342900" indent="-342900">
+              <a:buFont typeface="Arial" charset="0"/>
+              <a:buChar char="•"/>
+            </a:pPr>
+            <a:endParaRPr lang="de-DE" sz="2200" dirty="0" smtClean="0">
+              <a:latin typeface="AA Zuehlke" pitchFamily="2" charset="0"/>
+            </a:endParaRPr>
+          </a:p>
+          <a:p>
+            <a:pPr marL="342900" indent="-342900">
+              <a:buFont typeface="Arial" charset="0"/>
+              <a:buChar char="•"/>
+            </a:pPr>
+            <a:r>
+              <a:rPr lang="de-DE" sz="2200" dirty="0" smtClean="0">
+                <a:latin typeface="AA Zuehlke" pitchFamily="2" charset="0"/>
+              </a:rPr>
+              <a:t>Überblick iOS</a:t>
+            </a:r>
+          </a:p>
+          <a:p>
+            <a:pPr marL="342900" indent="-342900">
+              <a:buFont typeface="Arial" charset="0"/>
+              <a:buChar char="•"/>
+            </a:pPr>
+            <a:r>
+              <a:rPr lang="de-DE" sz="2200" dirty="0" smtClean="0">
+                <a:latin typeface="AA Zuehlke" pitchFamily="2" charset="0"/>
+              </a:rPr>
+              <a:t>Überblick Swift</a:t>
+            </a:r>
+          </a:p>
+          <a:p>
+            <a:pPr marL="342900" indent="-342900">
+              <a:buFont typeface="Arial" charset="0"/>
+              <a:buChar char="•"/>
+            </a:pPr>
+            <a:r>
+              <a:rPr lang="de-DE" sz="2200" dirty="0" smtClean="0">
+                <a:latin typeface="AA Zuehlke" pitchFamily="2" charset="0"/>
+              </a:rPr>
+              <a:t>Einstieg Swift-Entwicklung</a:t>
+            </a:r>
+          </a:p>
+        </p:txBody>
+      </p:sp>
+      <p:cxnSp>
+        <p:nvCxnSpPr>
+          <p:cNvPr id="10" name="Gerade Verbindung 9"/>
+          <p:cNvCxnSpPr/>
+          <p:nvPr/>
+        </p:nvCxnSpPr>
+        <p:spPr>
+          <a:xfrm>
+            <a:off x="964653" y="3789040"/>
+            <a:ext cx="9830647" cy="0"/>
+          </a:xfrm>
+          <a:prstGeom prst="line">
+            <a:avLst/>
+          </a:prstGeom>
+          <a:ln w="25400"/>
+        </p:spPr>
+        <p:style>
+          <a:lnRef idx="1">
+            <a:schemeClr val="accent1"/>
+          </a:lnRef>
+          <a:fillRef idx="0">
+            <a:schemeClr val="accent1"/>
+          </a:fillRef>
+          <a:effectRef idx="0">
+            <a:schemeClr val="accent1"/>
+          </a:effectRef>
+          <a:fontRef idx="minor">
+            <a:schemeClr val="tx1"/>
+          </a:fontRef>
+        </p:style>
+      </p:cxnSp>
+      <p:cxnSp>
+        <p:nvCxnSpPr>
+          <p:cNvPr id="12" name="Gerade Verbindung 11"/>
+          <p:cNvCxnSpPr/>
+          <p:nvPr/>
+        </p:nvCxnSpPr>
+        <p:spPr>
+          <a:xfrm>
+            <a:off x="5879976" y="1304765"/>
+            <a:ext cx="0" cy="5053234"/>
+          </a:xfrm>
+          <a:prstGeom prst="line">
+            <a:avLst/>
+          </a:prstGeom>
+          <a:ln w="25400"/>
+        </p:spPr>
+        <p:style>
+          <a:lnRef idx="1">
+            <a:schemeClr val="accent1"/>
+          </a:lnRef>
+          <a:fillRef idx="0">
+            <a:schemeClr val="accent1"/>
+          </a:fillRef>
+          <a:effectRef idx="0">
+            <a:schemeClr val="accent1"/>
+          </a:effectRef>
+          <a:fontRef idx="minor">
+            <a:schemeClr val="tx1"/>
+          </a:fontRef>
+        </p:style>
+      </p:cxnSp>
+      <p:sp>
+        <p:nvSpPr>
+          <p:cNvPr id="13" name="Textfeld 12"/>
+          <p:cNvSpPr txBox="1"/>
+          <p:nvPr/>
+        </p:nvSpPr>
+        <p:spPr>
+          <a:xfrm>
+            <a:off x="5975940" y="3897053"/>
+            <a:ext cx="4819360" cy="2469763"/>
+          </a:xfrm>
+          <a:prstGeom prst="rect">
+            <a:avLst/>
+          </a:prstGeom>
+          <a:solidFill>
+            <a:schemeClr val="accent2">
+              <a:lumMod val="60000"/>
+              <a:lumOff val="40000"/>
+            </a:schemeClr>
+          </a:solidFill>
+        </p:spPr>
+        <p:txBody>
+          <a:bodyPr wrap="square" rtlCol="0">
+            <a:noAutofit/>
+          </a:bodyPr>
+          <a:lstStyle/>
+          <a:p>
+            <a:r>
+              <a:rPr lang="de-DE" sz="2200" u="sng" dirty="0" smtClean="0">
+                <a:latin typeface="AA Zuehlke" pitchFamily="2" charset="0"/>
+              </a:rPr>
+              <a:t>4. Termin: 20. März</a:t>
+            </a:r>
+          </a:p>
+          <a:p>
+            <a:endParaRPr lang="de-DE" sz="2200" dirty="0">
+              <a:latin typeface="AA Zuehlke" pitchFamily="2" charset="0"/>
+            </a:endParaRPr>
+          </a:p>
+          <a:p>
+            <a:pPr marL="342900" indent="-342900">
+              <a:buFont typeface="Arial" charset="0"/>
+              <a:buChar char="•"/>
+            </a:pPr>
+            <a:r>
+              <a:rPr lang="de-DE" sz="2200" dirty="0" smtClean="0">
+                <a:latin typeface="AA Zuehlke" pitchFamily="2" charset="0"/>
+              </a:rPr>
+              <a:t>Finalisierung iOS-Projekt</a:t>
+            </a:r>
+          </a:p>
+          <a:p>
+            <a:pPr marL="342900" indent="-342900">
+              <a:buFont typeface="Arial" charset="0"/>
+              <a:buChar char="•"/>
+            </a:pPr>
+            <a:r>
+              <a:rPr lang="de-DE" sz="2200" dirty="0" smtClean="0">
+                <a:latin typeface="AA Zuehlke" pitchFamily="2" charset="0"/>
+              </a:rPr>
+              <a:t>Tipps &amp; Tricks</a:t>
+            </a:r>
+          </a:p>
+          <a:p>
+            <a:pPr marL="342900" indent="-342900">
+              <a:buFont typeface="Arial" charset="0"/>
+              <a:buChar char="•"/>
+            </a:pPr>
+            <a:r>
+              <a:rPr lang="de-DE" sz="2200" dirty="0" smtClean="0">
+                <a:latin typeface="AA Zuehlke" pitchFamily="2" charset="0"/>
+              </a:rPr>
+              <a:t>Empfehlungen Frameworks &amp; Tools</a:t>
+            </a:r>
+          </a:p>
+          <a:p>
+            <a:pPr marL="342900" indent="-342900">
+              <a:buFont typeface="Arial" charset="0"/>
+              <a:buChar char="•"/>
+            </a:pPr>
+            <a:r>
+              <a:rPr lang="de-DE" sz="2200" dirty="0" smtClean="0">
+                <a:latin typeface="AA Zuehlke" pitchFamily="2" charset="0"/>
+              </a:rPr>
+              <a:t>Fragen und Antworten</a:t>
+            </a:r>
+          </a:p>
+        </p:txBody>
+      </p:sp>
+      <p:sp>
+        <p:nvSpPr>
+          <p:cNvPr id="15" name="Textfeld 14"/>
+          <p:cNvSpPr txBox="1"/>
+          <p:nvPr/>
+        </p:nvSpPr>
+        <p:spPr>
+          <a:xfrm>
+            <a:off x="964653" y="3888236"/>
+            <a:ext cx="4819360" cy="2469763"/>
+          </a:xfrm>
+          <a:prstGeom prst="rect">
+            <a:avLst/>
+          </a:prstGeom>
+          <a:solidFill>
+            <a:schemeClr val="accent2">
+              <a:lumMod val="60000"/>
+              <a:lumOff val="40000"/>
+            </a:schemeClr>
+          </a:solidFill>
+        </p:spPr>
+        <p:txBody>
+          <a:bodyPr wrap="square" rtlCol="0">
+            <a:noAutofit/>
+          </a:bodyPr>
+          <a:lstStyle/>
+          <a:p>
+            <a:r>
+              <a:rPr lang="de-DE" sz="2200" u="sng" dirty="0" smtClean="0">
+                <a:latin typeface="AA Zuehlke" pitchFamily="2" charset="0"/>
+              </a:rPr>
+              <a:t>3. Termin: 13. März</a:t>
+            </a:r>
+          </a:p>
+          <a:p>
+            <a:endParaRPr lang="de-DE" sz="2200" dirty="0">
+              <a:latin typeface="AA Zuehlke" pitchFamily="2" charset="0"/>
+            </a:endParaRPr>
+          </a:p>
+          <a:p>
+            <a:pPr marL="342900" indent="-342900">
+              <a:buFont typeface="Arial" charset="0"/>
+              <a:buChar char="•"/>
+            </a:pPr>
+            <a:r>
+              <a:rPr lang="de-DE" sz="2200" dirty="0" smtClean="0">
+                <a:latin typeface="AA Zuehlke" pitchFamily="2" charset="0"/>
+              </a:rPr>
+              <a:t>iOS-Projekt</a:t>
+            </a:r>
+          </a:p>
+          <a:p>
+            <a:pPr marL="800100" lvl="1" indent="-342900">
+              <a:buFont typeface="Arial" charset="0"/>
+              <a:buChar char="•"/>
+            </a:pPr>
+            <a:r>
+              <a:rPr lang="de-DE" sz="2200" dirty="0" smtClean="0">
+                <a:latin typeface="AA Zuehlke" pitchFamily="2" charset="0"/>
+              </a:rPr>
+              <a:t>UI mit Storyboards</a:t>
+            </a:r>
+          </a:p>
+          <a:p>
+            <a:pPr marL="800100" lvl="1" indent="-342900">
+              <a:buFont typeface="Arial" charset="0"/>
+              <a:buChar char="•"/>
+            </a:pPr>
+            <a:r>
+              <a:rPr lang="de-DE" sz="2200" dirty="0" smtClean="0">
+                <a:latin typeface="AA Zuehlke" pitchFamily="2" charset="0"/>
+              </a:rPr>
+              <a:t>Networking</a:t>
+            </a:r>
+          </a:p>
+        </p:txBody>
+      </p:sp>
+      <p:sp>
+        <p:nvSpPr>
+          <p:cNvPr id="16" name="Textfeld 15"/>
+          <p:cNvSpPr txBox="1"/>
+          <p:nvPr/>
+        </p:nvSpPr>
+        <p:spPr>
+          <a:xfrm>
+            <a:off x="5960050" y="1313582"/>
+            <a:ext cx="4819360" cy="2376263"/>
+          </a:xfrm>
+          <a:prstGeom prst="rect">
+            <a:avLst/>
+          </a:prstGeom>
+          <a:solidFill>
+            <a:schemeClr val="accent2">
+              <a:lumMod val="60000"/>
+              <a:lumOff val="40000"/>
+            </a:schemeClr>
+          </a:solidFill>
+        </p:spPr>
+        <p:txBody>
+          <a:bodyPr wrap="square" rtlCol="0">
+            <a:noAutofit/>
+          </a:bodyPr>
+          <a:lstStyle/>
+          <a:p>
+            <a:r>
+              <a:rPr lang="de-DE" sz="2200" u="sng" dirty="0" smtClean="0">
+                <a:latin typeface="AA Zuehlke" pitchFamily="2" charset="0"/>
+              </a:rPr>
+              <a:t>2. Termin: 6. März</a:t>
+            </a:r>
+          </a:p>
+          <a:p>
+            <a:pPr marL="342900" indent="-342900">
+              <a:buFont typeface="Arial" charset="0"/>
+              <a:buChar char="•"/>
+            </a:pPr>
+            <a:endParaRPr lang="de-DE" sz="2200" dirty="0" smtClean="0">
+              <a:latin typeface="AA Zuehlke" pitchFamily="2" charset="0"/>
+            </a:endParaRPr>
+          </a:p>
+          <a:p>
+            <a:pPr marL="342900" indent="-342900">
+              <a:buFont typeface="Arial" charset="0"/>
+              <a:buChar char="•"/>
+            </a:pPr>
+            <a:r>
+              <a:rPr lang="de-DE" sz="2200" dirty="0" smtClean="0">
+                <a:latin typeface="AA Zuehlke" pitchFamily="2" charset="0"/>
+              </a:rPr>
+              <a:t>Swift-Entwicklung</a:t>
+            </a:r>
+          </a:p>
+          <a:p>
+            <a:pPr marL="342900" indent="-342900">
+              <a:buFont typeface="Arial" charset="0"/>
+              <a:buChar char="•"/>
+            </a:pPr>
+            <a:r>
+              <a:rPr lang="de-DE" sz="2200" dirty="0" smtClean="0">
+                <a:latin typeface="AA Zuehlke" pitchFamily="2" charset="0"/>
+              </a:rPr>
+              <a:t>Einstieg iOS-Projekt</a:t>
+            </a:r>
+          </a:p>
+          <a:p>
+            <a:pPr marL="800100" lvl="1" indent="-342900">
+              <a:buFont typeface="Arial" charset="0"/>
+              <a:buChar char="•"/>
+            </a:pPr>
+            <a:r>
+              <a:rPr lang="de-DE" sz="2200" dirty="0" smtClean="0">
+                <a:latin typeface="AA Zuehlke" pitchFamily="2" charset="0"/>
+              </a:rPr>
+              <a:t>UI mit Storyboards</a:t>
+            </a:r>
+          </a:p>
+        </p:txBody>
+      </p:sp>
+    </p:spTree>
+    <p:extLst>
+      <p:ext uri="{BB962C8B-B14F-4D97-AF65-F5344CB8AC3E}">
+        <p14:creationId xmlns:p14="http://schemas.microsoft.com/office/powerpoint/2010/main" val="556910182"/>
+      </p:ext>
+    </p:extLst>
+  </p:cSld>
+  <p:clrMapOvr>
+    <a:masterClrMapping/>
+  </p:clrMapOvr>
+  <p:timing>
+    <p:tnLst>
+      <p:par>
+        <p:cTn id="1" dur="indefinite" restart="never" nodeType="tmRoot"/>
+      </p:par>
+    </p:tnLst>
+  </p:timing>
+</p:sld>
+</file>
+
+<file path=ppt/slides/slide3.xml><?xml version="1.0" encoding="utf-8"?>
+<p:sld xmlns:a="http://schemas.openxmlformats.org/drawingml/2006/main" xmlns:r="http://schemas.openxmlformats.org/officeDocument/2006/relationships" xmlns:p="http://schemas.openxmlformats.org/presentationml/2006/main">
+  <p:cSld>
+    <p:spTree>
+      <p:nvGrpSpPr>
+        <p:cNvPr id="1" name=""/>
+        <p:cNvGrpSpPr/>
+        <p:nvPr/>
+      </p:nvGrpSpPr>
+      <p:grpSpPr>
+        <a:xfrm>
+          <a:off x="0" y="0"/>
+          <a:ext cx="0" cy="0"/>
+          <a:chOff x="0" y="0"/>
+          <a:chExt cx="0" cy="0"/>
+        </a:xfrm>
+      </p:grpSpPr>
+      <p:sp>
+        <p:nvSpPr>
+          <p:cNvPr id="2" name="Title 1"/>
+          <p:cNvSpPr>
+            <a:spLocks noGrp="1"/>
+          </p:cNvSpPr>
+          <p:nvPr>
+            <p:ph type="title"/>
+          </p:nvPr>
+        </p:nvSpPr>
+        <p:spPr/>
+        <p:txBody>
+          <a:bodyPr/>
+          <a:lstStyle/>
+          <a:p>
+            <a:r>
+              <a:rPr lang="de-DE" dirty="0" smtClean="0"/>
+              <a:t>iOS</a:t>
+            </a:r>
+            <a:endParaRPr lang="de-DE" dirty="0"/>
+          </a:p>
+        </p:txBody>
+      </p:sp>
+      <p:pic>
+        <p:nvPicPr>
+          <p:cNvPr id="10" name="Inhaltsplatzhalter 9"/>
+          <p:cNvPicPr>
+            <a:picLocks noGrp="1" noChangeAspect="1"/>
+          </p:cNvPicPr>
+          <p:nvPr>
+            <p:ph idx="1"/>
+          </p:nvPr>
+        </p:nvPicPr>
+        <p:blipFill>
+          <a:blip r:embed="rId2">
+            <a:extLst>
+              <a:ext uri="{28A0092B-C50C-407E-A947-70E740481C1C}">
+                <a14:useLocalDpi xmlns:a14="http://schemas.microsoft.com/office/drawing/2010/main" val="0"/>
+              </a:ext>
+            </a:extLst>
+          </a:blip>
+          <a:stretch>
+            <a:fillRect/>
+          </a:stretch>
+        </p:blipFill>
+        <p:spPr>
+          <a:xfrm>
+            <a:off x="8566152" y="1016341"/>
+            <a:ext cx="2657417" cy="4716915"/>
+          </a:xfrm>
+        </p:spPr>
+      </p:pic>
+      <p:sp>
+        <p:nvSpPr>
+          <p:cNvPr id="12" name="Footer Placeholder 11"/>
+          <p:cNvSpPr>
+            <a:spLocks noGrp="1"/>
+          </p:cNvSpPr>
+          <p:nvPr>
+            <p:ph type="ftr" sz="quarter" idx="11"/>
+          </p:nvPr>
+        </p:nvSpPr>
+        <p:spPr/>
+        <p:txBody>
+          <a:bodyPr/>
+          <a:lstStyle/>
+          <a:p>
+            <a:r>
+              <a:rPr lang="de-DE" smtClean="0"/>
+              <a:t>iOS-Workshop</a:t>
+            </a:r>
+            <a:endParaRPr lang="de-DE" dirty="0"/>
+          </a:p>
+        </p:txBody>
+      </p:sp>
+      <p:sp>
+        <p:nvSpPr>
+          <p:cNvPr id="3" name="Date Placeholder 2"/>
+          <p:cNvSpPr>
+            <a:spLocks noGrp="1"/>
+          </p:cNvSpPr>
+          <p:nvPr>
+            <p:ph type="dt" sz="half" idx="10"/>
+          </p:nvPr>
+        </p:nvSpPr>
+        <p:spPr/>
+        <p:txBody>
+          <a:bodyPr/>
+          <a:lstStyle/>
+          <a:p>
+            <a:r>
+              <a:rPr lang="de-CH" smtClean="0"/>
+              <a:t>7. Januar 2016</a:t>
+            </a:r>
+            <a:endParaRPr lang="de-CH" dirty="0"/>
+          </a:p>
+        </p:txBody>
+      </p:sp>
+      <p:sp>
+        <p:nvSpPr>
+          <p:cNvPr id="4" name="Slide Number Placeholder 3"/>
+          <p:cNvSpPr>
+            <a:spLocks noGrp="1"/>
+          </p:cNvSpPr>
+          <p:nvPr>
+            <p:ph type="sldNum" sz="quarter" idx="12"/>
+          </p:nvPr>
+        </p:nvSpPr>
+        <p:spPr/>
+        <p:txBody>
+          <a:bodyPr/>
+          <a:lstStyle/>
+          <a:p>
+            <a:r>
+              <a:rPr lang="de-CH" smtClean="0"/>
+              <a:t>Folie </a:t>
+            </a:r>
+            <a:fld id="{7C7D702C-8F63-4A96-90B2-AA5D17EFD535}" type="slidenum">
+              <a:rPr lang="de-CH" smtClean="0"/>
+              <a:t>3</a:t>
+            </a:fld>
+            <a:endParaRPr dirty="0"/>
+          </a:p>
+        </p:txBody>
+      </p:sp>
+      <p:sp>
+        <p:nvSpPr>
+          <p:cNvPr id="11" name="Textfeld 10"/>
+          <p:cNvSpPr txBox="1"/>
+          <p:nvPr/>
+        </p:nvSpPr>
+        <p:spPr>
+          <a:xfrm>
+            <a:off x="551384" y="1300284"/>
+            <a:ext cx="3888432" cy="4937028"/>
+          </a:xfrm>
+          <a:prstGeom prst="rect">
+            <a:avLst/>
+          </a:prstGeom>
+          <a:noFill/>
+        </p:spPr>
+        <p:txBody>
+          <a:bodyPr wrap="square" rtlCol="0">
+            <a:noAutofit/>
+          </a:bodyPr>
+          <a:lstStyle/>
+          <a:p>
+            <a:endParaRPr lang="de-DE" sz="2200" dirty="0" err="1" smtClean="0">
+              <a:latin typeface="AA Zuehlke" pitchFamily="2" charset="0"/>
+            </a:endParaRPr>
+          </a:p>
+        </p:txBody>
+      </p:sp>
+      <p:sp>
+        <p:nvSpPr>
+          <p:cNvPr id="13" name="Textfeld 12"/>
+          <p:cNvSpPr txBox="1"/>
+          <p:nvPr/>
+        </p:nvSpPr>
+        <p:spPr>
+          <a:xfrm>
+            <a:off x="695399" y="1226267"/>
+            <a:ext cx="7681849" cy="5040560"/>
+          </a:xfrm>
+          <a:prstGeom prst="rect">
+            <a:avLst/>
+          </a:prstGeom>
+          <a:noFill/>
+        </p:spPr>
+        <p:txBody>
+          <a:bodyPr wrap="square" rtlCol="0">
+            <a:noAutofit/>
+          </a:bodyPr>
+          <a:lstStyle/>
+          <a:p>
+            <a:pPr marL="342900" indent="-342900">
+              <a:buFont typeface="Arial" charset="0"/>
+              <a:buChar char="•"/>
+            </a:pPr>
+            <a:r>
+              <a:rPr lang="de-DE" sz="2200" dirty="0" smtClean="0">
+                <a:latin typeface="AA Zuehlke" pitchFamily="2" charset="0"/>
+              </a:rPr>
+              <a:t>Mobiles Betriebssystem von Apple</a:t>
+            </a:r>
+          </a:p>
+          <a:p>
+            <a:pPr marL="800100" lvl="1" indent="-342900">
+              <a:buFont typeface="Arial" charset="0"/>
+              <a:buChar char="•"/>
+            </a:pPr>
+            <a:r>
+              <a:rPr lang="de-DE" sz="2200" dirty="0" smtClean="0">
+                <a:latin typeface="AA Zuehlke" pitchFamily="2" charset="0"/>
+              </a:rPr>
+              <a:t>iPhone, iPad, iPod </a:t>
+            </a:r>
+            <a:r>
+              <a:rPr lang="de-DE" sz="2200" dirty="0" err="1" smtClean="0">
+                <a:latin typeface="AA Zuehlke" pitchFamily="2" charset="0"/>
+              </a:rPr>
+              <a:t>touch</a:t>
+            </a:r>
+            <a:endParaRPr lang="de-DE" sz="2200" dirty="0" smtClean="0">
+              <a:latin typeface="AA Zuehlke" pitchFamily="2" charset="0"/>
+            </a:endParaRPr>
+          </a:p>
+          <a:p>
+            <a:pPr marL="342900" indent="-342900">
+              <a:buFont typeface="Arial" charset="0"/>
+              <a:buChar char="•"/>
+            </a:pPr>
+            <a:r>
+              <a:rPr lang="de-DE" sz="2200" dirty="0" smtClean="0">
+                <a:latin typeface="AA Zuehlke" pitchFamily="2" charset="0"/>
+              </a:rPr>
+              <a:t>Darauf basierend: </a:t>
+            </a:r>
+            <a:r>
+              <a:rPr lang="de-DE" sz="2200" dirty="0" err="1" smtClean="0">
+                <a:latin typeface="AA Zuehlke" pitchFamily="2" charset="0"/>
+              </a:rPr>
+              <a:t>tvOS</a:t>
+            </a:r>
+            <a:r>
+              <a:rPr lang="de-DE" sz="2200" dirty="0" smtClean="0">
+                <a:latin typeface="AA Zuehlke" pitchFamily="2" charset="0"/>
+              </a:rPr>
+              <a:t> &amp; </a:t>
+            </a:r>
+            <a:r>
+              <a:rPr lang="de-DE" sz="2200" dirty="0" err="1" smtClean="0">
+                <a:latin typeface="AA Zuehlke" pitchFamily="2" charset="0"/>
+              </a:rPr>
+              <a:t>watchOS</a:t>
+            </a:r>
+            <a:endParaRPr lang="de-DE" sz="2200" dirty="0" smtClean="0">
+              <a:latin typeface="AA Zuehlke" pitchFamily="2" charset="0"/>
+            </a:endParaRPr>
+          </a:p>
+          <a:p>
+            <a:pPr marL="342900" indent="-342900">
+              <a:buFont typeface="Arial" charset="0"/>
+              <a:buChar char="•"/>
+            </a:pPr>
+            <a:endParaRPr lang="de-DE" sz="2200" dirty="0">
+              <a:latin typeface="AA Zuehlke" pitchFamily="2" charset="0"/>
+            </a:endParaRPr>
+          </a:p>
+          <a:p>
+            <a:pPr marL="342900" indent="-342900">
+              <a:buFont typeface="Arial" charset="0"/>
+              <a:buChar char="•"/>
+            </a:pPr>
+            <a:r>
+              <a:rPr lang="de-DE" sz="2200" dirty="0" smtClean="0">
+                <a:latin typeface="AA Zuehlke" pitchFamily="2" charset="0"/>
+              </a:rPr>
+              <a:t>iOS basiert auf </a:t>
+            </a:r>
+            <a:r>
+              <a:rPr lang="de-DE" sz="2200" dirty="0" err="1" smtClean="0">
+                <a:latin typeface="AA Zuehlke" pitchFamily="2" charset="0"/>
+              </a:rPr>
+              <a:t>macOS</a:t>
+            </a:r>
+            <a:r>
+              <a:rPr lang="de-DE" sz="2200" dirty="0" smtClean="0">
+                <a:latin typeface="AA Zuehlke" pitchFamily="2" charset="0"/>
+              </a:rPr>
+              <a:t>-Kern </a:t>
+            </a:r>
+            <a:r>
+              <a:rPr lang="de-DE" sz="2200" dirty="0" smtClean="0">
+                <a:latin typeface="AA Zuehlke" pitchFamily="2" charset="0"/>
+                <a:sym typeface="Wingdings"/>
+              </a:rPr>
+              <a:t> Darwin  Unix </a:t>
+            </a:r>
+          </a:p>
+          <a:p>
+            <a:pPr marL="342900" indent="-342900">
+              <a:buFont typeface="Arial" charset="0"/>
+              <a:buChar char="•"/>
+            </a:pPr>
+            <a:endParaRPr lang="de-DE" sz="2200" dirty="0">
+              <a:latin typeface="AA Zuehlke" pitchFamily="2" charset="0"/>
+              <a:sym typeface="Wingdings"/>
+            </a:endParaRPr>
+          </a:p>
+          <a:p>
+            <a:pPr marL="342900" indent="-342900">
+              <a:buFont typeface="Arial" charset="0"/>
+              <a:buChar char="•"/>
+            </a:pPr>
+            <a:r>
+              <a:rPr lang="de-DE" sz="2200" dirty="0" smtClean="0">
+                <a:latin typeface="AA Zuehlke" pitchFamily="2" charset="0"/>
+                <a:sym typeface="Wingdings"/>
+              </a:rPr>
+              <a:t>Seit März 2008 SDK für iOS verfügbar</a:t>
+            </a:r>
+          </a:p>
+          <a:p>
+            <a:pPr marL="342900" indent="-342900">
+              <a:buFont typeface="Arial" charset="0"/>
+              <a:buChar char="•"/>
+            </a:pPr>
+            <a:r>
+              <a:rPr lang="de-DE" sz="2200" dirty="0" smtClean="0">
+                <a:latin typeface="AA Zuehlke" pitchFamily="2" charset="0"/>
+                <a:sym typeface="Wingdings"/>
+              </a:rPr>
+              <a:t>Jährliche Aktualisierungen zur WWDC</a:t>
+            </a:r>
+          </a:p>
+          <a:p>
+            <a:pPr marL="342900" indent="-342900">
+              <a:buFont typeface="Arial" charset="0"/>
+              <a:buChar char="•"/>
+            </a:pPr>
+            <a:r>
+              <a:rPr lang="de-DE" sz="2200" dirty="0" smtClean="0">
+                <a:latin typeface="AA Zuehlke" pitchFamily="2" charset="0"/>
+                <a:sym typeface="Wingdings"/>
+              </a:rPr>
+              <a:t>Voraussetzung für Entwicklung Apple-Hardware</a:t>
+            </a:r>
+          </a:p>
+          <a:p>
+            <a:pPr marL="342900" indent="-342900">
+              <a:buFont typeface="Arial" charset="0"/>
+              <a:buChar char="•"/>
+            </a:pPr>
+            <a:r>
+              <a:rPr lang="de-DE" sz="2200" dirty="0" smtClean="0">
+                <a:latin typeface="AA Zuehlke" pitchFamily="2" charset="0"/>
+                <a:sym typeface="Wingdings"/>
+              </a:rPr>
+              <a:t>Entwicklung in </a:t>
+            </a:r>
+            <a:r>
+              <a:rPr lang="de-DE" sz="2200" dirty="0" err="1" smtClean="0">
+                <a:latin typeface="AA Zuehlke" pitchFamily="2" charset="0"/>
+                <a:sym typeface="Wingdings"/>
+              </a:rPr>
+              <a:t>Objective</a:t>
+            </a:r>
+            <a:r>
+              <a:rPr lang="de-DE" sz="2200" dirty="0">
+                <a:latin typeface="AA Zuehlke" pitchFamily="2" charset="0"/>
+                <a:sym typeface="Wingdings"/>
+              </a:rPr>
+              <a:t>-</a:t>
+            </a:r>
+            <a:r>
+              <a:rPr lang="de-DE" sz="2200" dirty="0" smtClean="0">
+                <a:latin typeface="AA Zuehlke" pitchFamily="2" charset="0"/>
+                <a:sym typeface="Wingdings"/>
+              </a:rPr>
+              <a:t>C oder Swift</a:t>
+            </a:r>
+          </a:p>
+          <a:p>
+            <a:pPr marL="342900" indent="-342900">
+              <a:buFont typeface="Arial" charset="0"/>
+              <a:buChar char="•"/>
+            </a:pPr>
+            <a:endParaRPr lang="de-DE" sz="2200" dirty="0">
+              <a:latin typeface="AA Zuehlke" pitchFamily="2" charset="0"/>
+              <a:sym typeface="Wingdings"/>
+            </a:endParaRPr>
+          </a:p>
+          <a:p>
+            <a:pPr marL="342900" indent="-342900">
+              <a:buFont typeface="Arial" charset="0"/>
+              <a:buChar char="•"/>
+            </a:pPr>
+            <a:r>
+              <a:rPr lang="de-DE" sz="2200" dirty="0">
+                <a:latin typeface="AA Zuehlke" pitchFamily="2" charset="0"/>
+                <a:sym typeface="Wingdings"/>
+              </a:rPr>
+              <a:t>Details: </a:t>
+            </a:r>
+            <a:r>
+              <a:rPr lang="de-DE" sz="2200" dirty="0">
+                <a:latin typeface="AA Zuehlke" pitchFamily="2" charset="0"/>
+                <a:sym typeface="Wingdings"/>
+                <a:hlinkClick r:id="rId3"/>
+              </a:rPr>
+              <a:t>https://</a:t>
+            </a:r>
+            <a:r>
+              <a:rPr lang="de-DE" sz="2200" dirty="0" smtClean="0">
+                <a:latin typeface="AA Zuehlke" pitchFamily="2" charset="0"/>
+                <a:sym typeface="Wingdings"/>
+                <a:hlinkClick r:id="rId3"/>
+              </a:rPr>
+              <a:t>en.wikipedia.org/wiki/IOS</a:t>
+            </a:r>
+            <a:r>
+              <a:rPr lang="de-DE" sz="2200" dirty="0" smtClean="0">
+                <a:latin typeface="AA Zuehlke" pitchFamily="2" charset="0"/>
+                <a:sym typeface="Wingdings"/>
+              </a:rPr>
+              <a:t> </a:t>
+            </a:r>
+            <a:endParaRPr lang="de-DE" sz="2200" dirty="0" smtClean="0">
+              <a:latin typeface="AA Zuehlke" pitchFamily="2" charset="0"/>
+            </a:endParaRPr>
+          </a:p>
+        </p:txBody>
+      </p:sp>
+    </p:spTree>
+    <p:extLst>
+      <p:ext uri="{BB962C8B-B14F-4D97-AF65-F5344CB8AC3E}">
+        <p14:creationId xmlns:p14="http://schemas.microsoft.com/office/powerpoint/2010/main" val="1585752553"/>
+      </p:ext>
+    </p:extLst>
+  </p:cSld>
+  <p:clrMapOvr>
+    <a:masterClrMapping/>
+  </p:clrMapOvr>
+  <p:timing>
+    <p:tnLst>
+      <p:par>
+        <p:cTn id="1" dur="indefinite" restart="never" nodeType="tmRoot"/>
+      </p:par>
+    </p:tnLst>
+  </p:timing>
+</p:sld>
+</file>
+
+<file path=ppt/slides/slide4.xml><?xml version="1.0" encoding="utf-8"?>
+<p:sld xmlns:a="http://schemas.openxmlformats.org/drawingml/2006/main" xmlns:r="http://schemas.openxmlformats.org/officeDocument/2006/relationships" xmlns:p="http://schemas.openxmlformats.org/presentationml/2006/main">
+  <p:cSld>
+    <p:spTree>
+      <p:nvGrpSpPr>
+        <p:cNvPr id="1" name=""/>
+        <p:cNvGrpSpPr/>
+        <p:nvPr/>
+      </p:nvGrpSpPr>
+      <p:grpSpPr>
+        <a:xfrm>
+          <a:off x="0" y="0"/>
+          <a:ext cx="0" cy="0"/>
+          <a:chOff x="0" y="0"/>
+          <a:chExt cx="0" cy="0"/>
+        </a:xfrm>
+      </p:grpSpPr>
+      <p:sp>
+        <p:nvSpPr>
+          <p:cNvPr id="2" name="Titel 1"/>
+          <p:cNvSpPr>
+            <a:spLocks noGrp="1"/>
+          </p:cNvSpPr>
+          <p:nvPr>
+            <p:ph type="title"/>
+          </p:nvPr>
+        </p:nvSpPr>
+        <p:spPr/>
+        <p:txBody>
+          <a:bodyPr/>
+          <a:lstStyle/>
+          <a:p>
+            <a:r>
+              <a:rPr lang="de-DE" dirty="0" err="1" smtClean="0"/>
+              <a:t>Walled</a:t>
+            </a:r>
+            <a:r>
+              <a:rPr lang="de-DE" dirty="0" smtClean="0"/>
+              <a:t> Garden</a:t>
+            </a:r>
+            <a:endParaRPr lang="de-DE" dirty="0"/>
+          </a:p>
+        </p:txBody>
+      </p:sp>
+      <p:sp>
+        <p:nvSpPr>
+          <p:cNvPr id="4" name="Datumsplatzhalter 3"/>
+          <p:cNvSpPr>
+            <a:spLocks noGrp="1"/>
+          </p:cNvSpPr>
+          <p:nvPr>
+            <p:ph type="dt" sz="half" idx="10"/>
+          </p:nvPr>
+        </p:nvSpPr>
+        <p:spPr/>
+        <p:txBody>
+          <a:bodyPr/>
+          <a:lstStyle/>
+          <a:p>
+            <a:r>
+              <a:rPr lang="de-CH" smtClean="0"/>
+              <a:t>7. Januar 2016</a:t>
+            </a:r>
+            <a:endParaRPr lang="de-CH" dirty="0"/>
+          </a:p>
+        </p:txBody>
+      </p:sp>
+      <p:sp>
+        <p:nvSpPr>
+          <p:cNvPr id="5" name="Fußzeilenplatzhalter 4"/>
+          <p:cNvSpPr>
+            <a:spLocks noGrp="1"/>
+          </p:cNvSpPr>
+          <p:nvPr>
+            <p:ph type="ftr" sz="quarter" idx="11"/>
+          </p:nvPr>
+        </p:nvSpPr>
+        <p:spPr/>
+        <p:txBody>
+          <a:bodyPr/>
+          <a:lstStyle/>
+          <a:p>
+            <a:r>
+              <a:rPr lang="de-CH" smtClean="0"/>
+              <a:t>iOS-Workshop</a:t>
+            </a:r>
+            <a:endParaRPr lang="de-CH" dirty="0"/>
+          </a:p>
+        </p:txBody>
+      </p:sp>
+      <p:sp>
+        <p:nvSpPr>
+          <p:cNvPr id="6" name="Foliennummernplatzhalter 5"/>
+          <p:cNvSpPr>
+            <a:spLocks noGrp="1"/>
+          </p:cNvSpPr>
+          <p:nvPr>
+            <p:ph type="sldNum" sz="quarter" idx="12"/>
+          </p:nvPr>
+        </p:nvSpPr>
+        <p:spPr/>
+        <p:txBody>
+          <a:bodyPr/>
+          <a:lstStyle/>
+          <a:p>
+            <a:r>
+              <a:rPr lang="de-CH" smtClean="0"/>
+              <a:t>Folie </a:t>
+            </a:r>
+            <a:fld id="{D7D516EC-717A-46FD-BBF7-B49E47ACA4F3}" type="slidenum">
+              <a:rPr lang="de-CH" smtClean="0"/>
+              <a:pPr/>
+              <a:t>4</a:t>
+            </a:fld>
+            <a:endParaRPr lang="de-CH" dirty="0"/>
+          </a:p>
+        </p:txBody>
+      </p:sp>
+      <p:sp>
+        <p:nvSpPr>
+          <p:cNvPr id="7" name="Textplatzhalter 6"/>
+          <p:cNvSpPr>
+            <a:spLocks noGrp="1"/>
+          </p:cNvSpPr>
+          <p:nvPr>
+            <p:ph type="body" sz="quarter" idx="13"/>
+          </p:nvPr>
+        </p:nvSpPr>
+        <p:spPr>
+          <a:xfrm>
+            <a:off x="772585" y="930330"/>
+            <a:ext cx="11216215" cy="5667022"/>
+          </a:xfrm>
+        </p:spPr>
+        <p:txBody>
+          <a:bodyPr/>
+          <a:lstStyle/>
+          <a:p>
+            <a:pPr marL="342900" indent="-342900">
+              <a:buFont typeface="Arial" charset="0"/>
+              <a:buChar char="•"/>
+            </a:pPr>
+            <a:r>
+              <a:rPr lang="de-DE" dirty="0" smtClean="0"/>
+              <a:t>Jede App wird durch Apple auf Konformität zu den App-Store-Guidelines geprüft</a:t>
+            </a:r>
+          </a:p>
+          <a:p>
+            <a:pPr marL="608013" lvl="2" indent="-342900">
+              <a:buFont typeface="Arial" charset="0"/>
+              <a:buChar char="•"/>
+            </a:pPr>
+            <a:r>
+              <a:rPr lang="de-DE" dirty="0" smtClean="0"/>
+              <a:t>Nicht jede Idee ist dadurch umsetzbar</a:t>
+            </a:r>
+          </a:p>
+          <a:p>
+            <a:pPr marL="608013" lvl="2" indent="-342900">
+              <a:buFont typeface="Arial" charset="0"/>
+              <a:buChar char="•"/>
+            </a:pPr>
+            <a:r>
+              <a:rPr lang="de-DE" dirty="0" smtClean="0"/>
+              <a:t>Es wird gegenüber anderen Plattformen ein höheres </a:t>
+            </a:r>
+            <a:r>
+              <a:rPr lang="de-DE" dirty="0" err="1" smtClean="0"/>
+              <a:t>Mass</a:t>
+            </a:r>
+            <a:r>
+              <a:rPr lang="de-DE" dirty="0" smtClean="0"/>
+              <a:t> an Qualität und Sicherheit erreicht</a:t>
+            </a:r>
+            <a:endParaRPr lang="de-DE" dirty="0"/>
+          </a:p>
+        </p:txBody>
+      </p:sp>
+      <p:pic>
+        <p:nvPicPr>
+          <p:cNvPr id="10" name="Bild 9"/>
+          <p:cNvPicPr>
+            <a:picLocks noChangeAspect="1"/>
+          </p:cNvPicPr>
+          <p:nvPr/>
+        </p:nvPicPr>
+        <p:blipFill>
+          <a:blip r:embed="rId2">
+            <a:extLst>
+              <a:ext uri="{28A0092B-C50C-407E-A947-70E740481C1C}">
+                <a14:useLocalDpi xmlns:a14="http://schemas.microsoft.com/office/drawing/2010/main" val="0"/>
+              </a:ext>
+            </a:extLst>
+          </a:blip>
+          <a:stretch>
+            <a:fillRect/>
+          </a:stretch>
+        </p:blipFill>
+        <p:spPr>
+          <a:xfrm>
+            <a:off x="1415480" y="2348880"/>
+            <a:ext cx="8325054" cy="4032448"/>
+          </a:xfrm>
+          <a:prstGeom prst="rect">
+            <a:avLst/>
+          </a:prstGeom>
+          <a:effectLst>
+            <a:outerShdw blurRad="50800" dist="38100" dir="2700000" algn="tl" rotWithShape="0">
+              <a:prstClr val="black">
+                <a:alpha val="40000"/>
+              </a:prstClr>
+            </a:outerShdw>
+          </a:effectLst>
+        </p:spPr>
+      </p:pic>
+    </p:spTree>
+    <p:extLst>
+      <p:ext uri="{BB962C8B-B14F-4D97-AF65-F5344CB8AC3E}">
+        <p14:creationId xmlns:p14="http://schemas.microsoft.com/office/powerpoint/2010/main" val="2144664277"/>
+      </p:ext>
+    </p:extLst>
+  </p:cSld>
+  <p:clrMapOvr>
+    <a:masterClrMapping/>
+  </p:clrMapOvr>
+  <p:timing>
+    <p:tnLst>
+      <p:par>
+        <p:cTn id="1" dur="indefinite" restart="never" nodeType="tmRoot"/>
+      </p:par>
+    </p:tnLst>
+  </p:timing>
+</p:sld>
+</file>
+
+<file path=ppt/slides/slide5.xml><?xml version="1.0" encoding="utf-8"?>
+<p:sld xmlns:a="http://schemas.openxmlformats.org/drawingml/2006/main" xmlns:r="http://schemas.openxmlformats.org/officeDocument/2006/relationships" xmlns:p="http://schemas.openxmlformats.org/presentationml/2006/main">
+  <p:cSld>
+    <p:spTree>
+      <p:nvGrpSpPr>
+        <p:cNvPr id="1" name=""/>
+        <p:cNvGrpSpPr/>
+        <p:nvPr/>
+      </p:nvGrpSpPr>
+      <p:grpSpPr>
+        <a:xfrm>
+          <a:off x="0" y="0"/>
+          <a:ext cx="0" cy="0"/>
+          <a:chOff x="0" y="0"/>
+          <a:chExt cx="0" cy="0"/>
+        </a:xfrm>
+      </p:grpSpPr>
+      <p:sp>
+        <p:nvSpPr>
+          <p:cNvPr id="2" name="Titel 1"/>
+          <p:cNvSpPr>
+            <a:spLocks noGrp="1"/>
+          </p:cNvSpPr>
+          <p:nvPr>
+            <p:ph type="title"/>
+          </p:nvPr>
+        </p:nvSpPr>
+        <p:spPr/>
+        <p:txBody>
+          <a:bodyPr/>
+          <a:lstStyle/>
+          <a:p>
+            <a:r>
+              <a:rPr lang="de-DE" dirty="0" smtClean="0"/>
+              <a:t>iOS Architektur</a:t>
+            </a:r>
+            <a:endParaRPr lang="de-DE" dirty="0"/>
+          </a:p>
+        </p:txBody>
+      </p:sp>
+      <p:sp>
+        <p:nvSpPr>
+          <p:cNvPr id="3" name="Datumsplatzhalter 2"/>
+          <p:cNvSpPr>
+            <a:spLocks noGrp="1"/>
+          </p:cNvSpPr>
+          <p:nvPr>
+            <p:ph type="dt" sz="half" idx="10"/>
+          </p:nvPr>
+        </p:nvSpPr>
+        <p:spPr/>
+        <p:txBody>
+          <a:bodyPr/>
+          <a:lstStyle/>
+          <a:p>
+            <a:r>
+              <a:rPr lang="de-CH" smtClean="0"/>
+              <a:t>7. Januar 2016</a:t>
+            </a:r>
+            <a:endParaRPr lang="de-CH" dirty="0"/>
+          </a:p>
+        </p:txBody>
+      </p:sp>
+      <p:sp>
+        <p:nvSpPr>
+          <p:cNvPr id="4" name="Fußzeilenplatzhalter 3"/>
+          <p:cNvSpPr>
+            <a:spLocks noGrp="1"/>
+          </p:cNvSpPr>
+          <p:nvPr>
+            <p:ph type="ftr" sz="quarter" idx="11"/>
+          </p:nvPr>
+        </p:nvSpPr>
+        <p:spPr/>
+        <p:txBody>
+          <a:bodyPr/>
+          <a:lstStyle/>
+          <a:p>
+            <a:r>
+              <a:rPr lang="de-CH" smtClean="0"/>
+              <a:t>iOS-Workshop</a:t>
+            </a:r>
+            <a:endParaRPr lang="de-CH" dirty="0"/>
+          </a:p>
+        </p:txBody>
+      </p:sp>
+      <p:sp>
+        <p:nvSpPr>
+          <p:cNvPr id="5" name="Foliennummernplatzhalter 4"/>
+          <p:cNvSpPr>
+            <a:spLocks noGrp="1"/>
+          </p:cNvSpPr>
+          <p:nvPr>
+            <p:ph type="sldNum" sz="quarter" idx="12"/>
+          </p:nvPr>
+        </p:nvSpPr>
+        <p:spPr/>
+        <p:txBody>
+          <a:bodyPr/>
+          <a:lstStyle/>
+          <a:p>
+            <a:r>
+              <a:rPr lang="de-CH" smtClean="0"/>
+              <a:t>Folie </a:t>
+            </a:r>
+            <a:fld id="{BA0A185D-965D-4DEE-B0A9-43568A074FB6}" type="slidenum">
+              <a:rPr lang="de-CH" smtClean="0"/>
+              <a:pPr/>
+              <a:t>5</a:t>
+            </a:fld>
+            <a:endParaRPr lang="de-CH" dirty="0"/>
+          </a:p>
+        </p:txBody>
+      </p:sp>
+      <p:sp>
+        <p:nvSpPr>
+          <p:cNvPr id="11" name="Abgerundetes Rechteck 10"/>
+          <p:cNvSpPr/>
+          <p:nvPr/>
+        </p:nvSpPr>
+        <p:spPr>
+          <a:xfrm>
+            <a:off x="2343175" y="5171478"/>
+            <a:ext cx="4968552" cy="1008112"/>
+          </a:xfrm>
+          <a:prstGeom prst="roundRect">
+            <a:avLst/>
+          </a:prstGeom>
+          <a:solidFill>
+            <a:srgbClr val="FF820A"/>
+          </a:solidFill>
+          <a:ln w="12700">
+            <a:noFill/>
+          </a:ln>
+        </p:spPr>
+        <p:style>
+          <a:lnRef idx="2">
+            <a:schemeClr val="accent1">
+              <a:shade val="50000"/>
+            </a:schemeClr>
+          </a:lnRef>
+          <a:fillRef idx="1">
+            <a:schemeClr val="accent1"/>
+          </a:fillRef>
+          <a:effectRef idx="0">
+            <a:schemeClr val="accent1"/>
+          </a:effectRef>
+          <a:fontRef idx="minor">
+            <a:schemeClr val="lt1"/>
+          </a:fontRef>
+        </p:style>
+        <p:txBody>
+          <a:bodyPr rtlCol="0" anchor="ctr"/>
+          <a:lstStyle/>
+          <a:p>
+            <a:pPr algn="ctr"/>
+            <a:r>
+              <a:rPr lang="de-DE" sz="2200" dirty="0" smtClean="0">
+                <a:latin typeface="AA Zuehlke" pitchFamily="2" charset="0"/>
+              </a:rPr>
+              <a:t>Core OS</a:t>
+            </a:r>
+          </a:p>
+        </p:txBody>
+      </p:sp>
+      <p:sp>
+        <p:nvSpPr>
+          <p:cNvPr id="12" name="Abgerundetes Rechteck 11"/>
+          <p:cNvSpPr/>
+          <p:nvPr/>
+        </p:nvSpPr>
+        <p:spPr>
+          <a:xfrm>
+            <a:off x="2351584" y="3947322"/>
+            <a:ext cx="4968552" cy="1008112"/>
+          </a:xfrm>
+          <a:prstGeom prst="roundRect">
+            <a:avLst/>
+          </a:prstGeom>
+          <a:solidFill>
+            <a:schemeClr val="accent1">
+              <a:lumMod val="60000"/>
+              <a:lumOff val="40000"/>
+            </a:schemeClr>
+          </a:solidFill>
+          <a:ln w="12700">
+            <a:noFill/>
+          </a:ln>
+        </p:spPr>
+        <p:style>
+          <a:lnRef idx="2">
+            <a:schemeClr val="accent1">
+              <a:shade val="50000"/>
+            </a:schemeClr>
+          </a:lnRef>
+          <a:fillRef idx="1">
+            <a:schemeClr val="accent1"/>
+          </a:fillRef>
+          <a:effectRef idx="0">
+            <a:schemeClr val="accent1"/>
+          </a:effectRef>
+          <a:fontRef idx="minor">
+            <a:schemeClr val="lt1"/>
+          </a:fontRef>
+        </p:style>
+        <p:txBody>
+          <a:bodyPr rtlCol="0" anchor="ctr"/>
+          <a:lstStyle/>
+          <a:p>
+            <a:pPr algn="ctr"/>
+            <a:r>
+              <a:rPr lang="de-DE" sz="2200" dirty="0" smtClean="0">
+                <a:latin typeface="AA Zuehlke" pitchFamily="2" charset="0"/>
+              </a:rPr>
+              <a:t>Core Services</a:t>
+            </a:r>
+          </a:p>
+        </p:txBody>
+      </p:sp>
+      <p:sp>
+        <p:nvSpPr>
+          <p:cNvPr id="13" name="Abgerundetes Rechteck 12"/>
+          <p:cNvSpPr/>
+          <p:nvPr/>
+        </p:nvSpPr>
+        <p:spPr>
+          <a:xfrm>
+            <a:off x="2351584" y="2705723"/>
+            <a:ext cx="4968552" cy="1008112"/>
+          </a:xfrm>
+          <a:prstGeom prst="roundRect">
+            <a:avLst/>
+          </a:prstGeom>
+          <a:solidFill>
+            <a:schemeClr val="accent3"/>
+          </a:solidFill>
+          <a:ln w="12700">
+            <a:noFill/>
+          </a:ln>
+        </p:spPr>
+        <p:style>
+          <a:lnRef idx="2">
+            <a:schemeClr val="accent1">
+              <a:shade val="50000"/>
+            </a:schemeClr>
+          </a:lnRef>
+          <a:fillRef idx="1">
+            <a:schemeClr val="accent1"/>
+          </a:fillRef>
+          <a:effectRef idx="0">
+            <a:schemeClr val="accent1"/>
+          </a:effectRef>
+          <a:fontRef idx="minor">
+            <a:schemeClr val="lt1"/>
+          </a:fontRef>
+        </p:style>
+        <p:txBody>
+          <a:bodyPr rtlCol="0" anchor="ctr"/>
+          <a:lstStyle/>
+          <a:p>
+            <a:pPr algn="ctr"/>
+            <a:r>
+              <a:rPr lang="de-DE" sz="2200" dirty="0" smtClean="0">
+                <a:latin typeface="AA Zuehlke" pitchFamily="2" charset="0"/>
+              </a:rPr>
+              <a:t>Media</a:t>
+            </a:r>
+          </a:p>
+        </p:txBody>
+      </p:sp>
+      <p:sp>
+        <p:nvSpPr>
+          <p:cNvPr id="14" name="Abgerundetes Rechteck 13"/>
+          <p:cNvSpPr/>
+          <p:nvPr/>
+        </p:nvSpPr>
+        <p:spPr>
+          <a:xfrm>
+            <a:off x="2343175" y="1484784"/>
+            <a:ext cx="4968552" cy="1008112"/>
+          </a:xfrm>
+          <a:prstGeom prst="roundRect">
+            <a:avLst/>
+          </a:prstGeom>
+          <a:solidFill>
+            <a:schemeClr val="accent4"/>
+          </a:solidFill>
+          <a:ln w="12700">
+            <a:noFill/>
+          </a:ln>
+        </p:spPr>
+        <p:style>
+          <a:lnRef idx="2">
+            <a:schemeClr val="accent1">
+              <a:shade val="50000"/>
+            </a:schemeClr>
+          </a:lnRef>
+          <a:fillRef idx="1">
+            <a:schemeClr val="accent1"/>
+          </a:fillRef>
+          <a:effectRef idx="0">
+            <a:schemeClr val="accent1"/>
+          </a:effectRef>
+          <a:fontRef idx="minor">
+            <a:schemeClr val="lt1"/>
+          </a:fontRef>
+        </p:style>
+        <p:txBody>
+          <a:bodyPr rtlCol="0" anchor="ctr"/>
+          <a:lstStyle/>
+          <a:p>
+            <a:pPr algn="ctr"/>
+            <a:r>
+              <a:rPr lang="de-DE" sz="2200" dirty="0" err="1" smtClean="0">
+                <a:latin typeface="AA Zuehlke" pitchFamily="2" charset="0"/>
+              </a:rPr>
+              <a:t>Cocoa</a:t>
+            </a:r>
+            <a:r>
+              <a:rPr lang="de-DE" sz="2200" dirty="0" smtClean="0">
+                <a:latin typeface="AA Zuehlke" pitchFamily="2" charset="0"/>
+              </a:rPr>
+              <a:t> Touch</a:t>
+            </a:r>
+          </a:p>
+        </p:txBody>
+      </p:sp>
+      <p:sp>
+        <p:nvSpPr>
+          <p:cNvPr id="15" name="Dreieck 14"/>
+          <p:cNvSpPr/>
+          <p:nvPr/>
+        </p:nvSpPr>
+        <p:spPr>
+          <a:xfrm rot="10800000">
+            <a:off x="772585" y="1484784"/>
+            <a:ext cx="1209855" cy="4694806"/>
+          </a:xfrm>
+          <a:prstGeom prst="triangle">
+            <a:avLst/>
+          </a:prstGeom>
+          <a:solidFill>
+            <a:srgbClr val="7030A0"/>
+          </a:solidFill>
+          <a:ln w="12700">
+            <a:noFill/>
+          </a:ln>
+        </p:spPr>
+        <p:style>
+          <a:lnRef idx="2">
+            <a:schemeClr val="accent1">
+              <a:shade val="50000"/>
+            </a:schemeClr>
+          </a:lnRef>
+          <a:fillRef idx="1">
+            <a:schemeClr val="accent1"/>
+          </a:fillRef>
+          <a:effectRef idx="0">
+            <a:schemeClr val="accent1"/>
+          </a:effectRef>
+          <a:fontRef idx="minor">
+            <a:schemeClr val="lt1"/>
+          </a:fontRef>
+        </p:style>
+        <p:txBody>
+          <a:bodyPr vert="vert270" rtlCol="0" anchor="ctr" anchorCtr="1"/>
+          <a:lstStyle/>
+          <a:p>
+            <a:pPr algn="ctr"/>
+            <a:r>
+              <a:rPr lang="de-DE" sz="2200" dirty="0" smtClean="0">
+                <a:latin typeface="AA Zuehlke" pitchFamily="2" charset="0"/>
+              </a:rPr>
+              <a:t>Abstraktionsgrad</a:t>
+            </a:r>
+          </a:p>
+        </p:txBody>
+      </p:sp>
+      <p:sp>
+        <p:nvSpPr>
+          <p:cNvPr id="16" name="Textfeld 15"/>
+          <p:cNvSpPr txBox="1"/>
+          <p:nvPr/>
+        </p:nvSpPr>
+        <p:spPr>
+          <a:xfrm>
+            <a:off x="7464152" y="5290802"/>
+            <a:ext cx="4320480" cy="648072"/>
+          </a:xfrm>
+          <a:prstGeom prst="rect">
+            <a:avLst/>
+          </a:prstGeom>
+          <a:noFill/>
+        </p:spPr>
+        <p:txBody>
+          <a:bodyPr wrap="square" rtlCol="0">
+            <a:noAutofit/>
+          </a:bodyPr>
+          <a:lstStyle/>
+          <a:p>
+            <a:r>
+              <a:rPr lang="de-DE" sz="2200" dirty="0" smtClean="0">
+                <a:latin typeface="AA Zuehlke" pitchFamily="2" charset="0"/>
+              </a:rPr>
+              <a:t>Bluetooth, </a:t>
+            </a:r>
+            <a:r>
+              <a:rPr lang="de-DE" sz="2200" dirty="0" err="1" smtClean="0">
+                <a:latin typeface="AA Zuehlke" pitchFamily="2" charset="0"/>
+              </a:rPr>
+              <a:t>External</a:t>
+            </a:r>
+            <a:r>
+              <a:rPr lang="de-DE" sz="2200" dirty="0" smtClean="0">
+                <a:latin typeface="AA Zuehlke" pitchFamily="2" charset="0"/>
+              </a:rPr>
+              <a:t> </a:t>
+            </a:r>
+            <a:r>
+              <a:rPr lang="de-DE" sz="2200" dirty="0" err="1" smtClean="0">
+                <a:latin typeface="AA Zuehlke" pitchFamily="2" charset="0"/>
+              </a:rPr>
+              <a:t>Accessory</a:t>
+            </a:r>
+            <a:r>
+              <a:rPr lang="de-DE" sz="2200" dirty="0" smtClean="0">
+                <a:latin typeface="AA Zuehlke" pitchFamily="2" charset="0"/>
+              </a:rPr>
+              <a:t>, Networking, </a:t>
+            </a:r>
+            <a:r>
+              <a:rPr lang="de-DE" sz="2200" dirty="0" err="1" smtClean="0">
+                <a:latin typeface="AA Zuehlke" pitchFamily="2" charset="0"/>
+              </a:rPr>
+              <a:t>Local</a:t>
+            </a:r>
+            <a:r>
+              <a:rPr lang="de-DE" sz="2200" dirty="0" smtClean="0">
+                <a:latin typeface="AA Zuehlke" pitchFamily="2" charset="0"/>
+              </a:rPr>
+              <a:t> Authentication, ... </a:t>
+            </a:r>
+          </a:p>
+        </p:txBody>
+      </p:sp>
+      <p:sp>
+        <p:nvSpPr>
+          <p:cNvPr id="18" name="Textfeld 17"/>
+          <p:cNvSpPr txBox="1"/>
+          <p:nvPr/>
+        </p:nvSpPr>
+        <p:spPr>
+          <a:xfrm>
+            <a:off x="7464152" y="4130281"/>
+            <a:ext cx="4320480" cy="648072"/>
+          </a:xfrm>
+          <a:prstGeom prst="rect">
+            <a:avLst/>
+          </a:prstGeom>
+          <a:noFill/>
+        </p:spPr>
+        <p:txBody>
+          <a:bodyPr wrap="square" rtlCol="0">
+            <a:noAutofit/>
+          </a:bodyPr>
+          <a:lstStyle/>
+          <a:p>
+            <a:r>
+              <a:rPr lang="de-DE" sz="2200" dirty="0" smtClean="0">
+                <a:latin typeface="AA Zuehlke" pitchFamily="2" charset="0"/>
+              </a:rPr>
+              <a:t>Peer2Peer Services, </a:t>
+            </a:r>
+            <a:r>
+              <a:rPr lang="de-DE" sz="2200" dirty="0" err="1" smtClean="0">
+                <a:latin typeface="AA Zuehlke" pitchFamily="2" charset="0"/>
+              </a:rPr>
+              <a:t>iCloud</a:t>
+            </a:r>
+            <a:r>
+              <a:rPr lang="de-DE" sz="2200" dirty="0" smtClean="0">
+                <a:latin typeface="AA Zuehlke" pitchFamily="2" charset="0"/>
+              </a:rPr>
+              <a:t>, Blocks, </a:t>
+            </a:r>
+            <a:r>
+              <a:rPr lang="de-DE" sz="2200" dirty="0" err="1" smtClean="0">
+                <a:latin typeface="AA Zuehlke" pitchFamily="2" charset="0"/>
+              </a:rPr>
+              <a:t>SQLite</a:t>
+            </a:r>
+            <a:r>
+              <a:rPr lang="de-DE" sz="2200" dirty="0" smtClean="0">
+                <a:latin typeface="AA Zuehlke" pitchFamily="2" charset="0"/>
+              </a:rPr>
+              <a:t>, Grand Central </a:t>
+            </a:r>
+            <a:r>
+              <a:rPr lang="de-DE" sz="2200" dirty="0" err="1" smtClean="0">
+                <a:latin typeface="AA Zuehlke" pitchFamily="2" charset="0"/>
+              </a:rPr>
+              <a:t>Dispatch</a:t>
+            </a:r>
+            <a:r>
+              <a:rPr lang="de-DE" sz="2200" dirty="0" smtClean="0">
+                <a:latin typeface="AA Zuehlke" pitchFamily="2" charset="0"/>
+              </a:rPr>
+              <a:t>, ...</a:t>
+            </a:r>
+          </a:p>
+        </p:txBody>
+      </p:sp>
+      <p:sp>
+        <p:nvSpPr>
+          <p:cNvPr id="19" name="Textfeld 18"/>
+          <p:cNvSpPr txBox="1"/>
+          <p:nvPr/>
+        </p:nvSpPr>
+        <p:spPr>
+          <a:xfrm>
+            <a:off x="7464152" y="2883486"/>
+            <a:ext cx="4320480" cy="648072"/>
+          </a:xfrm>
+          <a:prstGeom prst="rect">
+            <a:avLst/>
+          </a:prstGeom>
+          <a:noFill/>
+        </p:spPr>
+        <p:txBody>
+          <a:bodyPr wrap="square" rtlCol="0">
+            <a:noAutofit/>
+          </a:bodyPr>
+          <a:lstStyle/>
+          <a:p>
+            <a:r>
+              <a:rPr lang="de-DE" sz="2200" dirty="0" smtClean="0">
+                <a:latin typeface="AA Zuehlke" pitchFamily="2" charset="0"/>
+              </a:rPr>
+              <a:t>Graphics, Audio, Video, </a:t>
+            </a:r>
+            <a:r>
+              <a:rPr lang="de-DE" sz="2200" dirty="0" err="1" smtClean="0">
+                <a:latin typeface="AA Zuehlke" pitchFamily="2" charset="0"/>
+              </a:rPr>
+              <a:t>AirPlay</a:t>
+            </a:r>
+            <a:r>
+              <a:rPr lang="de-DE" sz="2200" dirty="0" smtClean="0">
+                <a:latin typeface="AA Zuehlke" pitchFamily="2" charset="0"/>
+              </a:rPr>
+              <a:t>, </a:t>
+            </a:r>
+            <a:r>
+              <a:rPr lang="de-DE" sz="2200" dirty="0" err="1" smtClean="0">
+                <a:latin typeface="AA Zuehlke" pitchFamily="2" charset="0"/>
+              </a:rPr>
+              <a:t>Photos</a:t>
+            </a:r>
+            <a:r>
+              <a:rPr lang="de-DE" sz="2200" dirty="0" smtClean="0">
+                <a:latin typeface="AA Zuehlke" pitchFamily="2" charset="0"/>
+              </a:rPr>
+              <a:t>, </a:t>
+            </a:r>
+            <a:r>
+              <a:rPr lang="de-DE" sz="2200" dirty="0" err="1" smtClean="0">
+                <a:latin typeface="AA Zuehlke" pitchFamily="2" charset="0"/>
+              </a:rPr>
+              <a:t>SceneKit</a:t>
+            </a:r>
+            <a:r>
+              <a:rPr lang="de-DE" sz="2200" dirty="0" smtClean="0">
+                <a:latin typeface="AA Zuehlke" pitchFamily="2" charset="0"/>
+              </a:rPr>
+              <a:t>, </a:t>
+            </a:r>
+            <a:r>
+              <a:rPr lang="de-DE" sz="2200" dirty="0" err="1" smtClean="0">
+                <a:latin typeface="AA Zuehlke" pitchFamily="2" charset="0"/>
+              </a:rPr>
+              <a:t>SpriteKit</a:t>
+            </a:r>
+            <a:r>
+              <a:rPr lang="de-DE" sz="2200" dirty="0" smtClean="0">
+                <a:latin typeface="AA Zuehlke" pitchFamily="2" charset="0"/>
+              </a:rPr>
+              <a:t>, ...</a:t>
+            </a:r>
+          </a:p>
+        </p:txBody>
+      </p:sp>
+      <p:sp>
+        <p:nvSpPr>
+          <p:cNvPr id="20" name="Textfeld 19"/>
+          <p:cNvSpPr txBox="1"/>
+          <p:nvPr/>
+        </p:nvSpPr>
+        <p:spPr>
+          <a:xfrm>
+            <a:off x="7471890" y="1664804"/>
+            <a:ext cx="4320480" cy="648072"/>
+          </a:xfrm>
+          <a:prstGeom prst="rect">
+            <a:avLst/>
+          </a:prstGeom>
+          <a:noFill/>
+        </p:spPr>
+        <p:txBody>
+          <a:bodyPr wrap="square" rtlCol="0">
+            <a:noAutofit/>
+          </a:bodyPr>
+          <a:lstStyle/>
+          <a:p>
+            <a:r>
+              <a:rPr lang="de-DE" sz="2200" dirty="0" smtClean="0">
+                <a:latin typeface="AA Zuehlke" pitchFamily="2" charset="0"/>
+              </a:rPr>
+              <a:t>App </a:t>
+            </a:r>
+            <a:r>
+              <a:rPr lang="de-DE" sz="2200" dirty="0" err="1" smtClean="0">
+                <a:latin typeface="AA Zuehlke" pitchFamily="2" charset="0"/>
+              </a:rPr>
+              <a:t>Extensions</a:t>
+            </a:r>
+            <a:r>
+              <a:rPr lang="de-DE" sz="2200" dirty="0" smtClean="0">
+                <a:latin typeface="AA Zuehlke" pitchFamily="2" charset="0"/>
+              </a:rPr>
+              <a:t>, </a:t>
+            </a:r>
+            <a:r>
+              <a:rPr lang="de-DE" sz="2200" dirty="0" err="1" smtClean="0">
+                <a:latin typeface="AA Zuehlke" pitchFamily="2" charset="0"/>
+              </a:rPr>
+              <a:t>Handoff</a:t>
+            </a:r>
+            <a:r>
+              <a:rPr lang="de-DE" sz="2200" dirty="0" smtClean="0">
+                <a:latin typeface="AA Zuehlke" pitchFamily="2" charset="0"/>
+              </a:rPr>
+              <a:t>, </a:t>
+            </a:r>
+            <a:r>
+              <a:rPr lang="de-DE" sz="2200" dirty="0" err="1" smtClean="0">
+                <a:latin typeface="AA Zuehlke" pitchFamily="2" charset="0"/>
+              </a:rPr>
+              <a:t>AirDrop</a:t>
+            </a:r>
+            <a:r>
+              <a:rPr lang="de-DE" sz="2200" dirty="0" smtClean="0">
+                <a:latin typeface="AA Zuehlke" pitchFamily="2" charset="0"/>
+              </a:rPr>
+              <a:t>, </a:t>
+            </a:r>
+            <a:r>
+              <a:rPr lang="de-DE" sz="2200" dirty="0" err="1" smtClean="0">
+                <a:latin typeface="AA Zuehlke" pitchFamily="2" charset="0"/>
+              </a:rPr>
+              <a:t>TextKit</a:t>
+            </a:r>
+            <a:r>
+              <a:rPr lang="de-DE" sz="2200" dirty="0" smtClean="0">
+                <a:latin typeface="AA Zuehlke" pitchFamily="2" charset="0"/>
+              </a:rPr>
+              <a:t>, Autolayout, Multitasking, ...</a:t>
+            </a:r>
+          </a:p>
+        </p:txBody>
+      </p:sp>
+    </p:spTree>
+    <p:extLst>
+      <p:ext uri="{BB962C8B-B14F-4D97-AF65-F5344CB8AC3E}">
+        <p14:creationId xmlns:p14="http://schemas.microsoft.com/office/powerpoint/2010/main" val="1880669942"/>
+      </p:ext>
+    </p:extLst>
+  </p:cSld>
+  <p:clrMapOvr>
+    <a:masterClrMapping/>
+  </p:clrMapOvr>
+  <p:timing>
+    <p:tnLst>
+      <p:par>
+        <p:cTn id="1" dur="indefinite" restart="never" nodeType="tmRoot"/>
+      </p:par>
+    </p:tnLst>
+  </p:timing>
+</p:sld>
+</file>
+
+<file path=ppt/slides/slide6.xml><?xml version="1.0" encoding="utf-8"?>
+<p:sld xmlns:a="http://schemas.openxmlformats.org/drawingml/2006/main" xmlns:r="http://schemas.openxmlformats.org/officeDocument/2006/relationships" xmlns:p="http://schemas.openxmlformats.org/presentationml/2006/main">
+  <p:cSld>
+    <p:spTree>
+      <p:nvGrpSpPr>
+        <p:cNvPr id="1" name=""/>
+        <p:cNvGrpSpPr/>
+        <p:nvPr/>
+      </p:nvGrpSpPr>
+      <p:grpSpPr>
+        <a:xfrm>
+          <a:off x="0" y="0"/>
+          <a:ext cx="0" cy="0"/>
+          <a:chOff x="0" y="0"/>
+          <a:chExt cx="0" cy="0"/>
+        </a:xfrm>
+      </p:grpSpPr>
+      <p:sp>
+        <p:nvSpPr>
+          <p:cNvPr id="2" name="Titel 1"/>
+          <p:cNvSpPr>
+            <a:spLocks noGrp="1"/>
+          </p:cNvSpPr>
+          <p:nvPr>
+            <p:ph type="title"/>
+          </p:nvPr>
+        </p:nvSpPr>
+        <p:spPr/>
+        <p:txBody>
+          <a:bodyPr/>
+          <a:lstStyle/>
+          <a:p>
+            <a:r>
+              <a:rPr lang="de-DE" dirty="0" smtClean="0"/>
+              <a:t>Struktur einer iOS-App</a:t>
+            </a:r>
+            <a:endParaRPr lang="de-DE" dirty="0"/>
+          </a:p>
+        </p:txBody>
+      </p:sp>
+      <p:sp>
+        <p:nvSpPr>
+          <p:cNvPr id="4" name="Datumsplatzhalter 3"/>
+          <p:cNvSpPr>
+            <a:spLocks noGrp="1"/>
+          </p:cNvSpPr>
+          <p:nvPr>
+            <p:ph type="dt" sz="half" idx="10"/>
+          </p:nvPr>
+        </p:nvSpPr>
+        <p:spPr/>
+        <p:txBody>
+          <a:bodyPr/>
+          <a:lstStyle/>
+          <a:p>
+            <a:r>
+              <a:rPr lang="de-CH" smtClean="0"/>
+              <a:t>7. Januar 2016</a:t>
+            </a:r>
+            <a:endParaRPr lang="de-CH" dirty="0"/>
+          </a:p>
+        </p:txBody>
+      </p:sp>
+      <p:sp>
+        <p:nvSpPr>
+          <p:cNvPr id="5" name="Fußzeilenplatzhalter 4"/>
+          <p:cNvSpPr>
+            <a:spLocks noGrp="1"/>
+          </p:cNvSpPr>
+          <p:nvPr>
+            <p:ph type="ftr" sz="quarter" idx="11"/>
+          </p:nvPr>
+        </p:nvSpPr>
+        <p:spPr/>
+        <p:txBody>
+          <a:bodyPr/>
+          <a:lstStyle/>
+          <a:p>
+            <a:r>
+              <a:rPr lang="de-CH" smtClean="0"/>
+              <a:t>iOS-Workshop</a:t>
+            </a:r>
+            <a:endParaRPr lang="de-CH" dirty="0"/>
+          </a:p>
+        </p:txBody>
+      </p:sp>
+      <p:sp>
+        <p:nvSpPr>
+          <p:cNvPr id="6" name="Foliennummernplatzhalter 5"/>
+          <p:cNvSpPr>
+            <a:spLocks noGrp="1"/>
+          </p:cNvSpPr>
+          <p:nvPr>
+            <p:ph type="sldNum" sz="quarter" idx="12"/>
+          </p:nvPr>
+        </p:nvSpPr>
+        <p:spPr/>
+        <p:txBody>
+          <a:bodyPr/>
+          <a:lstStyle/>
+          <a:p>
+            <a:r>
+              <a:rPr lang="de-CH" smtClean="0"/>
+              <a:t>Folie </a:t>
+            </a:r>
+            <a:fld id="{D7D516EC-717A-46FD-BBF7-B49E47ACA4F3}" type="slidenum">
+              <a:rPr lang="de-CH" smtClean="0"/>
+              <a:pPr/>
+              <a:t>6</a:t>
+            </a:fld>
+            <a:endParaRPr lang="de-CH" dirty="0"/>
+          </a:p>
+        </p:txBody>
+      </p:sp>
+      <p:pic>
+        <p:nvPicPr>
+          <p:cNvPr id="9" name="Bild 8"/>
+          <p:cNvPicPr>
+            <a:picLocks noChangeAspect="1"/>
+          </p:cNvPicPr>
+          <p:nvPr/>
+        </p:nvPicPr>
+        <p:blipFill>
+          <a:blip r:embed="rId3">
+            <a:extLst>
+              <a:ext uri="{28A0092B-C50C-407E-A947-70E740481C1C}">
+                <a14:useLocalDpi xmlns:a14="http://schemas.microsoft.com/office/drawing/2010/main" val="0"/>
+              </a:ext>
+            </a:extLst>
+          </a:blip>
+          <a:stretch>
+            <a:fillRect/>
+          </a:stretch>
+        </p:blipFill>
+        <p:spPr>
+          <a:xfrm>
+            <a:off x="772585" y="1045588"/>
+            <a:ext cx="6221817" cy="5470188"/>
+          </a:xfrm>
+          <a:prstGeom prst="rect">
+            <a:avLst/>
+          </a:prstGeom>
+        </p:spPr>
+      </p:pic>
+      <p:sp>
+        <p:nvSpPr>
+          <p:cNvPr id="10" name="Pfeil nach rechts 9"/>
+          <p:cNvSpPr/>
+          <p:nvPr/>
+        </p:nvSpPr>
+        <p:spPr>
+          <a:xfrm>
+            <a:off x="7486032" y="3233224"/>
+            <a:ext cx="1080120" cy="570328"/>
+          </a:xfrm>
+          <a:prstGeom prst="rightArrow">
+            <a:avLst/>
+          </a:prstGeom>
+          <a:solidFill>
+            <a:srgbClr val="FF820A"/>
+          </a:solidFill>
+          <a:ln w="12700">
+            <a:noFill/>
+          </a:ln>
+        </p:spPr>
+        <p:style>
+          <a:lnRef idx="2">
+            <a:schemeClr val="accent1">
+              <a:shade val="50000"/>
+            </a:schemeClr>
+          </a:lnRef>
+          <a:fillRef idx="1">
+            <a:schemeClr val="accent1"/>
+          </a:fillRef>
+          <a:effectRef idx="0">
+            <a:schemeClr val="accent1"/>
+          </a:effectRef>
+          <a:fontRef idx="minor">
+            <a:schemeClr val="lt1"/>
+          </a:fontRef>
+        </p:style>
+        <p:txBody>
+          <a:bodyPr rtlCol="0" anchor="ctr"/>
+          <a:lstStyle/>
+          <a:p>
+            <a:pPr algn="ctr"/>
+            <a:endParaRPr lang="de-DE" sz="2200" dirty="0" err="1" smtClean="0">
+              <a:latin typeface="AA Zuehlke" pitchFamily="2" charset="0"/>
+            </a:endParaRPr>
+          </a:p>
+        </p:txBody>
+      </p:sp>
+      <p:sp>
+        <p:nvSpPr>
+          <p:cNvPr id="11" name="Textfeld 10"/>
+          <p:cNvSpPr txBox="1"/>
+          <p:nvPr/>
+        </p:nvSpPr>
+        <p:spPr>
+          <a:xfrm>
+            <a:off x="8756651" y="2839689"/>
+            <a:ext cx="2235893" cy="580953"/>
+          </a:xfrm>
+          <a:prstGeom prst="rect">
+            <a:avLst/>
+          </a:prstGeom>
+          <a:noFill/>
+        </p:spPr>
+        <p:txBody>
+          <a:bodyPr wrap="none" rtlCol="0">
+            <a:noAutofit/>
+          </a:bodyPr>
+          <a:lstStyle/>
+          <a:p>
+            <a:r>
+              <a:rPr lang="de-DE" sz="3600" dirty="0" smtClean="0">
+                <a:latin typeface="AA Zuehlke" pitchFamily="2" charset="0"/>
+              </a:rPr>
+              <a:t>MVC-Pattern</a:t>
+            </a:r>
+          </a:p>
+        </p:txBody>
+      </p:sp>
+      <p:sp>
+        <p:nvSpPr>
+          <p:cNvPr id="12" name="Textfeld 11"/>
+          <p:cNvSpPr txBox="1"/>
+          <p:nvPr/>
+        </p:nvSpPr>
+        <p:spPr>
+          <a:xfrm>
+            <a:off x="8756651" y="3573016"/>
+            <a:ext cx="2955974" cy="648072"/>
+          </a:xfrm>
+          <a:prstGeom prst="rect">
+            <a:avLst/>
+          </a:prstGeom>
+          <a:noFill/>
+        </p:spPr>
+        <p:txBody>
+          <a:bodyPr wrap="square" rtlCol="0">
+            <a:noAutofit/>
+          </a:bodyPr>
+          <a:lstStyle/>
+          <a:p>
+            <a:r>
+              <a:rPr lang="de-DE" sz="2200" dirty="0" smtClean="0">
+                <a:latin typeface="AA Zuehlke" pitchFamily="2" charset="0"/>
+              </a:rPr>
+              <a:t>Vergleich diverser iOS-Entwurfsmuster: </a:t>
+            </a:r>
+            <a:r>
+              <a:rPr lang="de-DE" sz="2200" dirty="0" smtClean="0">
+                <a:latin typeface="AA Zuehlke" pitchFamily="2" charset="0"/>
+                <a:hlinkClick r:id="rId4"/>
+              </a:rPr>
+              <a:t>Link</a:t>
+            </a:r>
+            <a:endParaRPr lang="de-DE" sz="2200" dirty="0" smtClean="0">
+              <a:latin typeface="AA Zuehlke" pitchFamily="2" charset="0"/>
+            </a:endParaRPr>
+          </a:p>
+        </p:txBody>
+      </p:sp>
+    </p:spTree>
+    <p:extLst>
+      <p:ext uri="{BB962C8B-B14F-4D97-AF65-F5344CB8AC3E}">
+        <p14:creationId xmlns:p14="http://schemas.microsoft.com/office/powerpoint/2010/main" val="308416599"/>
+      </p:ext>
+    </p:extLst>
+  </p:cSld>
+  <p:clrMapOvr>
+    <a:masterClrMapping/>
+  </p:clrMapOvr>
+  <p:timing>
+    <p:tnLst>
+      <p:par>
+        <p:cTn id="1" dur="indefinite" restart="never" nodeType="tmRoot"/>
+      </p:par>
+    </p:tnLst>
+  </p:timing>
+</p:sld>
+</file>
+
+<file path=ppt/slides/slide7.xml><?xml version="1.0" encoding="utf-8"?>
+<p:sld xmlns:a="http://schemas.openxmlformats.org/drawingml/2006/main" xmlns:r="http://schemas.openxmlformats.org/officeDocument/2006/relationships" xmlns:p="http://schemas.openxmlformats.org/presentationml/2006/main">
+  <p:cSld>
+    <p:spTree>
+      <p:nvGrpSpPr>
+        <p:cNvPr id="1" name=""/>
+        <p:cNvGrpSpPr/>
+        <p:nvPr/>
+      </p:nvGrpSpPr>
+      <p:grpSpPr>
+        <a:xfrm>
+          <a:off x="0" y="0"/>
+          <a:ext cx="0" cy="0"/>
+          <a:chOff x="0" y="0"/>
+          <a:chExt cx="0" cy="0"/>
+        </a:xfrm>
+      </p:grpSpPr>
+      <p:sp>
+        <p:nvSpPr>
+          <p:cNvPr id="2" name="Titel 1"/>
+          <p:cNvSpPr>
+            <a:spLocks noGrp="1"/>
+          </p:cNvSpPr>
+          <p:nvPr>
+            <p:ph type="title"/>
+          </p:nvPr>
+        </p:nvSpPr>
+        <p:spPr/>
+        <p:txBody>
+          <a:bodyPr/>
+          <a:lstStyle/>
+          <a:p>
+            <a:r>
+              <a:rPr lang="de-DE" dirty="0" smtClean="0"/>
+              <a:t>App </a:t>
+            </a:r>
+            <a:r>
+              <a:rPr lang="de-DE" dirty="0" err="1" smtClean="0"/>
+              <a:t>Lifecycle</a:t>
+            </a:r>
+            <a:endParaRPr lang="de-DE" dirty="0"/>
+          </a:p>
+        </p:txBody>
+      </p:sp>
+      <p:sp>
+        <p:nvSpPr>
+          <p:cNvPr id="4" name="Datumsplatzhalter 3"/>
+          <p:cNvSpPr>
+            <a:spLocks noGrp="1"/>
+          </p:cNvSpPr>
+          <p:nvPr>
+            <p:ph type="dt" sz="half" idx="10"/>
+          </p:nvPr>
+        </p:nvSpPr>
+        <p:spPr/>
+        <p:txBody>
+          <a:bodyPr/>
+          <a:lstStyle/>
+          <a:p>
+            <a:r>
+              <a:rPr lang="de-CH" smtClean="0"/>
+              <a:t>7. Januar 2016</a:t>
+            </a:r>
+            <a:endParaRPr lang="de-CH" dirty="0"/>
+          </a:p>
+        </p:txBody>
+      </p:sp>
+      <p:sp>
+        <p:nvSpPr>
+          <p:cNvPr id="5" name="Fußzeilenplatzhalter 4"/>
+          <p:cNvSpPr>
+            <a:spLocks noGrp="1"/>
+          </p:cNvSpPr>
+          <p:nvPr>
+            <p:ph type="ftr" sz="quarter" idx="11"/>
+          </p:nvPr>
+        </p:nvSpPr>
+        <p:spPr/>
+        <p:txBody>
+          <a:bodyPr/>
+          <a:lstStyle/>
+          <a:p>
+            <a:r>
+              <a:rPr lang="de-CH" smtClean="0"/>
+              <a:t>iOS-Workshop</a:t>
+            </a:r>
+            <a:endParaRPr lang="de-CH" dirty="0"/>
+          </a:p>
+        </p:txBody>
+      </p:sp>
+      <p:sp>
+        <p:nvSpPr>
+          <p:cNvPr id="6" name="Foliennummernplatzhalter 5"/>
+          <p:cNvSpPr>
+            <a:spLocks noGrp="1"/>
+          </p:cNvSpPr>
+          <p:nvPr>
+            <p:ph type="sldNum" sz="quarter" idx="12"/>
+          </p:nvPr>
+        </p:nvSpPr>
+        <p:spPr/>
+        <p:txBody>
+          <a:bodyPr/>
+          <a:lstStyle/>
+          <a:p>
+            <a:r>
+              <a:rPr lang="de-CH" smtClean="0"/>
+              <a:t>Folie </a:t>
+            </a:r>
+            <a:fld id="{D7D516EC-717A-46FD-BBF7-B49E47ACA4F3}" type="slidenum">
+              <a:rPr lang="de-CH" smtClean="0"/>
+              <a:pPr/>
+              <a:t>7</a:t>
+            </a:fld>
+            <a:endParaRPr lang="de-CH" dirty="0"/>
+          </a:p>
+        </p:txBody>
+      </p:sp>
+      <p:pic>
+        <p:nvPicPr>
+          <p:cNvPr id="8" name="Bild 7"/>
+          <p:cNvPicPr>
+            <a:picLocks noChangeAspect="1"/>
+          </p:cNvPicPr>
+          <p:nvPr/>
+        </p:nvPicPr>
+        <p:blipFill>
+          <a:blip r:embed="rId2">
+            <a:extLst>
+              <a:ext uri="{28A0092B-C50C-407E-A947-70E740481C1C}">
+                <a14:useLocalDpi xmlns:a14="http://schemas.microsoft.com/office/drawing/2010/main" val="0"/>
+              </a:ext>
+            </a:extLst>
+          </a:blip>
+          <a:stretch>
+            <a:fillRect/>
+          </a:stretch>
+        </p:blipFill>
+        <p:spPr>
+          <a:xfrm>
+            <a:off x="772585" y="1124744"/>
+            <a:ext cx="4174652" cy="5013176"/>
+          </a:xfrm>
+          <a:prstGeom prst="rect">
+            <a:avLst/>
+          </a:prstGeom>
+        </p:spPr>
+      </p:pic>
+      <p:sp>
+        <p:nvSpPr>
+          <p:cNvPr id="11" name="Pfeil nach rechts 10"/>
+          <p:cNvSpPr/>
+          <p:nvPr/>
+        </p:nvSpPr>
+        <p:spPr>
+          <a:xfrm>
+            <a:off x="5015880" y="3233224"/>
+            <a:ext cx="1080120" cy="570328"/>
+          </a:xfrm>
+          <a:prstGeom prst="rightArrow">
+            <a:avLst/>
+          </a:prstGeom>
+          <a:solidFill>
+            <a:srgbClr val="FF820A"/>
+          </a:solidFill>
+          <a:ln w="12700">
+            <a:noFill/>
+          </a:ln>
+        </p:spPr>
+        <p:style>
+          <a:lnRef idx="2">
+            <a:schemeClr val="accent1">
+              <a:shade val="50000"/>
+            </a:schemeClr>
+          </a:lnRef>
+          <a:fillRef idx="1">
+            <a:schemeClr val="accent1"/>
+          </a:fillRef>
+          <a:effectRef idx="0">
+            <a:schemeClr val="accent1"/>
+          </a:effectRef>
+          <a:fontRef idx="minor">
+            <a:schemeClr val="lt1"/>
+          </a:fontRef>
+        </p:style>
+        <p:txBody>
+          <a:bodyPr rtlCol="0" anchor="ctr"/>
+          <a:lstStyle/>
+          <a:p>
+            <a:pPr algn="ctr"/>
+            <a:endParaRPr lang="de-DE" sz="2200" dirty="0" err="1" smtClean="0">
+              <a:latin typeface="AA Zuehlke" pitchFamily="2" charset="0"/>
+            </a:endParaRPr>
+          </a:p>
+        </p:txBody>
+      </p:sp>
+      <p:sp>
+        <p:nvSpPr>
+          <p:cNvPr id="12" name="Textfeld 11"/>
+          <p:cNvSpPr txBox="1"/>
+          <p:nvPr/>
+        </p:nvSpPr>
+        <p:spPr>
+          <a:xfrm>
+            <a:off x="6164643" y="2186240"/>
+            <a:ext cx="5964836" cy="2664296"/>
+          </a:xfrm>
+          <a:prstGeom prst="rect">
+            <a:avLst/>
+          </a:prstGeom>
+          <a:noFill/>
+        </p:spPr>
+        <p:txBody>
+          <a:bodyPr wrap="square" rtlCol="0">
+            <a:noAutofit/>
+          </a:bodyPr>
+          <a:lstStyle/>
+          <a:p>
+            <a:r>
+              <a:rPr lang="de-DE" sz="2200" dirty="0" smtClean="0">
+                <a:latin typeface="AA Zuehlke" pitchFamily="2" charset="0"/>
+              </a:rPr>
+              <a:t>Diverse </a:t>
+            </a:r>
+            <a:r>
+              <a:rPr lang="de-DE" sz="2200" dirty="0" err="1" smtClean="0">
+                <a:latin typeface="AA Zuehlke" pitchFamily="2" charset="0"/>
+              </a:rPr>
+              <a:t>Delegate</a:t>
+            </a:r>
+            <a:r>
+              <a:rPr lang="de-DE" sz="2200" dirty="0" smtClean="0">
+                <a:latin typeface="AA Zuehlke" pitchFamily="2" charset="0"/>
+              </a:rPr>
+              <a:t>-Aufrufe im App-</a:t>
+            </a:r>
+            <a:r>
+              <a:rPr lang="de-DE" sz="2200" dirty="0" err="1" smtClean="0">
+                <a:latin typeface="AA Zuehlke" pitchFamily="2" charset="0"/>
+              </a:rPr>
+              <a:t>Delegate</a:t>
+            </a:r>
+            <a:r>
+              <a:rPr lang="de-DE" sz="2200" dirty="0">
+                <a:latin typeface="AA Zuehlke" pitchFamily="2" charset="0"/>
+              </a:rPr>
+              <a:t>:</a:t>
+            </a:r>
+            <a:endParaRPr lang="de-DE" sz="2200" dirty="0" smtClean="0">
+              <a:latin typeface="AA Zuehlke" pitchFamily="2" charset="0"/>
+            </a:endParaRPr>
+          </a:p>
+          <a:p>
+            <a:endParaRPr lang="de-DE" sz="2200" dirty="0">
+              <a:latin typeface="AA Zuehlke" pitchFamily="2" charset="0"/>
+            </a:endParaRPr>
+          </a:p>
+          <a:p>
+            <a:pPr marL="342900" indent="-342900">
+              <a:buFont typeface="Arial" charset="0"/>
+              <a:buChar char="•"/>
+            </a:pPr>
+            <a:r>
+              <a:rPr lang="de-DE" sz="1700" dirty="0" err="1" smtClean="0">
+                <a:latin typeface="Courier" charset="0"/>
+                <a:ea typeface="Courier" charset="0"/>
+                <a:cs typeface="Courier" charset="0"/>
+              </a:rPr>
+              <a:t>applicationWillFinishLaunchingWithOptions</a:t>
+            </a:r>
+            <a:endParaRPr lang="de-DE" sz="1700" dirty="0">
+              <a:latin typeface="Courier" charset="0"/>
+              <a:ea typeface="Courier" charset="0"/>
+              <a:cs typeface="Courier" charset="0"/>
+            </a:endParaRPr>
+          </a:p>
+          <a:p>
+            <a:pPr marL="342900" indent="-342900">
+              <a:buFont typeface="Arial" charset="0"/>
+              <a:buChar char="•"/>
+            </a:pPr>
+            <a:r>
+              <a:rPr lang="de-DE" sz="1700" dirty="0" err="1">
+                <a:latin typeface="Courier" charset="0"/>
+                <a:ea typeface="Courier" charset="0"/>
+                <a:cs typeface="Courier" charset="0"/>
+              </a:rPr>
+              <a:t>a</a:t>
+            </a:r>
+            <a:r>
+              <a:rPr lang="de-DE" sz="1700" dirty="0" err="1" smtClean="0">
+                <a:latin typeface="Courier" charset="0"/>
+                <a:ea typeface="Courier" charset="0"/>
+                <a:cs typeface="Courier" charset="0"/>
+              </a:rPr>
+              <a:t>pplicationDidFinishLaunchingWithOtions</a:t>
+            </a:r>
+            <a:endParaRPr lang="de-DE" sz="1700" dirty="0" smtClean="0">
+              <a:latin typeface="Courier" charset="0"/>
+              <a:ea typeface="Courier" charset="0"/>
+              <a:cs typeface="Courier" charset="0"/>
+            </a:endParaRPr>
+          </a:p>
+          <a:p>
+            <a:pPr marL="342900" indent="-342900">
+              <a:buFont typeface="Arial" charset="0"/>
+              <a:buChar char="•"/>
+            </a:pPr>
+            <a:r>
+              <a:rPr lang="de-DE" sz="1700" dirty="0" err="1" smtClean="0">
+                <a:latin typeface="Courier" charset="0"/>
+                <a:ea typeface="Courier" charset="0"/>
+                <a:cs typeface="Courier" charset="0"/>
+              </a:rPr>
+              <a:t>applicationDidBecomeActive</a:t>
+            </a:r>
+            <a:endParaRPr lang="de-DE" sz="1700" dirty="0" smtClean="0">
+              <a:latin typeface="Courier" charset="0"/>
+              <a:ea typeface="Courier" charset="0"/>
+              <a:cs typeface="Courier" charset="0"/>
+            </a:endParaRPr>
+          </a:p>
+          <a:p>
+            <a:pPr marL="342900" indent="-342900">
+              <a:buFont typeface="Arial" charset="0"/>
+              <a:buChar char="•"/>
+            </a:pPr>
+            <a:r>
+              <a:rPr lang="de-DE" sz="1700" dirty="0" err="1" smtClean="0">
+                <a:latin typeface="Courier" charset="0"/>
+                <a:ea typeface="Courier" charset="0"/>
+                <a:cs typeface="Courier" charset="0"/>
+              </a:rPr>
+              <a:t>applicationWillResignActive</a:t>
+            </a:r>
+            <a:endParaRPr lang="de-DE" sz="1700" dirty="0" smtClean="0">
+              <a:latin typeface="Courier" charset="0"/>
+              <a:ea typeface="Courier" charset="0"/>
+              <a:cs typeface="Courier" charset="0"/>
+            </a:endParaRPr>
+          </a:p>
+          <a:p>
+            <a:pPr marL="342900" indent="-342900">
+              <a:buFont typeface="Arial" charset="0"/>
+              <a:buChar char="•"/>
+            </a:pPr>
+            <a:r>
+              <a:rPr lang="de-DE" sz="1700" dirty="0" err="1" smtClean="0">
+                <a:latin typeface="Courier" charset="0"/>
+                <a:ea typeface="Courier" charset="0"/>
+                <a:cs typeface="Courier" charset="0"/>
+              </a:rPr>
+              <a:t>applicationDidEnterBackground</a:t>
+            </a:r>
+            <a:endParaRPr lang="de-DE" sz="1700" dirty="0" smtClean="0">
+              <a:latin typeface="Courier" charset="0"/>
+              <a:ea typeface="Courier" charset="0"/>
+              <a:cs typeface="Courier" charset="0"/>
+            </a:endParaRPr>
+          </a:p>
+          <a:p>
+            <a:pPr marL="342900" indent="-342900">
+              <a:buFont typeface="Arial" charset="0"/>
+              <a:buChar char="•"/>
+            </a:pPr>
+            <a:r>
+              <a:rPr lang="de-DE" sz="1700" dirty="0" err="1" smtClean="0">
+                <a:latin typeface="Courier" charset="0"/>
+                <a:ea typeface="Courier" charset="0"/>
+                <a:cs typeface="Courier" charset="0"/>
+              </a:rPr>
+              <a:t>applicationWillEnterForeground</a:t>
+            </a:r>
+            <a:endParaRPr lang="de-DE" sz="1700" dirty="0" smtClean="0">
+              <a:latin typeface="Courier" charset="0"/>
+              <a:ea typeface="Courier" charset="0"/>
+              <a:cs typeface="Courier" charset="0"/>
+            </a:endParaRPr>
+          </a:p>
+          <a:p>
+            <a:pPr marL="342900" indent="-342900">
+              <a:buFont typeface="Arial" charset="0"/>
+              <a:buChar char="•"/>
+            </a:pPr>
+            <a:r>
+              <a:rPr lang="de-DE" sz="1700" dirty="0" err="1" smtClean="0">
+                <a:latin typeface="Courier" charset="0"/>
+                <a:ea typeface="Courier" charset="0"/>
+                <a:cs typeface="Courier" charset="0"/>
+              </a:rPr>
+              <a:t>applicationWillTerminate</a:t>
+            </a:r>
+            <a:r>
+              <a:rPr lang="de-DE" sz="1700" dirty="0" smtClean="0">
+                <a:latin typeface="Courier" charset="0"/>
+                <a:ea typeface="Courier" charset="0"/>
+                <a:cs typeface="Courier" charset="0"/>
+              </a:rPr>
+              <a:t> </a:t>
+            </a:r>
+          </a:p>
+          <a:p>
+            <a:pPr marL="342900" indent="-342900">
+              <a:buFont typeface="Arial" charset="0"/>
+              <a:buChar char="•"/>
+            </a:pPr>
+            <a:endParaRPr lang="de-DE" sz="2200" dirty="0" smtClean="0">
+              <a:latin typeface="AA Zuehlke" pitchFamily="2" charset="0"/>
+            </a:endParaRPr>
+          </a:p>
+        </p:txBody>
+      </p:sp>
+    </p:spTree>
+    <p:extLst>
+      <p:ext uri="{BB962C8B-B14F-4D97-AF65-F5344CB8AC3E}">
+        <p14:creationId xmlns:p14="http://schemas.microsoft.com/office/powerpoint/2010/main" val="402143011"/>
+      </p:ext>
+    </p:extLst>
+  </p:cSld>
+  <p:clrMapOvr>
+    <a:masterClrMapping/>
+  </p:clrMapOvr>
+  <p:timing>
+    <p:tnLst>
+      <p:par>
+        <p:cTn id="1" dur="indefinite" restart="never" nodeType="tmRoot"/>
+      </p:par>
+    </p:tnLst>
+  </p:timing>
+</p:sld>
+</file>
+
+<file path=ppt/slides/slide8.xml><?xml version="1.0" encoding="utf-8"?>
+<p:sld xmlns:a="http://schemas.openxmlformats.org/drawingml/2006/main" xmlns:r="http://schemas.openxmlformats.org/officeDocument/2006/relationships" xmlns:p="http://schemas.openxmlformats.org/presentationml/2006/main">
+  <p:cSld>
+    <p:spTree>
+      <p:nvGrpSpPr>
+        <p:cNvPr id="1" name=""/>
+        <p:cNvGrpSpPr/>
+        <p:nvPr/>
+      </p:nvGrpSpPr>
+      <p:grpSpPr>
+        <a:xfrm>
+          <a:off x="0" y="0"/>
+          <a:ext cx="0" cy="0"/>
+          <a:chOff x="0" y="0"/>
+          <a:chExt cx="0" cy="0"/>
+        </a:xfrm>
+      </p:grpSpPr>
+      <p:sp>
+        <p:nvSpPr>
+          <p:cNvPr id="2" name="Titel 1"/>
+          <p:cNvSpPr>
+            <a:spLocks noGrp="1"/>
+          </p:cNvSpPr>
+          <p:nvPr>
+            <p:ph type="title"/>
+          </p:nvPr>
+        </p:nvSpPr>
+        <p:spPr/>
+        <p:txBody>
+          <a:bodyPr/>
+          <a:lstStyle/>
+          <a:p>
+            <a:r>
+              <a:rPr lang="de-DE" dirty="0" err="1" smtClean="0"/>
+              <a:t>Automatic</a:t>
+            </a:r>
+            <a:r>
+              <a:rPr lang="de-DE" dirty="0" smtClean="0"/>
+              <a:t> Reference </a:t>
+            </a:r>
+            <a:r>
+              <a:rPr lang="de-DE" dirty="0" err="1" smtClean="0"/>
+              <a:t>Counting</a:t>
+            </a:r>
+            <a:endParaRPr lang="de-DE" dirty="0"/>
+          </a:p>
+        </p:txBody>
+      </p:sp>
+      <p:sp>
+        <p:nvSpPr>
+          <p:cNvPr id="4" name="Datumsplatzhalter 3"/>
+          <p:cNvSpPr>
+            <a:spLocks noGrp="1"/>
+          </p:cNvSpPr>
+          <p:nvPr>
+            <p:ph type="dt" sz="half" idx="10"/>
+          </p:nvPr>
+        </p:nvSpPr>
+        <p:spPr/>
+        <p:txBody>
+          <a:bodyPr/>
+          <a:lstStyle/>
+          <a:p>
+            <a:r>
+              <a:rPr lang="de-CH" smtClean="0"/>
+              <a:t>7. Januar 2016</a:t>
+            </a:r>
+            <a:endParaRPr lang="de-CH" dirty="0"/>
+          </a:p>
+        </p:txBody>
+      </p:sp>
+      <p:sp>
+        <p:nvSpPr>
+          <p:cNvPr id="5" name="Fußzeilenplatzhalter 4"/>
+          <p:cNvSpPr>
+            <a:spLocks noGrp="1"/>
+          </p:cNvSpPr>
+          <p:nvPr>
+            <p:ph type="ftr" sz="quarter" idx="11"/>
+          </p:nvPr>
+        </p:nvSpPr>
+        <p:spPr/>
+        <p:txBody>
+          <a:bodyPr/>
+          <a:lstStyle/>
+          <a:p>
+            <a:r>
+              <a:rPr lang="de-CH" smtClean="0"/>
+              <a:t>iOS-Workshop</a:t>
+            </a:r>
+            <a:endParaRPr lang="de-CH" dirty="0"/>
+          </a:p>
+        </p:txBody>
+      </p:sp>
+      <p:sp>
+        <p:nvSpPr>
+          <p:cNvPr id="6" name="Foliennummernplatzhalter 5"/>
+          <p:cNvSpPr>
+            <a:spLocks noGrp="1"/>
+          </p:cNvSpPr>
+          <p:nvPr>
+            <p:ph type="sldNum" sz="quarter" idx="12"/>
+          </p:nvPr>
+        </p:nvSpPr>
+        <p:spPr/>
+        <p:txBody>
+          <a:bodyPr/>
+          <a:lstStyle/>
+          <a:p>
+            <a:r>
+              <a:rPr lang="de-CH" smtClean="0"/>
+              <a:t>Folie </a:t>
+            </a:r>
+            <a:fld id="{D7D516EC-717A-46FD-BBF7-B49E47ACA4F3}" type="slidenum">
+              <a:rPr lang="de-CH" smtClean="0"/>
+              <a:pPr/>
+              <a:t>8</a:t>
+            </a:fld>
+            <a:endParaRPr lang="de-CH" dirty="0"/>
+          </a:p>
+        </p:txBody>
+      </p:sp>
+      <p:pic>
+        <p:nvPicPr>
+          <p:cNvPr id="8" name="Bild 7">
+            <a:hlinkClick r:id="rId2"/>
+          </p:cNvPr>
+          <p:cNvPicPr>
+            <a:picLocks noChangeAspect="1"/>
+          </p:cNvPicPr>
+          <p:nvPr/>
+        </p:nvPicPr>
+        <p:blipFill>
+          <a:blip r:embed="rId3">
+            <a:extLst>
+              <a:ext uri="{28A0092B-C50C-407E-A947-70E740481C1C}">
+                <a14:useLocalDpi xmlns:a14="http://schemas.microsoft.com/office/drawing/2010/main" val="0"/>
+              </a:ext>
+            </a:extLst>
+          </a:blip>
+          <a:stretch>
+            <a:fillRect/>
+          </a:stretch>
+        </p:blipFill>
+        <p:spPr>
+          <a:xfrm>
+            <a:off x="1079999" y="1620000"/>
+            <a:ext cx="10800000" cy="3249481"/>
+          </a:xfrm>
+          <a:prstGeom prst="rect">
+            <a:avLst/>
+          </a:prstGeom>
+        </p:spPr>
+      </p:pic>
+      <p:sp>
+        <p:nvSpPr>
+          <p:cNvPr id="9" name="Textfeld 8"/>
+          <p:cNvSpPr txBox="1"/>
+          <p:nvPr/>
+        </p:nvSpPr>
+        <p:spPr>
+          <a:xfrm>
+            <a:off x="1523886" y="5853820"/>
+            <a:ext cx="3168352" cy="360040"/>
+          </a:xfrm>
+          <a:prstGeom prst="rect">
+            <a:avLst/>
+          </a:prstGeom>
+          <a:noFill/>
+        </p:spPr>
+        <p:txBody>
+          <a:bodyPr wrap="square" rtlCol="0">
+            <a:noAutofit/>
+          </a:bodyPr>
+          <a:lstStyle/>
+          <a:p>
+            <a:r>
+              <a:rPr lang="de-DE" sz="2200" dirty="0" smtClean="0">
+                <a:latin typeface="AA Zuehlke" pitchFamily="2" charset="0"/>
+                <a:hlinkClick r:id="rId2"/>
+              </a:rPr>
+              <a:t>Apple-Doku</a:t>
+            </a:r>
+            <a:endParaRPr lang="de-DE" sz="2200" dirty="0" smtClean="0">
+              <a:latin typeface="AA Zuehlke" pitchFamily="2" charset="0"/>
+            </a:endParaRPr>
+          </a:p>
+        </p:txBody>
+      </p:sp>
+      <p:sp>
+        <p:nvSpPr>
+          <p:cNvPr id="11" name="Pfeil nach rechts 10"/>
+          <p:cNvSpPr/>
+          <p:nvPr/>
+        </p:nvSpPr>
+        <p:spPr>
+          <a:xfrm>
+            <a:off x="983432" y="5968425"/>
+            <a:ext cx="509233" cy="268887"/>
+          </a:xfrm>
+          <a:prstGeom prst="rightArrow">
+            <a:avLst/>
+          </a:prstGeom>
+          <a:solidFill>
+            <a:srgbClr val="FF820A"/>
+          </a:solidFill>
+          <a:ln w="12700">
+            <a:noFill/>
+          </a:ln>
+        </p:spPr>
+        <p:style>
+          <a:lnRef idx="2">
+            <a:schemeClr val="accent1">
+              <a:shade val="50000"/>
+            </a:schemeClr>
+          </a:lnRef>
+          <a:fillRef idx="1">
+            <a:schemeClr val="accent1"/>
+          </a:fillRef>
+          <a:effectRef idx="0">
+            <a:schemeClr val="accent1"/>
+          </a:effectRef>
+          <a:fontRef idx="minor">
+            <a:schemeClr val="lt1"/>
+          </a:fontRef>
+        </p:style>
+        <p:txBody>
+          <a:bodyPr rtlCol="0" anchor="ctr"/>
+          <a:lstStyle/>
+          <a:p>
+            <a:pPr algn="ctr"/>
+            <a:endParaRPr lang="de-DE" sz="2200" dirty="0" err="1" smtClean="0">
+              <a:latin typeface="AA Zuehlke" pitchFamily="2" charset="0"/>
+            </a:endParaRPr>
+          </a:p>
+        </p:txBody>
+      </p:sp>
+    </p:spTree>
+    <p:extLst>
+      <p:ext uri="{BB962C8B-B14F-4D97-AF65-F5344CB8AC3E}">
+        <p14:creationId xmlns:p14="http://schemas.microsoft.com/office/powerpoint/2010/main" val="1655676820"/>
+      </p:ext>
+    </p:extLst>
+  </p:cSld>
+  <p:clrMapOvr>
+    <a:masterClrMapping/>
+  </p:clrMapOvr>
+  <p:timing>
+    <p:tnLst>
+      <p:par>
+        <p:cTn id="1" dur="indefinite" restart="never" nodeType="tmRoot"/>
+      </p:par>
+    </p:tnLst>
+  </p:timing>
+</p:sld>
+</file>
+
+<file path=ppt/slides/slide9.xml><?xml version="1.0" encoding="utf-8"?>
+<p:sld xmlns:a="http://schemas.openxmlformats.org/drawingml/2006/main" xmlns:r="http://schemas.openxmlformats.org/officeDocument/2006/relationships" xmlns:p="http://schemas.openxmlformats.org/presentationml/2006/main">
+  <p:cSld>
+    <p:spTree>
+      <p:nvGrpSpPr>
+        <p:cNvPr id="1" name=""/>
+        <p:cNvGrpSpPr/>
+        <p:nvPr/>
+      </p:nvGrpSpPr>
+      <p:grpSpPr>
+        <a:xfrm>
+          <a:off x="0" y="0"/>
+          <a:ext cx="0" cy="0"/>
+          <a:chOff x="0" y="0"/>
+          <a:chExt cx="0" cy="0"/>
+        </a:xfrm>
+      </p:grpSpPr>
+      <p:sp>
+        <p:nvSpPr>
+          <p:cNvPr id="2" name="Titel 1"/>
+          <p:cNvSpPr>
+            <a:spLocks noGrp="1"/>
+          </p:cNvSpPr>
+          <p:nvPr>
+            <p:ph type="title"/>
+          </p:nvPr>
+        </p:nvSpPr>
+        <p:spPr/>
+        <p:txBody>
+          <a:bodyPr/>
+          <a:lstStyle/>
+          <a:p>
+            <a:r>
+              <a:rPr lang="de-DE" dirty="0" err="1" smtClean="0"/>
+              <a:t>Automatic</a:t>
+            </a:r>
+            <a:r>
+              <a:rPr lang="de-DE" dirty="0" smtClean="0"/>
+              <a:t> Reference </a:t>
+            </a:r>
+            <a:r>
+              <a:rPr lang="de-DE" dirty="0" err="1" smtClean="0"/>
+              <a:t>Counting</a:t>
+            </a:r>
+            <a:endParaRPr lang="de-DE" dirty="0"/>
+          </a:p>
+        </p:txBody>
+      </p:sp>
+      <p:sp>
+        <p:nvSpPr>
+          <p:cNvPr id="4" name="Datumsplatzhalter 3"/>
+          <p:cNvSpPr>
+            <a:spLocks noGrp="1"/>
+          </p:cNvSpPr>
+          <p:nvPr>
+            <p:ph type="dt" sz="half" idx="10"/>
+          </p:nvPr>
+        </p:nvSpPr>
+        <p:spPr/>
+        <p:txBody>
+          <a:bodyPr/>
+          <a:lstStyle/>
+          <a:p>
+            <a:r>
+              <a:rPr lang="de-CH" smtClean="0"/>
+              <a:t>7. Januar 2016</a:t>
+            </a:r>
+            <a:endParaRPr lang="de-CH" dirty="0"/>
+          </a:p>
+        </p:txBody>
+      </p:sp>
+      <p:sp>
+        <p:nvSpPr>
+          <p:cNvPr id="5" name="Fußzeilenplatzhalter 4"/>
+          <p:cNvSpPr>
+            <a:spLocks noGrp="1"/>
+          </p:cNvSpPr>
+          <p:nvPr>
+            <p:ph type="ftr" sz="quarter" idx="11"/>
+          </p:nvPr>
+        </p:nvSpPr>
+        <p:spPr/>
+        <p:txBody>
+          <a:bodyPr/>
+          <a:lstStyle/>
+          <a:p>
+            <a:r>
+              <a:rPr lang="de-CH" smtClean="0"/>
+              <a:t>iOS-Workshop</a:t>
+            </a:r>
+            <a:endParaRPr lang="de-CH" dirty="0"/>
+          </a:p>
+        </p:txBody>
+      </p:sp>
+      <p:sp>
+        <p:nvSpPr>
+          <p:cNvPr id="6" name="Foliennummernplatzhalter 5"/>
+          <p:cNvSpPr>
+            <a:spLocks noGrp="1"/>
+          </p:cNvSpPr>
+          <p:nvPr>
+            <p:ph type="sldNum" sz="quarter" idx="12"/>
+          </p:nvPr>
+        </p:nvSpPr>
+        <p:spPr/>
+        <p:txBody>
+          <a:bodyPr/>
+          <a:lstStyle/>
+          <a:p>
+            <a:r>
+              <a:rPr lang="de-CH" smtClean="0"/>
+              <a:t>Folie </a:t>
+            </a:r>
+            <a:fld id="{D7D516EC-717A-46FD-BBF7-B49E47ACA4F3}" type="slidenum">
+              <a:rPr lang="de-CH" smtClean="0"/>
+              <a:pPr/>
+              <a:t>9</a:t>
+            </a:fld>
+            <a:endParaRPr lang="de-CH" dirty="0"/>
+          </a:p>
+        </p:txBody>
+      </p:sp>
+      <p:sp>
+        <p:nvSpPr>
+          <p:cNvPr id="9" name="Textfeld 8"/>
+          <p:cNvSpPr txBox="1"/>
+          <p:nvPr/>
+        </p:nvSpPr>
+        <p:spPr>
+          <a:xfrm>
+            <a:off x="1523886" y="5853820"/>
+            <a:ext cx="3168352" cy="360040"/>
+          </a:xfrm>
+          <a:prstGeom prst="rect">
+            <a:avLst/>
+          </a:prstGeom>
+          <a:noFill/>
+        </p:spPr>
+        <p:txBody>
+          <a:bodyPr wrap="square" rtlCol="0">
+            <a:noAutofit/>
+          </a:bodyPr>
+          <a:lstStyle/>
+          <a:p>
+            <a:r>
+              <a:rPr lang="de-DE" sz="2200" dirty="0" smtClean="0">
+                <a:latin typeface="AA Zuehlke" pitchFamily="2" charset="0"/>
+                <a:hlinkClick r:id="rId2"/>
+              </a:rPr>
+              <a:t>Apple-Doku</a:t>
+            </a:r>
+            <a:endParaRPr lang="de-DE" sz="2200" dirty="0" smtClean="0">
+              <a:latin typeface="AA Zuehlke" pitchFamily="2" charset="0"/>
+            </a:endParaRPr>
+          </a:p>
+        </p:txBody>
+      </p:sp>
+      <p:sp>
+        <p:nvSpPr>
+          <p:cNvPr id="11" name="Pfeil nach rechts 10"/>
+          <p:cNvSpPr/>
+          <p:nvPr/>
+        </p:nvSpPr>
+        <p:spPr>
+          <a:xfrm>
+            <a:off x="983432" y="5968425"/>
+            <a:ext cx="509233" cy="268887"/>
+          </a:xfrm>
+          <a:prstGeom prst="rightArrow">
+            <a:avLst/>
+          </a:prstGeom>
+          <a:solidFill>
+            <a:srgbClr val="FF820A"/>
+          </a:solidFill>
+          <a:ln w="12700">
+            <a:noFill/>
+          </a:ln>
+        </p:spPr>
+        <p:style>
+          <a:lnRef idx="2">
+            <a:schemeClr val="accent1">
+              <a:shade val="50000"/>
+            </a:schemeClr>
+          </a:lnRef>
+          <a:fillRef idx="1">
+            <a:schemeClr val="accent1"/>
+          </a:fillRef>
+          <a:effectRef idx="0">
+            <a:schemeClr val="accent1"/>
+          </a:effectRef>
+          <a:fontRef idx="minor">
+            <a:schemeClr val="lt1"/>
+          </a:fontRef>
+        </p:style>
+        <p:txBody>
+          <a:bodyPr rtlCol="0" anchor="ctr"/>
+          <a:lstStyle/>
+          <a:p>
+            <a:pPr algn="ctr"/>
+            <a:endParaRPr lang="de-DE" sz="2200" dirty="0" err="1" smtClean="0">
+              <a:latin typeface="AA Zuehlke" pitchFamily="2" charset="0"/>
+            </a:endParaRPr>
+          </a:p>
+        </p:txBody>
+      </p:sp>
+      <p:pic>
+        <p:nvPicPr>
+          <p:cNvPr id="3" name="Bild 2"/>
+          <p:cNvPicPr>
+            <a:picLocks noChangeAspect="1"/>
+          </p:cNvPicPr>
+          <p:nvPr/>
+        </p:nvPicPr>
+        <p:blipFill>
+          <a:blip r:embed="rId3">
+            <a:extLst>
+              <a:ext uri="{28A0092B-C50C-407E-A947-70E740481C1C}">
+                <a14:useLocalDpi xmlns:a14="http://schemas.microsoft.com/office/drawing/2010/main" val="0"/>
+              </a:ext>
+            </a:extLst>
+          </a:blip>
+          <a:stretch>
+            <a:fillRect/>
+          </a:stretch>
+        </p:blipFill>
+        <p:spPr>
+          <a:xfrm>
+            <a:off x="1080000" y="1620000"/>
+            <a:ext cx="10296000" cy="3286829"/>
+          </a:xfrm>
+          <a:prstGeom prst="rect">
+            <a:avLst/>
+          </a:prstGeom>
+        </p:spPr>
+      </p:pic>
+    </p:spTree>
+    <p:extLst>
+      <p:ext uri="{BB962C8B-B14F-4D97-AF65-F5344CB8AC3E}">
+        <p14:creationId xmlns:p14="http://schemas.microsoft.com/office/powerpoint/2010/main" val="2014699561"/>
       </p:ext>
     </p:extLst>
   </p:cSld>
